--- a/IIS pristatymas/Žiniatinklio paieškos rezultatų kokybės vertinimas paulius edited.pptx
+++ b/IIS pristatymas/Žiniatinklio paieškos rezultatų kokybės vertinimas paulius edited.pptx
@@ -233,7 +233,7 @@
           <a:p>
             <a:fld id="{0A4EB30B-08BE-4E7C-B78A-7B1AB221045B}" type="datetimeFigureOut">
               <a:rPr lang="en-US" smtClean="0"/>
-              <a:t>11/18/2014</a:t>
+              <a:t>11/20/2014</a:t>
             </a:fld>
             <a:endParaRPr lang="en-US"/>
           </a:p>
@@ -706,18 +706,7 @@
                 <a:ea typeface="+mn-ea"/>
                 <a:cs typeface="+mn-cs"/>
               </a:rPr>
-              <a:t>● </a:t>
-            </a:r>
-            <a:r>
-              <a:rPr lang="en-US" sz="1200" b="0" i="0" u="none" strike="noStrike" kern="1200" baseline="0" dirty="0" smtClean="0">
-                <a:solidFill>
-                  <a:schemeClr val="tx1"/>
-                </a:solidFill>
-                <a:latin typeface="+mn-lt"/>
-                <a:ea typeface="+mn-ea"/>
-                <a:cs typeface="+mn-cs"/>
-              </a:rPr>
-              <a:t>Interface design : structure of search engine Web pages and the presentation of</a:t>
+              <a:t>● Interface design : structure of search engine Web pages and the presentation of</a:t>
             </a:r>
           </a:p>
           <a:p>
@@ -959,18 +948,7 @@
                 <a:ea typeface="+mn-ea"/>
                 <a:cs typeface="+mn-cs"/>
               </a:rPr>
-              <a:t>● </a:t>
-            </a:r>
-            <a:r>
-              <a:rPr lang="en-US" sz="1200" b="0" i="0" u="none" strike="noStrike" kern="1200" baseline="0" dirty="0" smtClean="0">
-                <a:solidFill>
-                  <a:schemeClr val="tx1"/>
-                </a:solidFill>
-                <a:latin typeface="+mn-lt"/>
-                <a:ea typeface="+mn-ea"/>
-                <a:cs typeface="+mn-cs"/>
-              </a:rPr>
-              <a:t>Performance of search engines: The speediness of result list presentation is one</a:t>
+              <a:t>● Performance of search engines: The speediness of result list presentation is one</a:t>
             </a:r>
           </a:p>
           <a:p>
@@ -1928,11 +1906,7 @@
           <a:p>
             <a:r>
               <a:rPr lang="en-US" dirty="0" smtClean="0"/>
-              <a:t>http</a:t>
-            </a:r>
-            <a:r>
-              <a:rPr lang="en-US" dirty="0" smtClean="0"/>
-              <a:t>://www.flexiblesystems.com/how-do-search-engines-determine-website-ranking/</a:t>
+              <a:t>http://www.flexiblesystems.com/how-do-search-engines-determine-website-ranking/</a:t>
             </a:r>
             <a:endParaRPr lang="en-US" dirty="0"/>
           </a:p>
@@ -2486,11 +2460,7 @@
           <a:p>
             <a:r>
               <a:rPr lang="en-US" dirty="0" smtClean="0"/>
-              <a:t>http</a:t>
-            </a:r>
-            <a:r>
-              <a:rPr lang="en-US" dirty="0" smtClean="0"/>
-              <a:t>://computer.howstuffworks.com/google-algorithm1.htm</a:t>
+              <a:t>http://computer.howstuffworks.com/google-algorithm1.htm</a:t>
             </a:r>
             <a:endParaRPr lang="en-US" dirty="0"/>
           </a:p>
@@ -2607,11 +2577,7 @@
           <a:p>
             <a:r>
               <a:rPr lang="en-US" dirty="0" smtClean="0"/>
-              <a:t>http</a:t>
-            </a:r>
-            <a:r>
-              <a:rPr lang="en-US" dirty="0" smtClean="0"/>
-              <a:t>://computer.howstuffworks.com/google-algorithm1.htm</a:t>
+              <a:t>http://computer.howstuffworks.com/google-algorithm1.htm</a:t>
             </a:r>
             <a:endParaRPr lang="en-US" dirty="0"/>
           </a:p>
@@ -2796,18 +2762,7 @@
                 <a:ea typeface="+mn-ea"/>
                 <a:cs typeface="+mn-cs"/>
               </a:rPr>
-              <a:t>● </a:t>
-            </a:r>
-            <a:r>
-              <a:rPr lang="en-US" sz="1200" b="0" i="0" u="none" strike="noStrike" kern="1200" baseline="0" dirty="0" smtClean="0">
-                <a:solidFill>
-                  <a:schemeClr val="tx1"/>
-                </a:solidFill>
-                <a:latin typeface="+mn-lt"/>
-                <a:ea typeface="+mn-ea"/>
-                <a:cs typeface="+mn-cs"/>
-              </a:rPr>
-              <a:t>System-</a:t>
+              <a:t>● System-</a:t>
             </a:r>
             <a:r>
               <a:rPr lang="en-US" sz="1200" b="0" i="0" u="none" strike="noStrike" kern="1200" baseline="0" dirty="0" err="1" smtClean="0">
@@ -5806,9 +5761,9 @@
           <a:bodyPr/>
           <a:lstStyle/>
           <a:p>
-            <a:fld id="{48A87A34-81AB-432B-8DAE-1953F412C126}" type="datetimeFigureOut">
-              <a:rPr lang="en-US" smtClean="0"/>
-              <a:t>11/18/2014</a:t>
+            <a:fld id="{1B6A4571-C1E8-47E5-9B37-B0610C695CD2}" type="datetime1">
+              <a:rPr lang="en-US" smtClean="0"/>
+              <a:t>11/20/2014</a:t>
             </a:fld>
             <a:endParaRPr lang="en-US" dirty="0"/>
           </a:p>
@@ -6087,9 +6042,9 @@
           <a:bodyPr/>
           <a:lstStyle/>
           <a:p>
-            <a:fld id="{48A87A34-81AB-432B-8DAE-1953F412C126}" type="datetimeFigureOut">
-              <a:rPr lang="en-US" smtClean="0"/>
-              <a:t>11/18/2014</a:t>
+            <a:fld id="{293A188F-6F50-4485-9385-3ADBBE8D5821}" type="datetime1">
+              <a:rPr lang="en-US" smtClean="0"/>
+              <a:t>11/20/2014</a:t>
             </a:fld>
             <a:endParaRPr lang="en-US" dirty="0"/>
           </a:p>
@@ -6279,9 +6234,9 @@
           <a:bodyPr/>
           <a:lstStyle/>
           <a:p>
-            <a:fld id="{48A87A34-81AB-432B-8DAE-1953F412C126}" type="datetimeFigureOut">
-              <a:rPr lang="en-US" smtClean="0"/>
-              <a:t>11/18/2014</a:t>
+            <a:fld id="{98211AEF-2771-45EC-86F5-D52E13062848}" type="datetime1">
+              <a:rPr lang="en-US" smtClean="0"/>
+              <a:t>11/20/2014</a:t>
             </a:fld>
             <a:endParaRPr lang="en-US" dirty="0"/>
           </a:p>
@@ -6540,9 +6495,9 @@
           <a:bodyPr/>
           <a:lstStyle/>
           <a:p>
-            <a:fld id="{48A87A34-81AB-432B-8DAE-1953F412C126}" type="datetimeFigureOut">
-              <a:rPr lang="en-US" smtClean="0"/>
-              <a:t>11/18/2014</a:t>
+            <a:fld id="{CFC4B88F-C167-49FC-83DC-003DDB328A9A}" type="datetime1">
+              <a:rPr lang="en-US" smtClean="0"/>
+              <a:t>11/20/2014</a:t>
             </a:fld>
             <a:endParaRPr lang="en-US" dirty="0"/>
           </a:p>
@@ -6966,9 +6921,9 @@
           <a:bodyPr/>
           <a:lstStyle/>
           <a:p>
-            <a:fld id="{48A87A34-81AB-432B-8DAE-1953F412C126}" type="datetimeFigureOut">
-              <a:rPr lang="en-US" smtClean="0"/>
-              <a:t>11/18/2014</a:t>
+            <a:fld id="{BC170961-40EC-4267-8A4A-9254D74F2728}" type="datetime1">
+              <a:rPr lang="en-US" smtClean="0"/>
+              <a:t>11/20/2014</a:t>
             </a:fld>
             <a:endParaRPr lang="en-US" dirty="0"/>
           </a:p>
@@ -7512,9 +7467,9 @@
           <a:bodyPr/>
           <a:lstStyle/>
           <a:p>
-            <a:fld id="{48A87A34-81AB-432B-8DAE-1953F412C126}" type="datetimeFigureOut">
-              <a:rPr lang="en-US" smtClean="0"/>
-              <a:t>11/18/2014</a:t>
+            <a:fld id="{EF00B594-BA3F-4AE4-8F3A-215840C6130B}" type="datetime1">
+              <a:rPr lang="en-US" smtClean="0"/>
+              <a:t>11/20/2014</a:t>
             </a:fld>
             <a:endParaRPr lang="en-US" dirty="0"/>
           </a:p>
@@ -8343,9 +8298,9 @@
           <a:bodyPr/>
           <a:lstStyle/>
           <a:p>
-            <a:fld id="{48A87A34-81AB-432B-8DAE-1953F412C126}" type="datetimeFigureOut">
-              <a:rPr lang="en-US" smtClean="0"/>
-              <a:t>11/18/2014</a:t>
+            <a:fld id="{C1124A3A-3465-4FD4-9922-E6268D89EBC6}" type="datetime1">
+              <a:rPr lang="en-US" smtClean="0"/>
+              <a:t>11/20/2014</a:t>
             </a:fld>
             <a:endParaRPr lang="en-US" dirty="0"/>
           </a:p>
@@ -8513,9 +8468,9 @@
           <a:bodyPr/>
           <a:lstStyle/>
           <a:p>
-            <a:fld id="{48A87A34-81AB-432B-8DAE-1953F412C126}" type="datetimeFigureOut">
-              <a:rPr lang="en-US" smtClean="0"/>
-              <a:t>11/18/2014</a:t>
+            <a:fld id="{2F03A7F6-C933-4920-89E7-18D9B5F537B9}" type="datetime1">
+              <a:rPr lang="en-US" smtClean="0"/>
+              <a:t>11/20/2014</a:t>
             </a:fld>
             <a:endParaRPr lang="en-US" dirty="0"/>
           </a:p>
@@ -8693,9 +8648,9 @@
           <a:bodyPr/>
           <a:lstStyle/>
           <a:p>
-            <a:fld id="{48A87A34-81AB-432B-8DAE-1953F412C126}" type="datetimeFigureOut">
-              <a:rPr lang="en-US" smtClean="0"/>
-              <a:t>11/18/2014</a:t>
+            <a:fld id="{E88331B8-4C94-4654-A74C-185874AA84F3}" type="datetime1">
+              <a:rPr lang="en-US" smtClean="0"/>
+              <a:t>11/20/2014</a:t>
             </a:fld>
             <a:endParaRPr lang="en-US" dirty="0"/>
           </a:p>
@@ -8863,9 +8818,9 @@
           <a:bodyPr/>
           <a:lstStyle/>
           <a:p>
-            <a:fld id="{48A87A34-81AB-432B-8DAE-1953F412C126}" type="datetimeFigureOut">
-              <a:rPr lang="en-US" smtClean="0"/>
-              <a:t>11/18/2014</a:t>
+            <a:fld id="{02892BA4-0197-4FA6-91A8-CC94FD6F73E1}" type="datetime1">
+              <a:rPr lang="en-US" smtClean="0"/>
+              <a:t>11/20/2014</a:t>
             </a:fld>
             <a:endParaRPr lang="en-US" dirty="0"/>
           </a:p>
@@ -9120,9 +9075,9 @@
           <a:bodyPr/>
           <a:lstStyle/>
           <a:p>
-            <a:fld id="{48A87A34-81AB-432B-8DAE-1953F412C126}" type="datetimeFigureOut">
-              <a:rPr lang="en-US" smtClean="0"/>
-              <a:t>11/18/2014</a:t>
+            <a:fld id="{CBB40CC6-BBC8-45F3-A092-3A203C43A34D}" type="datetime1">
+              <a:rPr lang="en-US" smtClean="0"/>
+              <a:t>11/20/2014</a:t>
             </a:fld>
             <a:endParaRPr lang="en-US" dirty="0"/>
           </a:p>
@@ -9352,9 +9307,9 @@
           <a:bodyPr/>
           <a:lstStyle/>
           <a:p>
-            <a:fld id="{48A87A34-81AB-432B-8DAE-1953F412C126}" type="datetimeFigureOut">
-              <a:rPr lang="en-US" smtClean="0"/>
-              <a:t>11/18/2014</a:t>
+            <a:fld id="{E437C79E-128E-403C-A839-1EFD7A2EDBBE}" type="datetime1">
+              <a:rPr lang="en-US" smtClean="0"/>
+              <a:t>11/20/2014</a:t>
             </a:fld>
             <a:endParaRPr lang="en-US" dirty="0"/>
           </a:p>
@@ -9745,9 +9700,9 @@
           <a:bodyPr/>
           <a:lstStyle/>
           <a:p>
-            <a:fld id="{48A87A34-81AB-432B-8DAE-1953F412C126}" type="datetimeFigureOut">
-              <a:rPr lang="en-US" smtClean="0"/>
-              <a:t>11/18/2014</a:t>
+            <a:fld id="{BB2D8E9D-D944-4BBA-8A6F-E2869A15C714}" type="datetime1">
+              <a:rPr lang="en-US" smtClean="0"/>
+              <a:t>11/20/2014</a:t>
             </a:fld>
             <a:endParaRPr lang="en-US" dirty="0"/>
           </a:p>
@@ -9863,9 +9818,9 @@
           <a:bodyPr/>
           <a:lstStyle/>
           <a:p>
-            <a:fld id="{48A87A34-81AB-432B-8DAE-1953F412C126}" type="datetimeFigureOut">
-              <a:rPr lang="en-US" smtClean="0"/>
-              <a:t>11/18/2014</a:t>
+            <a:fld id="{D1431BCC-7F6D-4389-8ACC-A0AC2D55DF6F}" type="datetime1">
+              <a:rPr lang="en-US" smtClean="0"/>
+              <a:t>11/20/2014</a:t>
             </a:fld>
             <a:endParaRPr lang="en-US" dirty="0"/>
           </a:p>
@@ -9958,9 +9913,9 @@
           <a:bodyPr/>
           <a:lstStyle/>
           <a:p>
-            <a:fld id="{48A87A34-81AB-432B-8DAE-1953F412C126}" type="datetimeFigureOut">
-              <a:rPr lang="en-US" smtClean="0"/>
-              <a:t>11/18/2014</a:t>
+            <a:fld id="{3DAE1DCE-5794-423A-A834-4C812E8AA3F5}" type="datetime1">
+              <a:rPr lang="en-US" smtClean="0"/>
+              <a:t>11/20/2014</a:t>
             </a:fld>
             <a:endParaRPr lang="en-US" dirty="0"/>
           </a:p>
@@ -10231,9 +10186,9 @@
           <a:bodyPr/>
           <a:lstStyle/>
           <a:p>
-            <a:fld id="{48A87A34-81AB-432B-8DAE-1953F412C126}" type="datetimeFigureOut">
-              <a:rPr lang="en-US" smtClean="0"/>
-              <a:t>11/18/2014</a:t>
+            <a:fld id="{ABD6F329-F2FC-4915-8384-9C2039856931}" type="datetime1">
+              <a:rPr lang="en-US" smtClean="0"/>
+              <a:t>11/20/2014</a:t>
             </a:fld>
             <a:endParaRPr lang="en-US" dirty="0"/>
           </a:p>
@@ -10512,9 +10467,9 @@
           <a:bodyPr/>
           <a:lstStyle/>
           <a:p>
-            <a:fld id="{48A87A34-81AB-432B-8DAE-1953F412C126}" type="datetimeFigureOut">
-              <a:rPr lang="en-US" smtClean="0"/>
-              <a:t>11/18/2014</a:t>
+            <a:fld id="{E7E859E6-7499-411F-90C4-CCFB92880E6A}" type="datetime1">
+              <a:rPr lang="en-US" smtClean="0"/>
+              <a:t>11/20/2014</a:t>
             </a:fld>
             <a:endParaRPr lang="en-US" dirty="0"/>
           </a:p>
@@ -10752,10 +10707,9 @@
             </a:lvl1pPr>
           </a:lstStyle>
           <a:p>
-            <a:fld id="{48A87A34-81AB-432B-8DAE-1953F412C126}" type="datetimeFigureOut">
-              <a:rPr lang="en-US" smtClean="0"/>
-              <a:pPr/>
-              <a:t>11/18/2014</a:t>
+            <a:fld id="{A4B5365C-E19D-4898-81B4-7A564910750A}" type="datetime1">
+              <a:rPr lang="en-US" smtClean="0"/>
+              <a:t>11/20/2014</a:t>
             </a:fld>
             <a:endParaRPr lang="en-US" dirty="0"/>
           </a:p>
@@ -10903,6 +10857,7 @@
     <p:sldLayoutId id="2147483685" r:id="rId16"/>
     <p:sldLayoutId id="2147483686" r:id="rId17"/>
   </p:sldLayoutIdLst>
+  <p:hf hdr="0" ftr="0" dt="0"/>
   <p:txStyles>
     <p:titleStyle>
       <a:lvl1pPr algn="l" defTabSz="914400" rtl="0" eaLnBrk="1" latinLnBrk="0" hangingPunct="1">
@@ -11392,6 +11347,29 @@
           </a:p>
         </p:txBody>
       </p:sp>
+      <p:sp>
+        <p:nvSpPr>
+          <p:cNvPr id="4" name="Slide Number Placeholder 3"/>
+          <p:cNvSpPr>
+            <a:spLocks noGrp="1"/>
+          </p:cNvSpPr>
+          <p:nvPr>
+            <p:ph type="sldNum" sz="quarter" idx="12"/>
+          </p:nvPr>
+        </p:nvSpPr>
+        <p:spPr/>
+        <p:txBody>
+          <a:bodyPr/>
+          <a:lstStyle/>
+          <a:p>
+            <a:fld id="{6D22F896-40B5-4ADD-8801-0D06FADFA095}" type="slidenum">
+              <a:rPr lang="en-US" smtClean="0"/>
+              <a:t>1</a:t>
+            </a:fld>
+            <a:endParaRPr lang="en-US" dirty="0"/>
+          </a:p>
+        </p:txBody>
+      </p:sp>
     </p:spTree>
     <p:extLst>
       <p:ext uri="{BB962C8B-B14F-4D97-AF65-F5344CB8AC3E}">
@@ -11469,11 +11447,7 @@
           <a:p>
             <a:r>
               <a:rPr lang="lt-LT" dirty="0" smtClean="0"/>
-              <a:t>Grafinė vartotojo sąsaja </a:t>
-            </a:r>
-            <a:r>
-              <a:rPr lang="lt-LT" dirty="0" smtClean="0"/>
-              <a:t>–</a:t>
+              <a:t>Grafinė vartotojo sąsaja –</a:t>
             </a:r>
             <a:r>
               <a:rPr lang="en-US" dirty="0" smtClean="0"/>
@@ -11481,26 +11455,13 @@
             </a:r>
             <a:r>
               <a:rPr lang="lt-LT" dirty="0" smtClean="0"/>
-              <a:t>rodiklis </a:t>
-            </a:r>
+              <a:t>rodiklis nurodantis ar vartotojui aiškus visas svetainės išdėstymas.</a:t>
+            </a:r>
+          </a:p>
+          <a:p>
             <a:r>
               <a:rPr lang="lt-LT" dirty="0" smtClean="0"/>
-              <a:t>nurodantis ar vartotojui aiškus visas svetainės </a:t>
-            </a:r>
-            <a:r>
-              <a:rPr lang="lt-LT" dirty="0" smtClean="0"/>
-              <a:t>išdėstymas.</a:t>
-            </a:r>
-            <a:endParaRPr lang="lt-LT" dirty="0" smtClean="0"/>
-          </a:p>
-          <a:p>
-            <a:r>
-              <a:rPr lang="lt-LT" dirty="0" smtClean="0"/>
-              <a:t>Paieškos rezultatai </a:t>
-            </a:r>
-            <a:r>
-              <a:rPr lang="lt-LT" dirty="0" smtClean="0"/>
-              <a:t>–</a:t>
+              <a:t>Paieškos rezultatai –</a:t>
             </a:r>
             <a:r>
               <a:rPr lang="en-US" dirty="0" smtClean="0"/>
@@ -11520,19 +11481,33 @@
             </a:r>
             <a:r>
               <a:rPr lang="lt-LT" dirty="0" smtClean="0"/>
-              <a:t> </a:t>
-            </a:r>
-            <a:r>
-              <a:rPr lang="lt-LT" dirty="0" smtClean="0"/>
-              <a:t>ar </a:t>
-            </a:r>
-            <a:r>
-              <a:rPr lang="lt-LT" dirty="0" smtClean="0"/>
-              <a:t>vartotojas rado tai ko ieškojo.</a:t>
-            </a:r>
-            <a:endParaRPr lang="lt-LT" dirty="0" smtClean="0"/>
-          </a:p>
-          <a:p>
+              <a:t> ar vartotojas rado tai ko ieškojo.</a:t>
+            </a:r>
+          </a:p>
+          <a:p>
+            <a:endParaRPr lang="en-US" dirty="0"/>
+          </a:p>
+        </p:txBody>
+      </p:sp>
+      <p:sp>
+        <p:nvSpPr>
+          <p:cNvPr id="4" name="Slide Number Placeholder 3"/>
+          <p:cNvSpPr>
+            <a:spLocks noGrp="1"/>
+          </p:cNvSpPr>
+          <p:nvPr>
+            <p:ph type="sldNum" sz="quarter" idx="12"/>
+          </p:nvPr>
+        </p:nvSpPr>
+        <p:spPr/>
+        <p:txBody>
+          <a:bodyPr/>
+          <a:lstStyle/>
+          <a:p>
+            <a:fld id="{6D22F896-40B5-4ADD-8801-0D06FADFA095}" type="slidenum">
+              <a:rPr lang="en-US" smtClean="0"/>
+              <a:t>10</a:t>
+            </a:fld>
             <a:endParaRPr lang="en-US" dirty="0"/>
           </a:p>
         </p:txBody>
@@ -11547,6 +11522,13 @@
   <p:clrMapOvr>
     <a:masterClrMapping/>
   </p:clrMapOvr>
+  <p:timing>
+    <p:tnLst>
+      <p:par>
+        <p:cTn id="1" dur="indefinite" restart="never" nodeType="tmRoot"/>
+      </p:par>
+    </p:tnLst>
+  </p:timing>
 </p:sld>
 </file>
 
@@ -11639,15 +11621,7 @@
             </a:r>
             <a:r>
               <a:rPr lang="lt-LT" dirty="0" smtClean="0"/>
-              <a:t> </a:t>
-            </a:r>
-            <a:r>
-              <a:rPr lang="lt-LT" dirty="0" smtClean="0"/>
-              <a:t>ir </a:t>
-            </a:r>
-            <a:r>
-              <a:rPr lang="lt-LT" dirty="0" smtClean="0"/>
-              <a:t>operatoriai</a:t>
+              <a:t> ir operatoriai</a:t>
             </a:r>
             <a:r>
               <a:rPr lang="en-US" dirty="0" smtClean="0"/>
@@ -11664,6 +11638,29 @@
           </a:p>
           <a:p>
             <a:endParaRPr lang="lt-LT" dirty="0" smtClean="0"/>
+          </a:p>
+        </p:txBody>
+      </p:sp>
+      <p:sp>
+        <p:nvSpPr>
+          <p:cNvPr id="4" name="Slide Number Placeholder 3"/>
+          <p:cNvSpPr>
+            <a:spLocks noGrp="1"/>
+          </p:cNvSpPr>
+          <p:nvPr>
+            <p:ph type="sldNum" sz="quarter" idx="12"/>
+          </p:nvPr>
+        </p:nvSpPr>
+        <p:spPr/>
+        <p:txBody>
+          <a:bodyPr/>
+          <a:lstStyle/>
+          <a:p>
+            <a:fld id="{6D22F896-40B5-4ADD-8801-0D06FADFA095}" type="slidenum">
+              <a:rPr lang="en-US" smtClean="0"/>
+              <a:t>11</a:t>
+            </a:fld>
+            <a:endParaRPr lang="en-US" dirty="0"/>
           </a:p>
         </p:txBody>
       </p:sp>
@@ -11677,6 +11674,13 @@
   <p:clrMapOvr>
     <a:masterClrMapping/>
   </p:clrMapOvr>
+  <p:timing>
+    <p:tnLst>
+      <p:par>
+        <p:cTn id="1" dur="indefinite" restart="never" nodeType="tmRoot"/>
+      </p:par>
+    </p:tnLst>
+  </p:timing>
 </p:sld>
 </file>
 
@@ -11789,6 +11793,29 @@
           </a:p>
         </p:txBody>
       </p:sp>
+      <p:sp>
+        <p:nvSpPr>
+          <p:cNvPr id="4" name="Slide Number Placeholder 3"/>
+          <p:cNvSpPr>
+            <a:spLocks noGrp="1"/>
+          </p:cNvSpPr>
+          <p:nvPr>
+            <p:ph type="sldNum" sz="quarter" idx="12"/>
+          </p:nvPr>
+        </p:nvSpPr>
+        <p:spPr/>
+        <p:txBody>
+          <a:bodyPr/>
+          <a:lstStyle/>
+          <a:p>
+            <a:fld id="{6D22F896-40B5-4ADD-8801-0D06FADFA095}" type="slidenum">
+              <a:rPr lang="en-US" smtClean="0"/>
+              <a:t>12</a:t>
+            </a:fld>
+            <a:endParaRPr lang="en-US" dirty="0"/>
+          </a:p>
+        </p:txBody>
+      </p:sp>
     </p:spTree>
     <p:extLst>
       <p:ext uri="{BB962C8B-B14F-4D97-AF65-F5344CB8AC3E}">
@@ -11799,6 +11826,13 @@
   <p:clrMapOvr>
     <a:masterClrMapping/>
   </p:clrMapOvr>
+  <p:timing>
+    <p:tnLst>
+      <p:par>
+        <p:cTn id="1" dur="indefinite" restart="never" nodeType="tmRoot"/>
+      </p:par>
+    </p:tnLst>
+  </p:timing>
 </p:sld>
 </file>
 
@@ -11867,19 +11901,7 @@
             </a:pPr>
             <a:r>
               <a:rPr lang="lt-LT" dirty="0" smtClean="0"/>
-              <a:t>Norėdami </a:t>
-            </a:r>
-            <a:r>
-              <a:rPr lang="lt-LT" dirty="0" smtClean="0"/>
-              <a:t>matyti bendrą vaizdą </a:t>
-            </a:r>
-            <a:r>
-              <a:rPr lang="lt-LT" dirty="0" smtClean="0"/>
-              <a:t>turime </a:t>
-            </a:r>
-            <a:r>
-              <a:rPr lang="lt-LT" dirty="0" smtClean="0"/>
-              <a:t>žiūrėti iš </a:t>
+              <a:t>Norėdami matyti bendrą vaizdą turime žiūrėti iš </a:t>
             </a:r>
             <a:r>
               <a:rPr lang="en-US" dirty="0" err="1" smtClean="0"/>
@@ -11889,7 +11911,6 @@
               <a:rPr lang="lt-LT" dirty="0" smtClean="0"/>
               <a:t>ų perspektyvų:</a:t>
             </a:r>
-            <a:endParaRPr lang="lt-LT" dirty="0" smtClean="0"/>
           </a:p>
           <a:p>
             <a:r>
@@ -11911,6 +11932,29 @@
               <a:t>Sistemos pusės.</a:t>
             </a:r>
             <a:endParaRPr lang="lt-LT" dirty="0"/>
+          </a:p>
+        </p:txBody>
+      </p:sp>
+      <p:sp>
+        <p:nvSpPr>
+          <p:cNvPr id="4" name="Slide Number Placeholder 3"/>
+          <p:cNvSpPr>
+            <a:spLocks noGrp="1"/>
+          </p:cNvSpPr>
+          <p:nvPr>
+            <p:ph type="sldNum" sz="quarter" idx="12"/>
+          </p:nvPr>
+        </p:nvSpPr>
+        <p:spPr/>
+        <p:txBody>
+          <a:bodyPr/>
+          <a:lstStyle/>
+          <a:p>
+            <a:fld id="{6D22F896-40B5-4ADD-8801-0D06FADFA095}" type="slidenum">
+              <a:rPr lang="en-US" smtClean="0"/>
+              <a:t>13</a:t>
+            </a:fld>
+            <a:endParaRPr lang="en-US" dirty="0"/>
           </a:p>
         </p:txBody>
       </p:sp>
@@ -11924,6 +11968,13 @@
   <p:clrMapOvr>
     <a:masterClrMapping/>
   </p:clrMapOvr>
+  <p:timing>
+    <p:tnLst>
+      <p:par>
+        <p:cTn id="1" dur="indefinite" restart="never" nodeType="tmRoot"/>
+      </p:par>
+    </p:tnLst>
+  </p:timing>
 </p:sld>
 </file>
 
@@ -11999,15 +12050,7 @@
             </a:pPr>
             <a:r>
               <a:rPr lang="lt-LT" dirty="0" smtClean="0"/>
-              <a:t>Pagrindiniai </a:t>
-            </a:r>
-            <a:r>
-              <a:rPr lang="lt-LT" dirty="0" smtClean="0"/>
-              <a:t>atrinkimo </a:t>
-            </a:r>
-            <a:r>
-              <a:rPr lang="lt-LT" dirty="0" smtClean="0"/>
-              <a:t>kriterijai:</a:t>
+              <a:t>Pagrindiniai atrinkimo kriterijai:</a:t>
             </a:r>
           </a:p>
           <a:p>
@@ -12019,11 +12062,7 @@
           <a:p>
             <a:r>
               <a:rPr lang="lt-LT" dirty="0" smtClean="0"/>
-              <a:t>Nuorodų </a:t>
-            </a:r>
-            <a:r>
-              <a:rPr lang="lt-LT" dirty="0" smtClean="0"/>
-              <a:t>iš kitų puslapių skaičius ir svoris.</a:t>
+              <a:t>Nuorodų iš kitų puslapių skaičius ir svoris.</a:t>
             </a:r>
           </a:p>
           <a:p>
@@ -12043,6 +12082,29 @@
               <a:rPr lang="lt-LT" dirty="0" smtClean="0"/>
               <a:t>Puslapio pritaikymas paieškos varikliui.(SEO)</a:t>
             </a:r>
+            <a:endParaRPr lang="en-US" dirty="0"/>
+          </a:p>
+        </p:txBody>
+      </p:sp>
+      <p:sp>
+        <p:nvSpPr>
+          <p:cNvPr id="4" name="Slide Number Placeholder 3"/>
+          <p:cNvSpPr>
+            <a:spLocks noGrp="1"/>
+          </p:cNvSpPr>
+          <p:nvPr>
+            <p:ph type="sldNum" sz="quarter" idx="12"/>
+          </p:nvPr>
+        </p:nvSpPr>
+        <p:spPr/>
+        <p:txBody>
+          <a:bodyPr/>
+          <a:lstStyle/>
+          <a:p>
+            <a:fld id="{6D22F896-40B5-4ADD-8801-0D06FADFA095}" type="slidenum">
+              <a:rPr lang="en-US" smtClean="0"/>
+              <a:t>14</a:t>
+            </a:fld>
             <a:endParaRPr lang="en-US" dirty="0"/>
           </a:p>
         </p:txBody>
@@ -12057,6 +12119,13 @@
   <p:clrMapOvr>
     <a:masterClrMapping/>
   </p:clrMapOvr>
+  <p:timing>
+    <p:tnLst>
+      <p:par>
+        <p:cTn id="1" dur="indefinite" restart="never" nodeType="tmRoot"/>
+      </p:par>
+    </p:tnLst>
+  </p:timing>
 </p:sld>
 </file>
 
@@ -12127,45 +12196,13 @@
           <a:p>
             <a:r>
               <a:rPr lang="lt-LT" dirty="0" smtClean="0"/>
-              <a:t>Paieškos varikliai aukščiau atvaizduoja </a:t>
-            </a:r>
+              <a:t>Paieškos varikliai aukščiau atvaizduoja puslapius, kuriuose naujas ir unikalus turinys.</a:t>
+            </a:r>
+          </a:p>
+          <a:p>
             <a:r>
               <a:rPr lang="lt-LT" dirty="0" smtClean="0"/>
-              <a:t>puslapius</a:t>
-            </a:r>
-            <a:r>
-              <a:rPr lang="lt-LT" dirty="0" smtClean="0"/>
-              <a:t>, kuriuose </a:t>
-            </a:r>
-            <a:r>
-              <a:rPr lang="lt-LT" dirty="0" smtClean="0"/>
-              <a:t>naujas </a:t>
-            </a:r>
-            <a:r>
-              <a:rPr lang="lt-LT" dirty="0" smtClean="0"/>
-              <a:t>ir unikalus </a:t>
-            </a:r>
-            <a:r>
-              <a:rPr lang="lt-LT" dirty="0" smtClean="0"/>
-              <a:t>turinys.</a:t>
-            </a:r>
-          </a:p>
-          <a:p>
-            <a:r>
-              <a:rPr lang="lt-LT" dirty="0" smtClean="0"/>
-              <a:t>Reikia </a:t>
-            </a:r>
-            <a:r>
-              <a:rPr lang="lt-LT" dirty="0" smtClean="0"/>
-              <a:t>užtikrinti, kad puslapyje būtų gerai organizuotas ir originalus turinys susijęs su </a:t>
-            </a:r>
-            <a:r>
-              <a:rPr lang="lt-LT" dirty="0" smtClean="0"/>
-              <a:t>raktiniu </a:t>
-            </a:r>
-            <a:r>
-              <a:rPr lang="lt-LT" dirty="0" smtClean="0"/>
-              <a:t>žodžiu ar fraze.</a:t>
+              <a:t>Reikia užtikrinti, kad puslapyje būtų gerai organizuotas ir originalus turinys susijęs su raktiniu žodžiu ar fraze.</a:t>
             </a:r>
           </a:p>
           <a:p>
@@ -12173,6 +12210,29 @@
               <a:rPr lang="lt-LT" dirty="0" smtClean="0"/>
               <a:t>Vienas iš būdų iškelti savo puslapį yra sukurti jame blogą ir reguliariai jį pildyti.</a:t>
             </a:r>
+          </a:p>
+        </p:txBody>
+      </p:sp>
+      <p:sp>
+        <p:nvSpPr>
+          <p:cNvPr id="4" name="Slide Number Placeholder 3"/>
+          <p:cNvSpPr>
+            <a:spLocks noGrp="1"/>
+          </p:cNvSpPr>
+          <p:nvPr>
+            <p:ph type="sldNum" sz="quarter" idx="12"/>
+          </p:nvPr>
+        </p:nvSpPr>
+        <p:spPr/>
+        <p:txBody>
+          <a:bodyPr/>
+          <a:lstStyle/>
+          <a:p>
+            <a:fld id="{6D22F896-40B5-4ADD-8801-0D06FADFA095}" type="slidenum">
+              <a:rPr lang="en-US" smtClean="0"/>
+              <a:t>15</a:t>
+            </a:fld>
+            <a:endParaRPr lang="en-US" dirty="0"/>
           </a:p>
         </p:txBody>
       </p:sp>
@@ -12186,6 +12246,13 @@
   <p:clrMapOvr>
     <a:masterClrMapping/>
   </p:clrMapOvr>
+  <p:timing>
+    <p:tnLst>
+      <p:par>
+        <p:cTn id="1" dur="indefinite" restart="never" nodeType="tmRoot"/>
+      </p:par>
+    </p:tnLst>
+  </p:timing>
 </p:sld>
 </file>
 
@@ -12265,11 +12332,7 @@
             </a:r>
             <a:r>
               <a:rPr lang="lt-LT" dirty="0" smtClean="0"/>
-              <a:t>ukšto </a:t>
-            </a:r>
-            <a:r>
-              <a:rPr lang="lt-LT" dirty="0" smtClean="0"/>
-              <a:t>turinio puslapiai dažniausiai rodo į kitus aukšto turinio puslapius.</a:t>
+              <a:t>ukšto turinio puslapiai dažniausiai rodo į kitus aukšto turinio puslapius.</a:t>
             </a:r>
           </a:p>
           <a:p>
@@ -12277,6 +12340,29 @@
               <a:rPr lang="lt-LT" dirty="0" smtClean="0"/>
               <a:t>Puslapiai, kurie fiktyviai randa būdų gauti nuorodų rodančių į juos dažnai būna rodomi žemiau paieškos rezultatuose.</a:t>
             </a:r>
+          </a:p>
+        </p:txBody>
+      </p:sp>
+      <p:sp>
+        <p:nvSpPr>
+          <p:cNvPr id="4" name="Slide Number Placeholder 3"/>
+          <p:cNvSpPr>
+            <a:spLocks noGrp="1"/>
+          </p:cNvSpPr>
+          <p:nvPr>
+            <p:ph type="sldNum" sz="quarter" idx="12"/>
+          </p:nvPr>
+        </p:nvSpPr>
+        <p:spPr/>
+        <p:txBody>
+          <a:bodyPr/>
+          <a:lstStyle/>
+          <a:p>
+            <a:fld id="{6D22F896-40B5-4ADD-8801-0D06FADFA095}" type="slidenum">
+              <a:rPr lang="en-US" smtClean="0"/>
+              <a:t>16</a:t>
+            </a:fld>
+            <a:endParaRPr lang="en-US" dirty="0"/>
           </a:p>
         </p:txBody>
       </p:sp>
@@ -12290,6 +12376,13 @@
   <p:clrMapOvr>
     <a:masterClrMapping/>
   </p:clrMapOvr>
+  <p:timing>
+    <p:tnLst>
+      <p:par>
+        <p:cTn id="1" dur="indefinite" restart="never" nodeType="tmRoot"/>
+      </p:par>
+    </p:tnLst>
+  </p:timing>
 </p:sld>
 </file>
 
@@ -12376,6 +12469,29 @@
           </a:p>
         </p:txBody>
       </p:sp>
+      <p:sp>
+        <p:nvSpPr>
+          <p:cNvPr id="4" name="Slide Number Placeholder 3"/>
+          <p:cNvSpPr>
+            <a:spLocks noGrp="1"/>
+          </p:cNvSpPr>
+          <p:nvPr>
+            <p:ph type="sldNum" sz="quarter" idx="12"/>
+          </p:nvPr>
+        </p:nvSpPr>
+        <p:spPr/>
+        <p:txBody>
+          <a:bodyPr/>
+          <a:lstStyle/>
+          <a:p>
+            <a:fld id="{6D22F896-40B5-4ADD-8801-0D06FADFA095}" type="slidenum">
+              <a:rPr lang="en-US" smtClean="0"/>
+              <a:t>17</a:t>
+            </a:fld>
+            <a:endParaRPr lang="en-US" dirty="0"/>
+          </a:p>
+        </p:txBody>
+      </p:sp>
     </p:spTree>
     <p:extLst>
       <p:ext uri="{BB962C8B-B14F-4D97-AF65-F5344CB8AC3E}">
@@ -12386,6 +12502,13 @@
   <p:clrMapOvr>
     <a:masterClrMapping/>
   </p:clrMapOvr>
+  <p:timing>
+    <p:tnLst>
+      <p:par>
+        <p:cTn id="1" dur="indefinite" restart="never" nodeType="tmRoot"/>
+      </p:par>
+    </p:tnLst>
+  </p:timing>
 </p:sld>
 </file>
 
@@ -12494,6 +12617,29 @@
           </a:p>
         </p:txBody>
       </p:sp>
+      <p:sp>
+        <p:nvSpPr>
+          <p:cNvPr id="4" name="Slide Number Placeholder 3"/>
+          <p:cNvSpPr>
+            <a:spLocks noGrp="1"/>
+          </p:cNvSpPr>
+          <p:nvPr>
+            <p:ph type="sldNum" sz="quarter" idx="12"/>
+          </p:nvPr>
+        </p:nvSpPr>
+        <p:spPr/>
+        <p:txBody>
+          <a:bodyPr/>
+          <a:lstStyle/>
+          <a:p>
+            <a:fld id="{6D22F896-40B5-4ADD-8801-0D06FADFA095}" type="slidenum">
+              <a:rPr lang="en-US" smtClean="0"/>
+              <a:t>18</a:t>
+            </a:fld>
+            <a:endParaRPr lang="en-US" dirty="0"/>
+          </a:p>
+        </p:txBody>
+      </p:sp>
     </p:spTree>
     <p:extLst>
       <p:ext uri="{BB962C8B-B14F-4D97-AF65-F5344CB8AC3E}">
@@ -12504,6 +12650,13 @@
   <p:clrMapOvr>
     <a:masterClrMapping/>
   </p:clrMapOvr>
+  <p:timing>
+    <p:tnLst>
+      <p:par>
+        <p:cTn id="1" dur="indefinite" restart="never" nodeType="tmRoot"/>
+      </p:par>
+    </p:tnLst>
+  </p:timing>
 </p:sld>
 </file>
 
@@ -12580,13 +12733,8 @@
             </a:pPr>
             <a:r>
               <a:rPr lang="lt-LT" dirty="0" smtClean="0"/>
-              <a:t>Puslapio atvaizdavimą paieškos rezultatų viršuje arba apačioje dažnai lemia puslapio optimizavimas paieškos varikliui</a:t>
-            </a:r>
-            <a:r>
-              <a:rPr lang="lt-LT" dirty="0" smtClean="0"/>
-              <a:t>.</a:t>
-            </a:r>
-            <a:endParaRPr lang="lt-LT" dirty="0" smtClean="0"/>
+              <a:t>Puslapio atvaizdavimą paieškos rezultatų viršuje arba apačioje dažnai lemia puslapio optimizavimas paieškos varikliui.</a:t>
+            </a:r>
           </a:p>
           <a:p>
             <a:pPr marL="0" indent="0">
@@ -12634,6 +12782,29 @@
               <a:rPr lang="lt-LT" dirty="0" smtClean="0"/>
               <a:t> servisais.</a:t>
             </a:r>
+            <a:endParaRPr lang="en-US" dirty="0"/>
+          </a:p>
+        </p:txBody>
+      </p:sp>
+      <p:sp>
+        <p:nvSpPr>
+          <p:cNvPr id="4" name="Slide Number Placeholder 3"/>
+          <p:cNvSpPr>
+            <a:spLocks noGrp="1"/>
+          </p:cNvSpPr>
+          <p:nvPr>
+            <p:ph type="sldNum" sz="quarter" idx="12"/>
+          </p:nvPr>
+        </p:nvSpPr>
+        <p:spPr/>
+        <p:txBody>
+          <a:bodyPr/>
+          <a:lstStyle/>
+          <a:p>
+            <a:fld id="{6D22F896-40B5-4ADD-8801-0D06FADFA095}" type="slidenum">
+              <a:rPr lang="en-US" smtClean="0"/>
+              <a:t>19</a:t>
+            </a:fld>
             <a:endParaRPr lang="en-US" dirty="0"/>
           </a:p>
         </p:txBody>
@@ -12648,6 +12819,13 @@
   <p:clrMapOvr>
     <a:masterClrMapping/>
   </p:clrMapOvr>
+  <p:timing>
+    <p:tnLst>
+      <p:par>
+        <p:cTn id="1" dur="indefinite" restart="never" nodeType="tmRoot"/>
+      </p:par>
+    </p:tnLst>
+  </p:timing>
 </p:sld>
 </file>
 
@@ -12700,11 +12878,7 @@
             </a:r>
             <a:r>
               <a:rPr lang="lt-LT" dirty="0" smtClean="0"/>
-              <a:t> </a:t>
-            </a:r>
-            <a:r>
-              <a:rPr lang="lt-LT" dirty="0" smtClean="0"/>
-              <a:t>informacijos ne visada </a:t>
+              <a:t> informacijos ne visada </a:t>
             </a:r>
             <a:r>
               <a:rPr lang="en-US" dirty="0" err="1" smtClean="0"/>
@@ -12752,22 +12926,14 @@
           <a:p>
             <a:r>
               <a:rPr lang="lt-LT" dirty="0" smtClean="0"/>
-              <a:t>Svetainių kūrėjai savo puslapiuose naudoja raktinius žodžius, kurie nesusisiję su puslapio turiniu</a:t>
-            </a:r>
+              <a:t>Svetainių kūrėjai savo puslapiuose naudoja raktinius žodžius, kurie nesusisiję su puslapio turiniu.</a:t>
+            </a:r>
+            <a:endParaRPr lang="en-US" dirty="0" smtClean="0"/>
+          </a:p>
+          <a:p>
             <a:r>
               <a:rPr lang="lt-LT" dirty="0" smtClean="0"/>
-              <a:t>.</a:t>
-            </a:r>
-            <a:endParaRPr lang="en-US" dirty="0" smtClean="0"/>
-          </a:p>
-          <a:p>
-            <a:r>
-              <a:rPr lang="lt-LT" dirty="0" smtClean="0"/>
-              <a:t> Dauguma </a:t>
-            </a:r>
-            <a:r>
-              <a:rPr lang="lt-LT" dirty="0" smtClean="0"/>
-              <a:t>paieškos variklių sistemų personalizuoja gaunamus rezultatus remiantis prieš tai darytomis paieškomis. </a:t>
+              <a:t> Dauguma paieškos variklių sistemų personalizuoja gaunamus rezultatus remiantis prieš tai darytomis paieškomis. </a:t>
             </a:r>
             <a:endParaRPr lang="en-US" dirty="0"/>
           </a:p>
@@ -12777,6 +12943,29 @@
               <a:t>Paieška iš skirtingos vietovės duoda skirtingus rezultatus. </a:t>
             </a:r>
             <a:endParaRPr lang="lt-LT" dirty="0" smtClean="0"/>
+          </a:p>
+        </p:txBody>
+      </p:sp>
+      <p:sp>
+        <p:nvSpPr>
+          <p:cNvPr id="4" name="Slide Number Placeholder 3"/>
+          <p:cNvSpPr>
+            <a:spLocks noGrp="1"/>
+          </p:cNvSpPr>
+          <p:nvPr>
+            <p:ph type="sldNum" sz="quarter" idx="12"/>
+          </p:nvPr>
+        </p:nvSpPr>
+        <p:spPr/>
+        <p:txBody>
+          <a:bodyPr/>
+          <a:lstStyle/>
+          <a:p>
+            <a:fld id="{6D22F896-40B5-4ADD-8801-0D06FADFA095}" type="slidenum">
+              <a:rPr lang="en-US" smtClean="0"/>
+              <a:t>2</a:t>
+            </a:fld>
+            <a:endParaRPr lang="en-US" dirty="0"/>
           </a:p>
         </p:txBody>
       </p:sp>
@@ -12868,6 +13057,29 @@
           </a:prstGeom>
         </p:spPr>
       </p:pic>
+      <p:sp>
+        <p:nvSpPr>
+          <p:cNvPr id="3" name="Slide Number Placeholder 2"/>
+          <p:cNvSpPr>
+            <a:spLocks noGrp="1"/>
+          </p:cNvSpPr>
+          <p:nvPr>
+            <p:ph type="sldNum" sz="quarter" idx="12"/>
+          </p:nvPr>
+        </p:nvSpPr>
+        <p:spPr/>
+        <p:txBody>
+          <a:bodyPr/>
+          <a:lstStyle/>
+          <a:p>
+            <a:fld id="{6D22F896-40B5-4ADD-8801-0D06FADFA095}" type="slidenum">
+              <a:rPr lang="en-US" smtClean="0"/>
+              <a:t>20</a:t>
+            </a:fld>
+            <a:endParaRPr lang="en-US" dirty="0"/>
+          </a:p>
+        </p:txBody>
+      </p:sp>
     </p:spTree>
     <p:extLst>
       <p:ext uri="{BB962C8B-B14F-4D97-AF65-F5344CB8AC3E}">
@@ -12878,6 +13090,13 @@
   <p:clrMapOvr>
     <a:masterClrMapping/>
   </p:clrMapOvr>
+  <p:timing>
+    <p:tnLst>
+      <p:par>
+        <p:cTn id="1" dur="indefinite" restart="never" nodeType="tmRoot"/>
+      </p:par>
+    </p:tnLst>
+  </p:timing>
 </p:sld>
 </file>
 
@@ -12989,21 +13208,35 @@
               <a:rPr lang="lt-LT" dirty="0" smtClean="0"/>
               <a:t>Skaičiuojama kiek nuorodų rodo į puslapį ir kokia tų nuorodų reikšmė. </a:t>
             </a:r>
-            <a:endParaRPr lang="lt-LT" dirty="0" smtClean="0"/>
           </a:p>
           <a:p>
             <a:r>
               <a:rPr lang="lt-LT" dirty="0" smtClean="0"/>
-              <a:t>Kuo </a:t>
-            </a:r>
-            <a:r>
-              <a:rPr lang="lt-LT" dirty="0" smtClean="0"/>
-              <a:t>daugiau puslapis turi nuorodų į kitus puslapius tuo mažesnis tų </a:t>
-            </a:r>
-            <a:r>
-              <a:rPr lang="lt-LT" dirty="0" smtClean="0"/>
-              <a:t>nuorodų.</a:t>
-            </a:r>
+              <a:t>Kuo daugiau puslapis turi nuorodų į kitus puslapius tuo mažesnis tų nuorodų.</a:t>
+            </a:r>
+            <a:endParaRPr lang="en-US" dirty="0"/>
+          </a:p>
+        </p:txBody>
+      </p:sp>
+      <p:sp>
+        <p:nvSpPr>
+          <p:cNvPr id="4" name="Slide Number Placeholder 3"/>
+          <p:cNvSpPr>
+            <a:spLocks noGrp="1"/>
+          </p:cNvSpPr>
+          <p:nvPr>
+            <p:ph type="sldNum" sz="quarter" idx="12"/>
+          </p:nvPr>
+        </p:nvSpPr>
+        <p:spPr/>
+        <p:txBody>
+          <a:bodyPr/>
+          <a:lstStyle/>
+          <a:p>
+            <a:fld id="{6D22F896-40B5-4ADD-8801-0D06FADFA095}" type="slidenum">
+              <a:rPr lang="en-US" smtClean="0"/>
+              <a:t>21</a:t>
+            </a:fld>
             <a:endParaRPr lang="en-US" dirty="0"/>
           </a:p>
         </p:txBody>
@@ -13018,6 +13251,13 @@
   <p:clrMapOvr>
     <a:masterClrMapping/>
   </p:clrMapOvr>
+  <p:timing>
+    <p:tnLst>
+      <p:par>
+        <p:cTn id="1" dur="indefinite" restart="never" nodeType="tmRoot"/>
+      </p:par>
+    </p:tnLst>
+  </p:timing>
 </p:sld>
 </file>
 
@@ -13098,12 +13338,31 @@
           <a:p>
             <a:r>
               <a:rPr lang="lt-LT" dirty="0" smtClean="0"/>
-              <a:t>Google atsižvelgia į puslapius, kurie egzistuoja jau ilgesnį </a:t>
-            </a:r>
-            <a:r>
-              <a:rPr lang="lt-LT" dirty="0" smtClean="0"/>
-              <a:t>laiką.</a:t>
-            </a:r>
+              <a:t>Google atsižvelgia į puslapius, kurie egzistuoja jau ilgesnį laiką.</a:t>
+            </a:r>
+            <a:endParaRPr lang="en-US" dirty="0"/>
+          </a:p>
+        </p:txBody>
+      </p:sp>
+      <p:sp>
+        <p:nvSpPr>
+          <p:cNvPr id="4" name="Slide Number Placeholder 3"/>
+          <p:cNvSpPr>
+            <a:spLocks noGrp="1"/>
+          </p:cNvSpPr>
+          <p:nvPr>
+            <p:ph type="sldNum" sz="quarter" idx="12"/>
+          </p:nvPr>
+        </p:nvSpPr>
+        <p:spPr/>
+        <p:txBody>
+          <a:bodyPr/>
+          <a:lstStyle/>
+          <a:p>
+            <a:fld id="{6D22F896-40B5-4ADD-8801-0D06FADFA095}" type="slidenum">
+              <a:rPr lang="en-US" smtClean="0"/>
+              <a:t>22</a:t>
+            </a:fld>
             <a:endParaRPr lang="en-US" dirty="0"/>
           </a:p>
         </p:txBody>
@@ -13118,6 +13377,13 @@
   <p:clrMapOvr>
     <a:masterClrMapping/>
   </p:clrMapOvr>
+  <p:timing>
+    <p:tnLst>
+      <p:par>
+        <p:cTn id="1" dur="indefinite" restart="never" nodeType="tmRoot"/>
+      </p:par>
+    </p:tnLst>
+  </p:timing>
 </p:sld>
 </file>
 
@@ -13192,38 +13458,37 @@
           <a:p>
             <a:r>
               <a:rPr lang="lt-LT" dirty="0" smtClean="0"/>
-              <a:t>Sunku nustatyti </a:t>
-            </a:r>
+              <a:t>Sunku nustatyti informacijos, kurią randame kokybę. </a:t>
+            </a:r>
+          </a:p>
+          <a:p>
             <a:r>
               <a:rPr lang="lt-LT" dirty="0" smtClean="0"/>
-              <a:t>informacijos, kurią </a:t>
-            </a:r>
-            <a:r>
-              <a:rPr lang="lt-LT" dirty="0" smtClean="0"/>
-              <a:t>randame kokybę</a:t>
-            </a:r>
-            <a:r>
-              <a:rPr lang="lt-LT" dirty="0" smtClean="0"/>
-              <a:t>. </a:t>
-            </a:r>
-          </a:p>
-          <a:p>
-            <a:r>
-              <a:rPr lang="lt-LT" dirty="0" smtClean="0"/>
-              <a:t>Paieškos rezultatų kokybė </a:t>
-            </a:r>
-            <a:r>
-              <a:rPr lang="lt-LT" dirty="0" smtClean="0"/>
-              <a:t>priklauso </a:t>
-            </a:r>
-            <a:r>
-              <a:rPr lang="lt-LT" dirty="0" smtClean="0"/>
-              <a:t>nuo </a:t>
-            </a:r>
-            <a:r>
-              <a:rPr lang="lt-LT" dirty="0" smtClean="0"/>
-              <a:t>vartotojų.</a:t>
-            </a:r>
+              <a:t>Paieškos rezultatų kokybė priklauso nuo vartotojų.</a:t>
+            </a:r>
+            <a:endParaRPr lang="en-US" dirty="0"/>
+          </a:p>
+        </p:txBody>
+      </p:sp>
+      <p:sp>
+        <p:nvSpPr>
+          <p:cNvPr id="4" name="Slide Number Placeholder 3"/>
+          <p:cNvSpPr>
+            <a:spLocks noGrp="1"/>
+          </p:cNvSpPr>
+          <p:nvPr>
+            <p:ph type="sldNum" sz="quarter" idx="12"/>
+          </p:nvPr>
+        </p:nvSpPr>
+        <p:spPr/>
+        <p:txBody>
+          <a:bodyPr/>
+          <a:lstStyle/>
+          <a:p>
+            <a:fld id="{6D22F896-40B5-4ADD-8801-0D06FADFA095}" type="slidenum">
+              <a:rPr lang="en-US" smtClean="0"/>
+              <a:t>23</a:t>
+            </a:fld>
             <a:endParaRPr lang="en-US" dirty="0"/>
           </a:p>
         </p:txBody>
@@ -13238,6 +13503,13 @@
   <p:clrMapOvr>
     <a:masterClrMapping/>
   </p:clrMapOvr>
+  <p:timing>
+    <p:tnLst>
+      <p:par>
+        <p:cTn id="1" dur="indefinite" restart="never" nodeType="tmRoot"/>
+      </p:par>
+    </p:tnLst>
+  </p:timing>
 </p:sld>
 </file>
 
@@ -13303,6 +13575,29 @@
             <a:endParaRPr lang="en-US" sz="3200" dirty="0"/>
           </a:p>
           <a:p>
+            <a:endParaRPr lang="en-US" dirty="0"/>
+          </a:p>
+        </p:txBody>
+      </p:sp>
+      <p:sp>
+        <p:nvSpPr>
+          <p:cNvPr id="4" name="Slide Number Placeholder 3"/>
+          <p:cNvSpPr>
+            <a:spLocks noGrp="1"/>
+          </p:cNvSpPr>
+          <p:nvPr>
+            <p:ph type="sldNum" sz="quarter" idx="12"/>
+          </p:nvPr>
+        </p:nvSpPr>
+        <p:spPr/>
+        <p:txBody>
+          <a:bodyPr/>
+          <a:lstStyle/>
+          <a:p>
+            <a:fld id="{6D22F896-40B5-4ADD-8801-0D06FADFA095}" type="slidenum">
+              <a:rPr lang="en-US" smtClean="0"/>
+              <a:t>24</a:t>
+            </a:fld>
             <a:endParaRPr lang="en-US" dirty="0"/>
           </a:p>
         </p:txBody>
@@ -13457,6 +13752,29 @@
           </a:p>
         </p:txBody>
       </p:sp>
+      <p:sp>
+        <p:nvSpPr>
+          <p:cNvPr id="2" name="Slide Number Placeholder 1"/>
+          <p:cNvSpPr>
+            <a:spLocks noGrp="1"/>
+          </p:cNvSpPr>
+          <p:nvPr>
+            <p:ph type="sldNum" sz="quarter" idx="12"/>
+          </p:nvPr>
+        </p:nvSpPr>
+        <p:spPr/>
+        <p:txBody>
+          <a:bodyPr/>
+          <a:lstStyle/>
+          <a:p>
+            <a:fld id="{6D22F896-40B5-4ADD-8801-0D06FADFA095}" type="slidenum">
+              <a:rPr lang="en-US" smtClean="0"/>
+              <a:t>25</a:t>
+            </a:fld>
+            <a:endParaRPr lang="en-US" dirty="0"/>
+          </a:p>
+        </p:txBody>
+      </p:sp>
     </p:spTree>
     <p:extLst>
       <p:ext uri="{BB962C8B-B14F-4D97-AF65-F5344CB8AC3E}">
@@ -13569,6 +13887,29 @@
           </a:prstGeom>
         </p:spPr>
       </p:pic>
+      <p:sp>
+        <p:nvSpPr>
+          <p:cNvPr id="3" name="Slide Number Placeholder 2"/>
+          <p:cNvSpPr>
+            <a:spLocks noGrp="1"/>
+          </p:cNvSpPr>
+          <p:nvPr>
+            <p:ph type="sldNum" sz="quarter" idx="12"/>
+          </p:nvPr>
+        </p:nvSpPr>
+        <p:spPr/>
+        <p:txBody>
+          <a:bodyPr/>
+          <a:lstStyle/>
+          <a:p>
+            <a:fld id="{6D22F896-40B5-4ADD-8801-0D06FADFA095}" type="slidenum">
+              <a:rPr lang="en-US" smtClean="0"/>
+              <a:t>26</a:t>
+            </a:fld>
+            <a:endParaRPr lang="en-US" dirty="0"/>
+          </a:p>
+        </p:txBody>
+      </p:sp>
     </p:spTree>
     <p:extLst>
       <p:ext uri="{BB962C8B-B14F-4D97-AF65-F5344CB8AC3E}">
@@ -13719,6 +14060,29 @@
           </a:prstGeom>
         </p:spPr>
       </p:pic>
+      <p:sp>
+        <p:nvSpPr>
+          <p:cNvPr id="3" name="Slide Number Placeholder 2"/>
+          <p:cNvSpPr>
+            <a:spLocks noGrp="1"/>
+          </p:cNvSpPr>
+          <p:nvPr>
+            <p:ph type="sldNum" sz="quarter" idx="12"/>
+          </p:nvPr>
+        </p:nvSpPr>
+        <p:spPr/>
+        <p:txBody>
+          <a:bodyPr/>
+          <a:lstStyle/>
+          <a:p>
+            <a:fld id="{6D22F896-40B5-4ADD-8801-0D06FADFA095}" type="slidenum">
+              <a:rPr lang="en-US" smtClean="0"/>
+              <a:t>27</a:t>
+            </a:fld>
+            <a:endParaRPr lang="en-US" dirty="0"/>
+          </a:p>
+        </p:txBody>
+      </p:sp>
     </p:spTree>
     <p:extLst>
       <p:ext uri="{BB962C8B-B14F-4D97-AF65-F5344CB8AC3E}">
@@ -13827,6 +14191,29 @@
           </a:prstGeom>
         </p:spPr>
       </p:pic>
+      <p:sp>
+        <p:nvSpPr>
+          <p:cNvPr id="3" name="Slide Number Placeholder 2"/>
+          <p:cNvSpPr>
+            <a:spLocks noGrp="1"/>
+          </p:cNvSpPr>
+          <p:nvPr>
+            <p:ph type="sldNum" sz="quarter" idx="12"/>
+          </p:nvPr>
+        </p:nvSpPr>
+        <p:spPr/>
+        <p:txBody>
+          <a:bodyPr/>
+          <a:lstStyle/>
+          <a:p>
+            <a:fld id="{6D22F896-40B5-4ADD-8801-0D06FADFA095}" type="slidenum">
+              <a:rPr lang="en-US" smtClean="0"/>
+              <a:t>28</a:t>
+            </a:fld>
+            <a:endParaRPr lang="en-US" dirty="0"/>
+          </a:p>
+        </p:txBody>
+      </p:sp>
     </p:spTree>
     <p:extLst>
       <p:ext uri="{BB962C8B-B14F-4D97-AF65-F5344CB8AC3E}">
@@ -13930,6 +14317,29 @@
           </a:prstGeom>
         </p:spPr>
       </p:pic>
+      <p:sp>
+        <p:nvSpPr>
+          <p:cNvPr id="3" name="Slide Number Placeholder 2"/>
+          <p:cNvSpPr>
+            <a:spLocks noGrp="1"/>
+          </p:cNvSpPr>
+          <p:nvPr>
+            <p:ph type="sldNum" sz="quarter" idx="12"/>
+          </p:nvPr>
+        </p:nvSpPr>
+        <p:spPr/>
+        <p:txBody>
+          <a:bodyPr/>
+          <a:lstStyle/>
+          <a:p>
+            <a:fld id="{6D22F896-40B5-4ADD-8801-0D06FADFA095}" type="slidenum">
+              <a:rPr lang="en-US" smtClean="0"/>
+              <a:t>29</a:t>
+            </a:fld>
+            <a:endParaRPr lang="en-US" dirty="0"/>
+          </a:p>
+        </p:txBody>
+      </p:sp>
     </p:spTree>
     <p:extLst>
       <p:ext uri="{BB962C8B-B14F-4D97-AF65-F5344CB8AC3E}">
@@ -14035,6 +14445,29 @@
           </a:p>
         </p:txBody>
       </p:sp>
+      <p:sp>
+        <p:nvSpPr>
+          <p:cNvPr id="4" name="Slide Number Placeholder 3"/>
+          <p:cNvSpPr>
+            <a:spLocks noGrp="1"/>
+          </p:cNvSpPr>
+          <p:nvPr>
+            <p:ph type="sldNum" sz="quarter" idx="12"/>
+          </p:nvPr>
+        </p:nvSpPr>
+        <p:spPr/>
+        <p:txBody>
+          <a:bodyPr/>
+          <a:lstStyle/>
+          <a:p>
+            <a:fld id="{6D22F896-40B5-4ADD-8801-0D06FADFA095}" type="slidenum">
+              <a:rPr lang="en-US" smtClean="0"/>
+              <a:t>3</a:t>
+            </a:fld>
+            <a:endParaRPr lang="en-US" dirty="0"/>
+          </a:p>
+        </p:txBody>
+      </p:sp>
     </p:spTree>
     <p:extLst>
       <p:ext uri="{BB962C8B-B14F-4D97-AF65-F5344CB8AC3E}">
@@ -14045,6 +14478,13 @@
   <p:clrMapOvr>
     <a:masterClrMapping/>
   </p:clrMapOvr>
+  <p:timing>
+    <p:tnLst>
+      <p:par>
+        <p:cTn id="1" dur="indefinite" restart="never" nodeType="tmRoot"/>
+      </p:par>
+    </p:tnLst>
+  </p:timing>
 </p:sld>
 </file>
 
@@ -14144,6 +14584,29 @@
           </a:prstGeom>
         </p:spPr>
       </p:pic>
+      <p:sp>
+        <p:nvSpPr>
+          <p:cNvPr id="3" name="Slide Number Placeholder 2"/>
+          <p:cNvSpPr>
+            <a:spLocks noGrp="1"/>
+          </p:cNvSpPr>
+          <p:nvPr>
+            <p:ph type="sldNum" sz="quarter" idx="12"/>
+          </p:nvPr>
+        </p:nvSpPr>
+        <p:spPr/>
+        <p:txBody>
+          <a:bodyPr/>
+          <a:lstStyle/>
+          <a:p>
+            <a:fld id="{6D22F896-40B5-4ADD-8801-0D06FADFA095}" type="slidenum">
+              <a:rPr lang="en-US" smtClean="0"/>
+              <a:t>30</a:t>
+            </a:fld>
+            <a:endParaRPr lang="en-US" dirty="0"/>
+          </a:p>
+        </p:txBody>
+      </p:sp>
     </p:spTree>
     <p:extLst>
       <p:ext uri="{BB962C8B-B14F-4D97-AF65-F5344CB8AC3E}">
@@ -14345,6 +14808,29 @@
           </a:p>
         </p:txBody>
       </p:sp>
+      <p:sp>
+        <p:nvSpPr>
+          <p:cNvPr id="4" name="Slide Number Placeholder 3"/>
+          <p:cNvSpPr>
+            <a:spLocks noGrp="1"/>
+          </p:cNvSpPr>
+          <p:nvPr>
+            <p:ph type="sldNum" sz="quarter" idx="12"/>
+          </p:nvPr>
+        </p:nvSpPr>
+        <p:spPr/>
+        <p:txBody>
+          <a:bodyPr/>
+          <a:lstStyle/>
+          <a:p>
+            <a:fld id="{6D22F896-40B5-4ADD-8801-0D06FADFA095}" type="slidenum">
+              <a:rPr lang="en-US" smtClean="0"/>
+              <a:t>31</a:t>
+            </a:fld>
+            <a:endParaRPr lang="en-US" dirty="0"/>
+          </a:p>
+        </p:txBody>
+      </p:sp>
     </p:spTree>
     <p:extLst>
       <p:ext uri="{BB962C8B-B14F-4D97-AF65-F5344CB8AC3E}">
@@ -14355,6 +14841,13 @@
   <p:clrMapOvr>
     <a:masterClrMapping/>
   </p:clrMapOvr>
+  <p:timing>
+    <p:tnLst>
+      <p:par>
+        <p:cTn id="1" dur="indefinite" restart="never" nodeType="tmRoot"/>
+      </p:par>
+    </p:tnLst>
+  </p:timing>
 </p:sld>
 </file>
 
@@ -14432,6 +14925,29 @@
           </a:p>
         </p:txBody>
       </p:sp>
+      <p:sp>
+        <p:nvSpPr>
+          <p:cNvPr id="4" name="Slide Number Placeholder 3"/>
+          <p:cNvSpPr>
+            <a:spLocks noGrp="1"/>
+          </p:cNvSpPr>
+          <p:nvPr>
+            <p:ph type="sldNum" sz="quarter" idx="12"/>
+          </p:nvPr>
+        </p:nvSpPr>
+        <p:spPr/>
+        <p:txBody>
+          <a:bodyPr/>
+          <a:lstStyle/>
+          <a:p>
+            <a:fld id="{6D22F896-40B5-4ADD-8801-0D06FADFA095}" type="slidenum">
+              <a:rPr lang="en-US" smtClean="0"/>
+              <a:t>32</a:t>
+            </a:fld>
+            <a:endParaRPr lang="en-US" dirty="0"/>
+          </a:p>
+        </p:txBody>
+      </p:sp>
     </p:spTree>
     <p:extLst>
       <p:ext uri="{BB962C8B-B14F-4D97-AF65-F5344CB8AC3E}">
@@ -14442,6 +14958,13 @@
   <p:clrMapOvr>
     <a:masterClrMapping/>
   </p:clrMapOvr>
+  <p:timing>
+    <p:tnLst>
+      <p:par>
+        <p:cTn id="1" dur="indefinite" restart="never" nodeType="tmRoot"/>
+      </p:par>
+    </p:tnLst>
+  </p:timing>
 </p:sld>
 </file>
 
@@ -14520,6 +15043,29 @@
           </a:p>
         </p:txBody>
       </p:sp>
+      <p:sp>
+        <p:nvSpPr>
+          <p:cNvPr id="4" name="Slide Number Placeholder 3"/>
+          <p:cNvSpPr>
+            <a:spLocks noGrp="1"/>
+          </p:cNvSpPr>
+          <p:nvPr>
+            <p:ph type="sldNum" sz="quarter" idx="12"/>
+          </p:nvPr>
+        </p:nvSpPr>
+        <p:spPr/>
+        <p:txBody>
+          <a:bodyPr/>
+          <a:lstStyle/>
+          <a:p>
+            <a:fld id="{6D22F896-40B5-4ADD-8801-0D06FADFA095}" type="slidenum">
+              <a:rPr lang="en-US" smtClean="0"/>
+              <a:t>33</a:t>
+            </a:fld>
+            <a:endParaRPr lang="en-US" dirty="0"/>
+          </a:p>
+        </p:txBody>
+      </p:sp>
     </p:spTree>
     <p:extLst>
       <p:ext uri="{BB962C8B-B14F-4D97-AF65-F5344CB8AC3E}">
@@ -14530,6 +15076,13 @@
   <p:clrMapOvr>
     <a:masterClrMapping/>
   </p:clrMapOvr>
+  <p:timing>
+    <p:tnLst>
+      <p:par>
+        <p:cTn id="1" dur="indefinite" restart="never" nodeType="tmRoot"/>
+      </p:par>
+    </p:tnLst>
+  </p:timing>
 </p:sld>
 </file>
 
@@ -14649,6 +15202,29 @@
           </a:p>
         </p:txBody>
       </p:sp>
+      <p:sp>
+        <p:nvSpPr>
+          <p:cNvPr id="4" name="Slide Number Placeholder 3"/>
+          <p:cNvSpPr>
+            <a:spLocks noGrp="1"/>
+          </p:cNvSpPr>
+          <p:nvPr>
+            <p:ph type="sldNum" sz="quarter" idx="12"/>
+          </p:nvPr>
+        </p:nvSpPr>
+        <p:spPr/>
+        <p:txBody>
+          <a:bodyPr/>
+          <a:lstStyle/>
+          <a:p>
+            <a:fld id="{6D22F896-40B5-4ADD-8801-0D06FADFA095}" type="slidenum">
+              <a:rPr lang="en-US" smtClean="0"/>
+              <a:t>34</a:t>
+            </a:fld>
+            <a:endParaRPr lang="en-US" dirty="0"/>
+          </a:p>
+        </p:txBody>
+      </p:sp>
     </p:spTree>
     <p:extLst>
       <p:ext uri="{BB962C8B-B14F-4D97-AF65-F5344CB8AC3E}">
@@ -14659,6 +15235,13 @@
   <p:clrMapOvr>
     <a:masterClrMapping/>
   </p:clrMapOvr>
+  <p:timing>
+    <p:tnLst>
+      <p:par>
+        <p:cTn id="1" dur="indefinite" restart="never" nodeType="tmRoot"/>
+      </p:par>
+    </p:tnLst>
+  </p:timing>
 </p:sld>
 </file>
 
@@ -14771,6 +15354,29 @@
           </a:p>
         </p:txBody>
       </p:sp>
+      <p:sp>
+        <p:nvSpPr>
+          <p:cNvPr id="4" name="Slide Number Placeholder 3"/>
+          <p:cNvSpPr>
+            <a:spLocks noGrp="1"/>
+          </p:cNvSpPr>
+          <p:nvPr>
+            <p:ph type="sldNum" sz="quarter" idx="12"/>
+          </p:nvPr>
+        </p:nvSpPr>
+        <p:spPr/>
+        <p:txBody>
+          <a:bodyPr/>
+          <a:lstStyle/>
+          <a:p>
+            <a:fld id="{6D22F896-40B5-4ADD-8801-0D06FADFA095}" type="slidenum">
+              <a:rPr lang="en-US" smtClean="0"/>
+              <a:t>35</a:t>
+            </a:fld>
+            <a:endParaRPr lang="en-US" dirty="0"/>
+          </a:p>
+        </p:txBody>
+      </p:sp>
     </p:spTree>
     <p:extLst>
       <p:ext uri="{BB962C8B-B14F-4D97-AF65-F5344CB8AC3E}">
@@ -14781,6 +15387,13 @@
   <p:clrMapOvr>
     <a:masterClrMapping/>
   </p:clrMapOvr>
+  <p:timing>
+    <p:tnLst>
+      <p:par>
+        <p:cTn id="1" dur="indefinite" restart="never" nodeType="tmRoot"/>
+      </p:par>
+    </p:tnLst>
+  </p:timing>
 </p:sld>
 </file>
 
@@ -14914,6 +15527,29 @@
           </a:p>
         </p:txBody>
       </p:sp>
+      <p:sp>
+        <p:nvSpPr>
+          <p:cNvPr id="4" name="Slide Number Placeholder 3"/>
+          <p:cNvSpPr>
+            <a:spLocks noGrp="1"/>
+          </p:cNvSpPr>
+          <p:nvPr>
+            <p:ph type="sldNum" sz="quarter" idx="12"/>
+          </p:nvPr>
+        </p:nvSpPr>
+        <p:spPr/>
+        <p:txBody>
+          <a:bodyPr/>
+          <a:lstStyle/>
+          <a:p>
+            <a:fld id="{6D22F896-40B5-4ADD-8801-0D06FADFA095}" type="slidenum">
+              <a:rPr lang="en-US" smtClean="0"/>
+              <a:t>36</a:t>
+            </a:fld>
+            <a:endParaRPr lang="en-US" dirty="0"/>
+          </a:p>
+        </p:txBody>
+      </p:sp>
     </p:spTree>
     <p:extLst>
       <p:ext uri="{BB962C8B-B14F-4D97-AF65-F5344CB8AC3E}">
@@ -14924,6 +15560,13 @@
   <p:clrMapOvr>
     <a:masterClrMapping/>
   </p:clrMapOvr>
+  <p:timing>
+    <p:tnLst>
+      <p:par>
+        <p:cTn id="1" dur="indefinite" restart="never" nodeType="tmRoot"/>
+      </p:par>
+    </p:tnLst>
+  </p:timing>
 </p:sld>
 </file>
 
@@ -14989,6 +15632,29 @@
           </a:prstGeom>
         </p:spPr>
       </p:pic>
+      <p:sp>
+        <p:nvSpPr>
+          <p:cNvPr id="3" name="Slide Number Placeholder 2"/>
+          <p:cNvSpPr>
+            <a:spLocks noGrp="1"/>
+          </p:cNvSpPr>
+          <p:nvPr>
+            <p:ph type="sldNum" sz="quarter" idx="12"/>
+          </p:nvPr>
+        </p:nvSpPr>
+        <p:spPr/>
+        <p:txBody>
+          <a:bodyPr/>
+          <a:lstStyle/>
+          <a:p>
+            <a:fld id="{6D22F896-40B5-4ADD-8801-0D06FADFA095}" type="slidenum">
+              <a:rPr lang="en-US" smtClean="0"/>
+              <a:t>37</a:t>
+            </a:fld>
+            <a:endParaRPr lang="en-US" dirty="0"/>
+          </a:p>
+        </p:txBody>
+      </p:sp>
     </p:spTree>
     <p:extLst>
       <p:ext uri="{BB962C8B-B14F-4D97-AF65-F5344CB8AC3E}">
@@ -14999,6 +15665,13 @@
   <p:clrMapOvr>
     <a:masterClrMapping/>
   </p:clrMapOvr>
+  <p:timing>
+    <p:tnLst>
+      <p:par>
+        <p:cTn id="1" dur="indefinite" restart="never" nodeType="tmRoot"/>
+      </p:par>
+    </p:tnLst>
+  </p:timing>
 </p:sld>
 </file>
 
@@ -15090,6 +15763,29 @@
             <a:endParaRPr lang="lt-LT" dirty="0" smtClean="0"/>
           </a:p>
           <a:p>
+            <a:endParaRPr lang="en-US" dirty="0"/>
+          </a:p>
+        </p:txBody>
+      </p:sp>
+      <p:sp>
+        <p:nvSpPr>
+          <p:cNvPr id="4" name="Slide Number Placeholder 3"/>
+          <p:cNvSpPr>
+            <a:spLocks noGrp="1"/>
+          </p:cNvSpPr>
+          <p:nvPr>
+            <p:ph type="sldNum" sz="quarter" idx="12"/>
+          </p:nvPr>
+        </p:nvSpPr>
+        <p:spPr/>
+        <p:txBody>
+          <a:bodyPr/>
+          <a:lstStyle/>
+          <a:p>
+            <a:fld id="{6D22F896-40B5-4ADD-8801-0D06FADFA095}" type="slidenum">
+              <a:rPr lang="en-US" smtClean="0"/>
+              <a:t>4</a:t>
+            </a:fld>
             <a:endParaRPr lang="en-US" dirty="0"/>
           </a:p>
         </p:txBody>
@@ -15220,6 +15916,29 @@
           </a:prstGeom>
         </p:spPr>
       </p:pic>
+      <p:sp>
+        <p:nvSpPr>
+          <p:cNvPr id="5" name="Slide Number Placeholder 4"/>
+          <p:cNvSpPr>
+            <a:spLocks noGrp="1"/>
+          </p:cNvSpPr>
+          <p:nvPr>
+            <p:ph type="sldNum" sz="quarter" idx="12"/>
+          </p:nvPr>
+        </p:nvSpPr>
+        <p:spPr/>
+        <p:txBody>
+          <a:bodyPr/>
+          <a:lstStyle/>
+          <a:p>
+            <a:fld id="{6D22F896-40B5-4ADD-8801-0D06FADFA095}" type="slidenum">
+              <a:rPr lang="en-US" smtClean="0"/>
+              <a:t>5</a:t>
+            </a:fld>
+            <a:endParaRPr lang="en-US" dirty="0"/>
+          </a:p>
+        </p:txBody>
+      </p:sp>
     </p:spTree>
     <p:extLst>
       <p:ext uri="{BB962C8B-B14F-4D97-AF65-F5344CB8AC3E}">
@@ -15343,6 +16062,29 @@
           </a:p>
         </p:txBody>
       </p:sp>
+      <p:sp>
+        <p:nvSpPr>
+          <p:cNvPr id="4" name="Slide Number Placeholder 3"/>
+          <p:cNvSpPr>
+            <a:spLocks noGrp="1"/>
+          </p:cNvSpPr>
+          <p:nvPr>
+            <p:ph type="sldNum" sz="quarter" idx="12"/>
+          </p:nvPr>
+        </p:nvSpPr>
+        <p:spPr/>
+        <p:txBody>
+          <a:bodyPr/>
+          <a:lstStyle/>
+          <a:p>
+            <a:fld id="{6D22F896-40B5-4ADD-8801-0D06FADFA095}" type="slidenum">
+              <a:rPr lang="en-US" smtClean="0"/>
+              <a:t>6</a:t>
+            </a:fld>
+            <a:endParaRPr lang="en-US" dirty="0"/>
+          </a:p>
+        </p:txBody>
+      </p:sp>
     </p:spTree>
     <p:extLst>
       <p:ext uri="{BB962C8B-B14F-4D97-AF65-F5344CB8AC3E}">
@@ -15457,6 +16199,29 @@
           </a:p>
         </p:txBody>
       </p:sp>
+      <p:sp>
+        <p:nvSpPr>
+          <p:cNvPr id="4" name="Slide Number Placeholder 3"/>
+          <p:cNvSpPr>
+            <a:spLocks noGrp="1"/>
+          </p:cNvSpPr>
+          <p:nvPr>
+            <p:ph type="sldNum" sz="quarter" idx="12"/>
+          </p:nvPr>
+        </p:nvSpPr>
+        <p:spPr/>
+        <p:txBody>
+          <a:bodyPr/>
+          <a:lstStyle/>
+          <a:p>
+            <a:fld id="{6D22F896-40B5-4ADD-8801-0D06FADFA095}" type="slidenum">
+              <a:rPr lang="en-US" smtClean="0"/>
+              <a:t>7</a:t>
+            </a:fld>
+            <a:endParaRPr lang="en-US" dirty="0"/>
+          </a:p>
+        </p:txBody>
+      </p:sp>
     </p:spTree>
     <p:extLst>
       <p:ext uri="{BB962C8B-B14F-4D97-AF65-F5344CB8AC3E}">
@@ -15518,11 +16283,7 @@
           <a:p>
             <a:r>
               <a:rPr lang="lt-LT" dirty="0" smtClean="0"/>
-              <a:t>Paieškos </a:t>
-            </a:r>
-            <a:r>
-              <a:rPr lang="lt-LT" dirty="0" smtClean="0"/>
-              <a:t>rezultatų kokybė</a:t>
+              <a:t>Paieškos rezultatų kokybė</a:t>
             </a:r>
             <a:endParaRPr lang="en-US" dirty="0"/>
           </a:p>
@@ -15569,6 +16330,29 @@
             </a:r>
           </a:p>
           <a:p>
+            <a:endParaRPr lang="en-US" dirty="0"/>
+          </a:p>
+        </p:txBody>
+      </p:sp>
+      <p:sp>
+        <p:nvSpPr>
+          <p:cNvPr id="4" name="Slide Number Placeholder 3"/>
+          <p:cNvSpPr>
+            <a:spLocks noGrp="1"/>
+          </p:cNvSpPr>
+          <p:nvPr>
+            <p:ph type="sldNum" sz="quarter" idx="12"/>
+          </p:nvPr>
+        </p:nvSpPr>
+        <p:spPr/>
+        <p:txBody>
+          <a:bodyPr/>
+          <a:lstStyle/>
+          <a:p>
+            <a:fld id="{6D22F896-40B5-4ADD-8801-0D06FADFA095}" type="slidenum">
+              <a:rPr lang="en-US" smtClean="0"/>
+              <a:t>8</a:t>
+            </a:fld>
             <a:endParaRPr lang="en-US" dirty="0"/>
           </a:p>
         </p:txBody>
@@ -15583,6 +16367,13 @@
   <p:clrMapOvr>
     <a:masterClrMapping/>
   </p:clrMapOvr>
+  <p:timing>
+    <p:tnLst>
+      <p:par>
+        <p:cTn id="1" dur="indefinite" restart="never" nodeType="tmRoot"/>
+      </p:par>
+    </p:tnLst>
+  </p:timing>
 </p:sld>
 </file>
 
@@ -15652,11 +16443,7 @@
           <a:p>
             <a:r>
               <a:rPr lang="lt-LT" dirty="0" smtClean="0"/>
-              <a:t>Sistemos techninis lygis – programinės ir aparatūrinės įrangos </a:t>
-            </a:r>
-            <a:r>
-              <a:rPr lang="lt-LT" dirty="0" smtClean="0"/>
-              <a:t>greitis</a:t>
+              <a:t>Sistemos techninis lygis – programinės ir aparatūrinės įrangos greitis</a:t>
             </a:r>
             <a:r>
               <a:rPr lang="en-US" dirty="0" smtClean="0"/>
@@ -15666,15 +16453,7 @@
           <a:p>
             <a:r>
               <a:rPr lang="lt-LT" dirty="0" smtClean="0"/>
-              <a:t>Duomenų </a:t>
-            </a:r>
-            <a:r>
-              <a:rPr lang="lt-LT" dirty="0" smtClean="0"/>
-              <a:t>prieinamumas </a:t>
-            </a:r>
-            <a:r>
-              <a:rPr lang="lt-LT" dirty="0" smtClean="0"/>
-              <a:t>–</a:t>
+              <a:t>Duomenų prieinamumas –</a:t>
             </a:r>
             <a:r>
               <a:rPr lang="en-US" dirty="0" smtClean="0"/>
@@ -15698,23 +16477,7 @@
             </a:r>
             <a:r>
               <a:rPr lang="lt-LT" dirty="0" smtClean="0"/>
-              <a:t>kiek </a:t>
-            </a:r>
-            <a:r>
-              <a:rPr lang="lt-LT" dirty="0" smtClean="0"/>
-              <a:t>procentų viso </a:t>
-            </a:r>
-            <a:r>
-              <a:rPr lang="lt-LT" dirty="0" smtClean="0"/>
-              <a:t>turinio </a:t>
-            </a:r>
-            <a:r>
-              <a:rPr lang="lt-LT" dirty="0" smtClean="0"/>
-              <a:t>yra </a:t>
-            </a:r>
-            <a:r>
-              <a:rPr lang="lt-LT" dirty="0" smtClean="0"/>
-              <a:t>naudojama</a:t>
+              <a:t>kiek procentų viso turinio yra naudojama</a:t>
             </a:r>
             <a:r>
               <a:rPr lang="en-US" dirty="0" smtClean="0"/>
@@ -15724,15 +16487,7 @@
           <a:p>
             <a:r>
               <a:rPr lang="lt-LT" dirty="0" smtClean="0"/>
-              <a:t>Duomenų </a:t>
-            </a:r>
-            <a:r>
-              <a:rPr lang="lt-LT" dirty="0" smtClean="0"/>
-              <a:t>apdorojimo greitis – </a:t>
-            </a:r>
-            <a:r>
-              <a:rPr lang="lt-LT" dirty="0" smtClean="0"/>
-              <a:t>rodiklis</a:t>
+              <a:t>Duomenų apdorojimo greitis – rodiklis</a:t>
             </a:r>
             <a:r>
               <a:rPr lang="en-US" dirty="0" smtClean="0"/>
@@ -15748,15 +16503,7 @@
             </a:r>
             <a:r>
               <a:rPr lang="lt-LT" dirty="0" smtClean="0"/>
-              <a:t>algoritmų</a:t>
-            </a:r>
-            <a:r>
-              <a:rPr lang="lt-LT" dirty="0" smtClean="0"/>
-              <a:t>, apdorojančių turimus </a:t>
-            </a:r>
-            <a:r>
-              <a:rPr lang="lt-LT" dirty="0" smtClean="0"/>
-              <a:t>duomenis</a:t>
+              <a:t>algoritmų, apdorojančių turimus duomenis</a:t>
             </a:r>
             <a:r>
               <a:rPr lang="en-US" dirty="0" smtClean="0"/>
@@ -15771,6 +16518,29 @@
             <a:endParaRPr lang="lt-LT" dirty="0" smtClean="0"/>
           </a:p>
           <a:p>
+            <a:endParaRPr lang="en-US" dirty="0"/>
+          </a:p>
+        </p:txBody>
+      </p:sp>
+      <p:sp>
+        <p:nvSpPr>
+          <p:cNvPr id="4" name="Slide Number Placeholder 3"/>
+          <p:cNvSpPr>
+            <a:spLocks noGrp="1"/>
+          </p:cNvSpPr>
+          <p:nvPr>
+            <p:ph type="sldNum" sz="quarter" idx="12"/>
+          </p:nvPr>
+        </p:nvSpPr>
+        <p:spPr/>
+        <p:txBody>
+          <a:bodyPr/>
+          <a:lstStyle/>
+          <a:p>
+            <a:fld id="{6D22F896-40B5-4ADD-8801-0D06FADFA095}" type="slidenum">
+              <a:rPr lang="en-US" smtClean="0"/>
+              <a:t>9</a:t>
+            </a:fld>
             <a:endParaRPr lang="en-US" dirty="0"/>
           </a:p>
         </p:txBody>
@@ -15785,6 +16555,13 @@
   <p:clrMapOvr>
     <a:masterClrMapping/>
   </p:clrMapOvr>
+  <p:timing>
+    <p:tnLst>
+      <p:par>
+        <p:cTn id="1" dur="indefinite" restart="never" nodeType="tmRoot"/>
+      </p:par>
+    </p:tnLst>
+  </p:timing>
 </p:sld>
 </file>
 

--- a/IIS pristatymas/Žiniatinklio paieškos rezultatų kokybės vertinimas paulius edited.pptx
+++ b/IIS pristatymas/Žiniatinklio paieškos rezultatų kokybės vertinimas paulius edited.pptx
@@ -5,7 +5,7 @@
     <p:sldMasterId id="2147483669" r:id="rId1"/>
   </p:sldMasterIdLst>
   <p:notesMasterIdLst>
-    <p:notesMasterId r:id="rId41"/>
+    <p:notesMasterId r:id="rId40"/>
   </p:notesMasterIdLst>
   <p:sldIdLst>
     <p:sldId id="256" r:id="rId2"/>
@@ -28,25 +28,24 @@
     <p:sldId id="286" r:id="rId19"/>
     <p:sldId id="287" r:id="rId20"/>
     <p:sldId id="288" r:id="rId21"/>
-    <p:sldId id="289" r:id="rId22"/>
-    <p:sldId id="259" r:id="rId23"/>
-    <p:sldId id="290" r:id="rId24"/>
-    <p:sldId id="291" r:id="rId25"/>
-    <p:sldId id="308" r:id="rId26"/>
-    <p:sldId id="261" r:id="rId27"/>
-    <p:sldId id="298" r:id="rId28"/>
-    <p:sldId id="299" r:id="rId29"/>
-    <p:sldId id="300" r:id="rId30"/>
-    <p:sldId id="301" r:id="rId31"/>
-    <p:sldId id="302" r:id="rId32"/>
-    <p:sldId id="303" r:id="rId33"/>
-    <p:sldId id="304" r:id="rId34"/>
-    <p:sldId id="305" r:id="rId35"/>
-    <p:sldId id="292" r:id="rId36"/>
-    <p:sldId id="293" r:id="rId37"/>
-    <p:sldId id="294" r:id="rId38"/>
-    <p:sldId id="296" r:id="rId39"/>
-    <p:sldId id="297" r:id="rId40"/>
+    <p:sldId id="259" r:id="rId22"/>
+    <p:sldId id="290" r:id="rId23"/>
+    <p:sldId id="291" r:id="rId24"/>
+    <p:sldId id="308" r:id="rId25"/>
+    <p:sldId id="261" r:id="rId26"/>
+    <p:sldId id="298" r:id="rId27"/>
+    <p:sldId id="299" r:id="rId28"/>
+    <p:sldId id="300" r:id="rId29"/>
+    <p:sldId id="301" r:id="rId30"/>
+    <p:sldId id="302" r:id="rId31"/>
+    <p:sldId id="303" r:id="rId32"/>
+    <p:sldId id="304" r:id="rId33"/>
+    <p:sldId id="305" r:id="rId34"/>
+    <p:sldId id="292" r:id="rId35"/>
+    <p:sldId id="293" r:id="rId36"/>
+    <p:sldId id="294" r:id="rId37"/>
+    <p:sldId id="296" r:id="rId38"/>
+    <p:sldId id="297" r:id="rId39"/>
   </p:sldIdLst>
   <p:sldSz cx="12192000" cy="6858000"/>
   <p:notesSz cx="6858000" cy="9144000"/>
@@ -235,7 +234,7 @@
           <a:p>
             <a:fld id="{0A4EB30B-08BE-4E7C-B78A-7B1AB221045B}" type="datetimeFigureOut">
               <a:rPr lang="en-US" smtClean="0"/>
-              <a:t>2014-11-20</a:t>
+              <a:t>2014-11-29</a:t>
             </a:fld>
             <a:endParaRPr lang="en-US"/>
           </a:p>
@@ -1637,8 +1636,14 @@
           <a:p>
             <a:r>
               <a:rPr lang="en-US" dirty="0" smtClean="0"/>
-              <a:t>http://webtargetinc.com/8-essential-aspects-to-analyze-your-search-engine-optimization-seo-performance/</a:t>
-            </a:r>
+              <a:t>http://moz.com/blog/searchmetrics-ranking-factors-2014</a:t>
+            </a:r>
+            <a:endParaRPr lang="lt-LT" dirty="0" smtClean="0"/>
+          </a:p>
+          <a:p>
+            <a:endParaRPr lang="lt-LT" dirty="0" smtClean="0"/>
+          </a:p>
+          <a:p>
             <a:endParaRPr lang="en-US" dirty="0"/>
           </a:p>
         </p:txBody>
@@ -1669,7 +1674,7 @@
     </p:spTree>
     <p:extLst>
       <p:ext uri="{BB962C8B-B14F-4D97-AF65-F5344CB8AC3E}">
-        <p14:creationId xmlns:p14="http://schemas.microsoft.com/office/powerpoint/2010/main" val="2400665538"/>
+        <p14:creationId xmlns:p14="http://schemas.microsoft.com/office/powerpoint/2010/main" val="2866773926"/>
       </p:ext>
     </p:extLst>
   </p:cSld>
@@ -1723,16 +1728,84 @@
           <a:bodyPr/>
           <a:lstStyle/>
           <a:p>
+            <a:pPr marL="0" indent="0">
+              <a:buNone/>
+            </a:pPr>
+            <a:r>
+              <a:rPr lang="lt-LT" dirty="0" smtClean="0"/>
+              <a:t>Vienas svarbiausių veiksnių lemiančių puslapio atsiradimą paieškos rezultatuose yra </a:t>
+            </a:r>
+            <a:r>
+              <a:rPr lang="lt-LT" dirty="0" err="1" smtClean="0"/>
+              <a:t>PageRank</a:t>
+            </a:r>
+            <a:r>
+              <a:rPr lang="lt-LT" dirty="0" smtClean="0"/>
+              <a:t> algoritmas.</a:t>
+            </a:r>
+          </a:p>
+          <a:p>
+            <a:pPr marL="0" indent="0">
+              <a:buNone/>
+            </a:pPr>
+            <a:r>
+              <a:rPr lang="lt-LT" dirty="0" smtClean="0"/>
+              <a:t>Kaip skaičiuojamas </a:t>
+            </a:r>
+            <a:r>
+              <a:rPr lang="lt-LT" dirty="0" err="1" smtClean="0"/>
+              <a:t>PageRank</a:t>
+            </a:r>
+            <a:r>
+              <a:rPr lang="lt-LT" dirty="0" smtClean="0"/>
+              <a:t>?</a:t>
+            </a:r>
+          </a:p>
+          <a:p>
+            <a:r>
+              <a:rPr lang="lt-LT" dirty="0" smtClean="0"/>
+              <a:t>Skaičiuojama kiek nuorodų rodo į puslapį ir kokia tų nuorodų reikšmė.</a:t>
+            </a:r>
+            <a:r>
+              <a:rPr lang="lt-LT" b="1" dirty="0" smtClean="0"/>
+              <a:t> (kuo didesnis ir populiaresnis puslapis, turintis geresnį </a:t>
+            </a:r>
+            <a:r>
+              <a:rPr lang="lt-LT" b="1" dirty="0" err="1" smtClean="0"/>
+              <a:t>PageRank</a:t>
+            </a:r>
+            <a:r>
+              <a:rPr lang="lt-LT" b="1" dirty="0" smtClean="0"/>
+              <a:t> indeksą tuo daugiau taškų turės nuoroda iš šio puslapio)</a:t>
+            </a:r>
+          </a:p>
+          <a:p>
+            <a:r>
+              <a:rPr lang="lt-LT" dirty="0" smtClean="0"/>
+              <a:t>Kuo daugiau puslapis turi nuorodų į kitus puslapius tuo mažesnis tų nuorodų </a:t>
+            </a:r>
+            <a:r>
+              <a:rPr lang="lt-LT" b="1" dirty="0" smtClean="0"/>
+              <a:t>svoris(</a:t>
+            </a:r>
+            <a:r>
+              <a:rPr lang="lt-LT" b="1" dirty="0" err="1" smtClean="0"/>
+              <a:t>Pvz</a:t>
+            </a:r>
+            <a:r>
+              <a:rPr lang="lt-LT" b="1" dirty="0" smtClean="0"/>
+              <a:t>: jei puslapio taškų vertė 100 ir jis turi 5 nuorodas į kitus puslapius, kiekvienas puslapis į kurį rodoma gauna po 20 taškų už šią nuorodą, jei yra 20 nuorodų į kitus puslapius visi puslapiai gauna po 5 taškus)</a:t>
+            </a:r>
+            <a:endParaRPr lang="en-US" b="1" dirty="0" smtClean="0"/>
+          </a:p>
+          <a:p>
+            <a:endParaRPr lang="lt-LT" dirty="0" smtClean="0"/>
+          </a:p>
+          <a:p>
             <a:r>
               <a:rPr lang="en-US" dirty="0" smtClean="0"/>
-              <a:t>http://moz.com/blog/searchmetrics-ranking-factors-2014</a:t>
-            </a:r>
-            <a:endParaRPr lang="lt-LT" dirty="0" smtClean="0"/>
-          </a:p>
-          <a:p>
-            <a:endParaRPr lang="lt-LT" dirty="0" smtClean="0"/>
-          </a:p>
-          <a:p>
+              <a:t>http://computer.howstuffworks.com/google-algorithm1.htm</a:t>
+            </a:r>
             <a:endParaRPr lang="en-US" dirty="0"/>
           </a:p>
         </p:txBody>
@@ -1763,7 +1836,7 @@
     </p:spTree>
     <p:extLst>
       <p:ext uri="{BB962C8B-B14F-4D97-AF65-F5344CB8AC3E}">
-        <p14:creationId xmlns:p14="http://schemas.microsoft.com/office/powerpoint/2010/main" val="2866773926"/>
+        <p14:creationId xmlns:p14="http://schemas.microsoft.com/office/powerpoint/2010/main" val="752139957"/>
       </p:ext>
     </p:extLst>
   </p:cSld>
@@ -1817,75 +1890,30 @@
           <a:bodyPr/>
           <a:lstStyle/>
           <a:p>
-            <a:pPr marL="0" indent="0">
-              <a:buNone/>
-            </a:pPr>
-            <a:r>
-              <a:rPr lang="lt-LT" dirty="0" smtClean="0"/>
-              <a:t>Vienas svarbiausių veiksnių lemiančių puslapio atsiradimą paieškos rezultatuose yra </a:t>
-            </a:r>
-            <a:r>
-              <a:rPr lang="lt-LT" dirty="0" err="1" smtClean="0"/>
-              <a:t>PageRank</a:t>
-            </a:r>
-            <a:r>
-              <a:rPr lang="lt-LT" dirty="0" smtClean="0"/>
-              <a:t> algoritmas.</a:t>
-            </a:r>
-          </a:p>
-          <a:p>
-            <a:pPr marL="0" indent="0">
-              <a:buNone/>
-            </a:pPr>
-            <a:r>
-              <a:rPr lang="lt-LT" dirty="0" smtClean="0"/>
-              <a:t>Kaip skaičiuojamas </a:t>
-            </a:r>
-            <a:r>
-              <a:rPr lang="lt-LT" dirty="0" err="1" smtClean="0"/>
-              <a:t>PageRank</a:t>
-            </a:r>
-            <a:r>
-              <a:rPr lang="lt-LT" dirty="0" smtClean="0"/>
-              <a:t>?</a:t>
-            </a:r>
-          </a:p>
-          <a:p>
-            <a:r>
-              <a:rPr lang="lt-LT" dirty="0" smtClean="0"/>
-              <a:t>Skaičiuojama kiek nuorodų rodo į puslapį ir kokia tų nuorodų reikšmė.</a:t>
+            <a:r>
+              <a:rPr lang="lt-LT" dirty="0" smtClean="0"/>
+              <a:t>Puslapio domeno vardas( kuo mažiau simbolių ir skaičių tuo geriau)</a:t>
+            </a:r>
+          </a:p>
+          <a:p>
+            <a:r>
+              <a:rPr lang="lt-LT" dirty="0" smtClean="0"/>
+              <a:t>Domenas, kurio pavadinimas atitinka raktažodį dažnai vaizduojamas aukščiau.</a:t>
+            </a:r>
+          </a:p>
+          <a:p>
+            <a:r>
+              <a:rPr lang="lt-LT" dirty="0" smtClean="0"/>
+              <a:t>Google atsižvelgia į puslapius, kurie egzistuoja jau ilgesnį laiką, </a:t>
             </a:r>
             <a:r>
               <a:rPr lang="lt-LT" b="1" dirty="0" smtClean="0"/>
-              <a:t> (kuo didesnis ir populiaresnis puslapis, turintis geresnį </a:t>
-            </a:r>
-            <a:r>
-              <a:rPr lang="lt-LT" b="1" dirty="0" err="1" smtClean="0"/>
-              <a:t>PageRank</a:t>
-            </a:r>
-            <a:r>
-              <a:rPr lang="lt-LT" b="1" dirty="0" smtClean="0"/>
-              <a:t> indeksą tuo daugiau taškų turės nuoroda iš šio puslapio)</a:t>
-            </a:r>
-          </a:p>
-          <a:p>
-            <a:r>
-              <a:rPr lang="lt-LT" dirty="0" smtClean="0"/>
-              <a:t>Kuo daugiau puslapis turi nuorodų į kitus puslapius tuo mažesnis tų nuorodų </a:t>
-            </a:r>
-            <a:r>
-              <a:rPr lang="lt-LT" b="1" dirty="0" smtClean="0"/>
-              <a:t>svoris(</a:t>
-            </a:r>
-            <a:r>
-              <a:rPr lang="lt-LT" b="1" dirty="0" err="1" smtClean="0"/>
-              <a:t>Pvz</a:t>
-            </a:r>
-            <a:r>
-              <a:rPr lang="lt-LT" b="1" dirty="0" smtClean="0"/>
-              <a:t>: jei puslapio taškų vertė 100 ir jis turi 5 nuorodas į kitus puslapius, kiekvienas puslapis į kurį rodoma gauna po 20 taškų už šią nuorodą, jei yra 20 nuorodų į kitus puslapius visi puslapiai gauna po 5 taškus)</a:t>
+              <a:t>nes dažnai būna atvejų, kad sukuriamas puslapis, optimizuojamas ir iškeliamas į viršų, nors jame nėra turinio, kurio norėtų vartotojai.</a:t>
             </a:r>
             <a:endParaRPr lang="en-US" b="1" dirty="0" smtClean="0"/>
+          </a:p>
+          <a:p>
+            <a:endParaRPr lang="lt-LT" dirty="0" smtClean="0"/>
           </a:p>
           <a:p>
             <a:endParaRPr lang="lt-LT" dirty="0" smtClean="0"/>
@@ -1925,7 +1953,7 @@
     </p:spTree>
     <p:extLst>
       <p:ext uri="{BB962C8B-B14F-4D97-AF65-F5344CB8AC3E}">
-        <p14:creationId xmlns:p14="http://schemas.microsoft.com/office/powerpoint/2010/main" val="752139957"/>
+        <p14:creationId xmlns:p14="http://schemas.microsoft.com/office/powerpoint/2010/main" val="3443485819"/>
       </p:ext>
     </p:extLst>
   </p:cSld>
@@ -2088,38 +2116,38 @@
           <a:lstStyle/>
           <a:p>
             <a:r>
-              <a:rPr lang="lt-LT" dirty="0" smtClean="0"/>
-              <a:t>Puslapio domeno vardas( kuo mažiau simbolių ir skaičių tuo geriau)</a:t>
-            </a:r>
-          </a:p>
-          <a:p>
-            <a:r>
-              <a:rPr lang="lt-LT" dirty="0" smtClean="0"/>
-              <a:t>Domenas, kurio pavadinimas atitinka raktažodį dažnai vaizduojamas aukščiau.</a:t>
-            </a:r>
-          </a:p>
-          <a:p>
-            <a:r>
-              <a:rPr lang="lt-LT" dirty="0" smtClean="0"/>
-              <a:t>Google atsižvelgia į puslapius, kurie egzistuoja jau ilgesnį laiką, </a:t>
+              <a:rPr lang="lt-LT" b="1" dirty="0" err="1" smtClean="0"/>
+              <a:t>Pvz</a:t>
             </a:r>
             <a:r>
               <a:rPr lang="lt-LT" b="1" dirty="0" smtClean="0"/>
-              <a:t>nes dažnai būna atvejų, kad sukuriamas puslapis, optimizuojamas ir iškeliamas į viršų, nors jame nėra turinio, kurio norėtų vartotojai.</a:t>
+              <a:t>: Dažnai paieškos rezultatų viršuje būna iškeliamas </a:t>
+            </a:r>
+            <a:r>
+              <a:rPr lang="lt-LT" b="1" dirty="0" err="1" smtClean="0"/>
+              <a:t>Wikipedia</a:t>
+            </a:r>
+            <a:r>
+              <a:rPr lang="lt-LT" b="1" dirty="0" smtClean="0"/>
+              <a:t> puslapis, bet šį puslapį gali redaguoti savanoriai autoriai ir </a:t>
+            </a:r>
+            <a:r>
+              <a:rPr lang="lt-LT" dirty="0" smtClean="0"/>
+              <a:t>dėl to sunku pasakyti informacijos, kurią randame ten kokybę. </a:t>
+            </a:r>
+          </a:p>
+          <a:p>
+            <a:r>
+              <a:rPr lang="lt-LT" dirty="0" smtClean="0"/>
+              <a:t>Paieškos rezultatų kokybė dar labai priklauso nuo vartotojų</a:t>
+            </a:r>
+            <a:r>
+              <a:rPr lang="lt-LT" b="1" dirty="0" smtClean="0"/>
+              <a:t>, paprastas vartotojas gali sunkiai rasti to ko nori, o pavyzdžiui IT specialistas ar bibliotekininkas, kuris moka naudotis specializuotomis paieškos variklių funkcijomis gali rasti reikiamą informaciją greičiau.</a:t>
             </a:r>
             <a:endParaRPr lang="en-US" b="1" dirty="0" smtClean="0"/>
           </a:p>
           <a:p>
-            <a:endParaRPr lang="lt-LT" dirty="0" smtClean="0"/>
-          </a:p>
-          <a:p>
-            <a:endParaRPr lang="lt-LT" dirty="0" smtClean="0"/>
-          </a:p>
-          <a:p>
-            <a:r>
-              <a:rPr lang="en-US" dirty="0" smtClean="0"/>
-              <a:t>http://computer.howstuffworks.com/google-algorithm1.htm</a:t>
-            </a:r>
             <a:endParaRPr lang="en-US" dirty="0"/>
           </a:p>
         </p:txBody>
@@ -2141,7 +2169,7 @@
           <a:p>
             <a:fld id="{21E87DF0-2188-45E0-9868-23603FC9CB4F}" type="slidenum">
               <a:rPr lang="en-US" smtClean="0"/>
-              <a:t>24</a:t>
+              <a:t>25</a:t>
             </a:fld>
             <a:endParaRPr lang="en-US"/>
           </a:p>
@@ -2150,7 +2178,7 @@
     </p:spTree>
     <p:extLst>
       <p:ext uri="{BB962C8B-B14F-4D97-AF65-F5344CB8AC3E}">
-        <p14:creationId xmlns:p14="http://schemas.microsoft.com/office/powerpoint/2010/main" val="3443485819"/>
+        <p14:creationId xmlns:p14="http://schemas.microsoft.com/office/powerpoint/2010/main" val="978835687"/>
       </p:ext>
     </p:extLst>
   </p:cSld>
@@ -2204,37 +2232,28 @@
           <a:bodyPr/>
           <a:lstStyle/>
           <a:p>
-            <a:r>
-              <a:rPr lang="lt-LT" b="1" dirty="0" err="1" smtClean="0"/>
-              <a:t>Pvz</a:t>
-            </a:r>
-            <a:r>
-              <a:rPr lang="lt-LT" b="1" dirty="0" smtClean="0"/>
-              <a:t>: Dažnai paieškos rezultatų viršuje būna iškeliamas </a:t>
-            </a:r>
-            <a:r>
-              <a:rPr lang="lt-LT" b="1" dirty="0" err="1" smtClean="0"/>
-              <a:t>Wikipedia</a:t>
-            </a:r>
-            <a:r>
-              <a:rPr lang="lt-LT" b="1" dirty="0" smtClean="0"/>
-              <a:t> puslapis, bet šį puslapį gali redaguoti savanoriai autoriai ir </a:t>
-            </a:r>
-            <a:r>
-              <a:rPr lang="lt-LT" dirty="0" smtClean="0"/>
-              <a:t>dėl to sunku pasakyti informacijos, kurią randame ten kokybę. </a:t>
-            </a:r>
-          </a:p>
-          <a:p>
-            <a:r>
-              <a:rPr lang="lt-LT" dirty="0" smtClean="0"/>
-              <a:t>Paieškos rezultatų kokybė dar labai priklauso nuo vartotojų</a:t>
-            </a:r>
-            <a:r>
-              <a:rPr lang="lt-LT" b="1" dirty="0" smtClean="0"/>
-              <a:t>, paprastas vartotojas gali sunkiai rasti to ko nori, o pavyzdžiui IT specialistas ar bibliotekininkas, kuris moka naudotis specializuotomis paieškos variklių funkcijomis gali rasti reikiamą informaciją greičiau.</a:t>
-            </a:r>
-            <a:endParaRPr lang="en-US" b="1" dirty="0" smtClean="0"/>
+            <a:pPr marL="0" marR="0" indent="0" algn="l" defTabSz="914400" rtl="0" eaLnBrk="1" fontAlgn="auto" latinLnBrk="0" hangingPunct="1">
+              <a:lnSpc>
+                <a:spcPct val="100000"/>
+              </a:lnSpc>
+              <a:spcBef>
+                <a:spcPts val="0"/>
+              </a:spcBef>
+              <a:spcAft>
+                <a:spcPts val="0"/>
+              </a:spcAft>
+              <a:buClrTx/>
+              <a:buSzTx/>
+              <a:buFontTx/>
+              <a:buNone/>
+              <a:tabLst/>
+              <a:defRPr/>
+            </a:pPr>
+            <a:r>
+              <a:rPr lang="lt-LT" dirty="0" smtClean="0"/>
+              <a:t>Formuluojant paieškos klausimą, galima naudoti loginius operatorius, paieškos siaurinimo ir išplėtimo simbolius, funkcijas ir pan.</a:t>
+            </a:r>
+            <a:endParaRPr lang="en-US" dirty="0" smtClean="0"/>
           </a:p>
           <a:p>
             <a:endParaRPr lang="en-US" dirty="0"/>
@@ -2267,7 +2286,7 @@
     </p:spTree>
     <p:extLst>
       <p:ext uri="{BB962C8B-B14F-4D97-AF65-F5344CB8AC3E}">
-        <p14:creationId xmlns:p14="http://schemas.microsoft.com/office/powerpoint/2010/main" val="978835687"/>
+        <p14:creationId xmlns:p14="http://schemas.microsoft.com/office/powerpoint/2010/main" val="1024402969"/>
       </p:ext>
     </p:extLst>
   </p:cSld>
@@ -2321,30 +2340,42 @@
           <a:bodyPr/>
           <a:lstStyle/>
           <a:p>
-            <a:pPr marL="0" marR="0" indent="0" algn="l" defTabSz="914400" rtl="0" eaLnBrk="1" fontAlgn="auto" latinLnBrk="0" hangingPunct="1">
-              <a:lnSpc>
-                <a:spcPct val="100000"/>
-              </a:lnSpc>
-              <a:spcBef>
-                <a:spcPts val="0"/>
-              </a:spcBef>
-              <a:spcAft>
-                <a:spcPts val="0"/>
-              </a:spcAft>
-              <a:buClrTx/>
-              <a:buSzTx/>
-              <a:buFontTx/>
-              <a:buNone/>
-              <a:tabLst/>
-              <a:defRPr/>
-            </a:pPr>
-            <a:r>
-              <a:rPr lang="lt-LT" dirty="0" smtClean="0"/>
-              <a:t>Formuluojant paieškos klausimą, galima naudoti loginius operatorius, paieškos siaurinimo ir išplėtimo simbolius, funkcijas ir pan.</a:t>
-            </a:r>
-            <a:endParaRPr lang="en-US" dirty="0" smtClean="0"/>
-          </a:p>
-          <a:p>
+            <a:r>
+              <a:rPr lang="lt-LT" sz="1200" b="0" i="0" kern="1200" dirty="0" smtClean="0">
+                <a:solidFill>
+                  <a:schemeClr val="tx1"/>
+                </a:solidFill>
+                <a:effectLst/>
+                <a:latin typeface="+mn-lt"/>
+                <a:ea typeface="+mn-ea"/>
+                <a:cs typeface="+mn-cs"/>
+              </a:rPr>
+              <a:t>Jeigu norite </a:t>
+            </a:r>
+            <a:r>
+              <a:rPr lang="lt-LT" sz="1200" b="0" i="0" kern="1200" dirty="0" err="1" smtClean="0">
+                <a:solidFill>
+                  <a:schemeClr val="tx1"/>
+                </a:solidFill>
+                <a:effectLst/>
+                <a:latin typeface="+mn-lt"/>
+                <a:ea typeface="+mn-ea"/>
+                <a:cs typeface="+mn-cs"/>
+              </a:rPr>
+              <a:t>tikliau</a:t>
+            </a:r>
+            <a:r>
+              <a:rPr lang="lt-LT" sz="1200" b="0" i="0" kern="1200" dirty="0" smtClean="0">
+                <a:solidFill>
+                  <a:schemeClr val="tx1"/>
+                </a:solidFill>
+                <a:effectLst/>
+                <a:latin typeface="+mn-lt"/>
+                <a:ea typeface="+mn-ea"/>
+                <a:cs typeface="+mn-cs"/>
+              </a:rPr>
+              <a:t> suformuluoti paieškos klausimą ir paieškos rezultatuose gauti tik tuose šaltinius, kuriuose yra visi paieškos klausime nurodyti žodžiai, juos reikia jungti operatoriumi AND. Šis operatorius susiaurina paieškos klausimą, sistema pateikia mažiau paieškos rezultatų. </a:t>
+            </a:r>
             <a:endParaRPr lang="en-US" dirty="0"/>
           </a:p>
         </p:txBody>
@@ -2375,7 +2406,7 @@
     </p:spTree>
     <p:extLst>
       <p:ext uri="{BB962C8B-B14F-4D97-AF65-F5344CB8AC3E}">
-        <p14:creationId xmlns:p14="http://schemas.microsoft.com/office/powerpoint/2010/main" val="1024402969"/>
+        <p14:creationId xmlns:p14="http://schemas.microsoft.com/office/powerpoint/2010/main" val="1312843149"/>
       </p:ext>
     </p:extLst>
   </p:cSld>
@@ -2430,40 +2461,48 @@
           <a:lstStyle/>
           <a:p>
             <a:r>
-              <a:rPr lang="lt-LT" sz="1200" b="0" i="0" kern="1200" dirty="0" smtClean="0">
-                <a:solidFill>
-                  <a:schemeClr val="tx1"/>
-                </a:solidFill>
-                <a:effectLst/>
-                <a:latin typeface="+mn-lt"/>
-                <a:ea typeface="+mn-ea"/>
-                <a:cs typeface="+mn-cs"/>
-              </a:rPr>
-              <a:t>Jeigu norite </a:t>
-            </a:r>
-            <a:r>
-              <a:rPr lang="lt-LT" sz="1200" b="0" i="0" kern="1200" dirty="0" err="1" smtClean="0">
-                <a:solidFill>
-                  <a:schemeClr val="tx1"/>
-                </a:solidFill>
-                <a:effectLst/>
-                <a:latin typeface="+mn-lt"/>
-                <a:ea typeface="+mn-ea"/>
-                <a:cs typeface="+mn-cs"/>
-              </a:rPr>
-              <a:t>tikliau</a:t>
-            </a:r>
-            <a:r>
-              <a:rPr lang="lt-LT" sz="1200" b="0" i="0" kern="1200" dirty="0" smtClean="0">
-                <a:solidFill>
-                  <a:schemeClr val="tx1"/>
-                </a:solidFill>
-                <a:effectLst/>
-                <a:latin typeface="+mn-lt"/>
-                <a:ea typeface="+mn-ea"/>
-                <a:cs typeface="+mn-cs"/>
-              </a:rPr>
-              <a:t> suformuluoti paieškos klausimą ir paieškos rezultatuose gauti tik tuose šaltinius, kuriuose yra visi paieškos klausime nurodyti žodžiai, juos reikia jungti operatoriumi AND. Šis operatorius susiaurina paieškos klausimą, sistema pateikia mažiau paieškos rezultatų. </a:t>
+              <a:rPr lang="en-US" dirty="0" smtClean="0"/>
+              <a:t>Google </a:t>
+            </a:r>
+            <a:r>
+              <a:rPr lang="en-US" dirty="0" err="1" smtClean="0"/>
+              <a:t>sutrumpino</a:t>
+            </a:r>
+            <a:r>
+              <a:rPr lang="en-US" dirty="0" smtClean="0"/>
+              <a:t> </a:t>
+            </a:r>
+            <a:r>
+              <a:rPr lang="lt-LT" dirty="0" smtClean="0"/>
+              <a:t>šį </a:t>
+            </a:r>
+            <a:r>
+              <a:rPr lang="lt-LT" dirty="0" err="1" smtClean="0"/>
+              <a:t>operatoriu</a:t>
+            </a:r>
+            <a:r>
+              <a:rPr lang="lt-LT" dirty="0" smtClean="0"/>
+              <a:t> į pliuso ženklą. Kaip matote be</a:t>
+            </a:r>
+            <a:r>
+              <a:rPr lang="lt-LT" baseline="0" dirty="0" smtClean="0"/>
+              <a:t> šio simbolio ieško pagal abu raktinius žodžius atskirai, todėl mes rezultatuose matome </a:t>
+            </a:r>
+            <a:r>
+              <a:rPr lang="lt-LT" baseline="0" dirty="0" err="1" smtClean="0"/>
+              <a:t>delfi</a:t>
+            </a:r>
+            <a:r>
+              <a:rPr lang="lt-LT" baseline="0" dirty="0" smtClean="0"/>
+              <a:t> ir </a:t>
+            </a:r>
+            <a:r>
+              <a:rPr lang="lt-LT" baseline="0" dirty="0" err="1" smtClean="0"/>
+              <a:t>lrytas</a:t>
+            </a:r>
+            <a:r>
+              <a:rPr lang="lt-LT" baseline="0" dirty="0" smtClean="0"/>
+              <a:t> puslapius, nes jų raktiniuose žodžiuose yra žodis naujienos</a:t>
             </a:r>
             <a:endParaRPr lang="en-US" dirty="0"/>
           </a:p>
@@ -2495,7 +2534,7 @@
     </p:spTree>
     <p:extLst>
       <p:ext uri="{BB962C8B-B14F-4D97-AF65-F5344CB8AC3E}">
-        <p14:creationId xmlns:p14="http://schemas.microsoft.com/office/powerpoint/2010/main" val="1312843149"/>
+        <p14:creationId xmlns:p14="http://schemas.microsoft.com/office/powerpoint/2010/main" val="703186725"/>
       </p:ext>
     </p:extLst>
   </p:cSld>
@@ -2550,52 +2589,8 @@
           <a:lstStyle/>
           <a:p>
             <a:r>
-              <a:rPr lang="en-US" dirty="0" smtClean="0"/>
-              <a:t>Google </a:t>
-            </a:r>
-            <a:r>
-              <a:rPr lang="en-US" dirty="0" err="1" smtClean="0"/>
-              <a:t>sutrumpino</a:t>
-            </a:r>
-            <a:r>
-              <a:rPr lang="en-US" dirty="0" smtClean="0"/>
-              <a:t> </a:t>
-            </a:r>
-            <a:r>
-              <a:rPr lang="lt-LT" dirty="0" smtClean="0"/>
-              <a:t>šį </a:t>
-            </a:r>
-            <a:r>
-              <a:rPr lang="lt-LT" dirty="0" err="1" smtClean="0"/>
-              <a:t>operatoriu</a:t>
-            </a:r>
-            <a:r>
-              <a:rPr lang="lt-LT" dirty="0" smtClean="0"/>
-              <a:t> į pliuso ženklą. Kaip matote be</a:t>
-            </a:r>
-            <a:r>
-              <a:rPr lang="lt-LT" baseline="0" dirty="0" smtClean="0"/>
-              <a:t> šio </a:t>
-            </a:r>
-            <a:r>
-              <a:rPr lang="lt-LT" baseline="0" dirty="0" smtClean="0"/>
-              <a:t>simbolio ieško pagal abu raktinius žodžius atskirai, todėl mes rezultatuose matome </a:t>
-            </a:r>
-            <a:r>
-              <a:rPr lang="lt-LT" baseline="0" dirty="0" err="1" smtClean="0"/>
-              <a:t>delfi</a:t>
-            </a:r>
-            <a:r>
-              <a:rPr lang="lt-LT" baseline="0" dirty="0" smtClean="0"/>
-              <a:t> ir </a:t>
-            </a:r>
-            <a:r>
-              <a:rPr lang="lt-LT" baseline="0" dirty="0" err="1" smtClean="0"/>
-              <a:t>lrytas</a:t>
-            </a:r>
-            <a:r>
-              <a:rPr lang="lt-LT" baseline="0" dirty="0" smtClean="0"/>
-              <a:t> puslapius, nes jų raktiniuose žodžiuose yra žodis naujienos</a:t>
+              <a:rPr lang="lt-LT" dirty="0" smtClean="0"/>
+              <a:t>Jeigu paieškai naudojate sinonimus ar alternatyvius terminus, juos reikia jungti loginiu operatoriumi OR. Šis operatorius išplečia paieškos klausimą, gaunate daugiau paieškos rezultatų. </a:t>
             </a:r>
             <a:endParaRPr lang="en-US" dirty="0"/>
           </a:p>
@@ -2627,7 +2622,7 @@
     </p:spTree>
     <p:extLst>
       <p:ext uri="{BB962C8B-B14F-4D97-AF65-F5344CB8AC3E}">
-        <p14:creationId xmlns:p14="http://schemas.microsoft.com/office/powerpoint/2010/main" val="703186725"/>
+        <p14:creationId xmlns:p14="http://schemas.microsoft.com/office/powerpoint/2010/main" val="2692109057"/>
       </p:ext>
     </p:extLst>
   </p:cSld>
@@ -2683,7 +2678,19 @@
           <a:p>
             <a:r>
               <a:rPr lang="lt-LT" dirty="0" smtClean="0"/>
-              <a:t>Jeigu paieškai naudojate sinonimus ar alternatyvius terminus, juos reikia jungti loginiu operatoriumi OR. Šis operatorius išplečia paieškos klausimą, gaunate daugiau paieškos rezultatų. </a:t>
+              <a:t>Naudojant operatorių OR</a:t>
+            </a:r>
+            <a:r>
+              <a:rPr lang="lt-LT" baseline="0" dirty="0" smtClean="0"/>
+              <a:t> </a:t>
+            </a:r>
+            <a:r>
+              <a:rPr lang="lt-LT" baseline="0" dirty="0" err="1" smtClean="0"/>
+              <a:t>rezultata</a:t>
+            </a:r>
+            <a:r>
+              <a:rPr lang="lt-LT" baseline="0" dirty="0" smtClean="0"/>
+              <a:t> gražina tas reikšmes, kuriose yra bent viena iš šių reikšmių atskirai.</a:t>
             </a:r>
             <a:endParaRPr lang="en-US" dirty="0"/>
           </a:p>
@@ -2715,7 +2722,7 @@
     </p:spTree>
     <p:extLst>
       <p:ext uri="{BB962C8B-B14F-4D97-AF65-F5344CB8AC3E}">
-        <p14:creationId xmlns:p14="http://schemas.microsoft.com/office/powerpoint/2010/main" val="2692109057"/>
+        <p14:creationId xmlns:p14="http://schemas.microsoft.com/office/powerpoint/2010/main" val="3243263840"/>
       </p:ext>
     </p:extLst>
   </p:cSld>
@@ -2771,19 +2778,7 @@
           <a:p>
             <a:r>
               <a:rPr lang="lt-LT" dirty="0" smtClean="0"/>
-              <a:t>Naudojant operatorių OR</a:t>
-            </a:r>
-            <a:r>
-              <a:rPr lang="lt-LT" baseline="0" dirty="0" smtClean="0"/>
-              <a:t> </a:t>
-            </a:r>
-            <a:r>
-              <a:rPr lang="lt-LT" baseline="0" dirty="0" err="1" smtClean="0"/>
-              <a:t>rezultata</a:t>
-            </a:r>
-            <a:r>
-              <a:rPr lang="lt-LT" baseline="0" dirty="0" smtClean="0"/>
-              <a:t> gražina tas reikšmes, kuriose yra bent viena iš šių reikšmių atskirai.</a:t>
+              <a:t>Jeigu norite, kad tarp rezultatų nebūtų nepageidaujamų tam tikros temos aspektų, prieš nepageidaujamą terminą įrašykite operatorių NOT. Šis operatorius susiaurina paieškos klausimą ir leidžia iš rezultatų eliminuoti nepageidaujamus informacijos šaltinius.</a:t>
             </a:r>
             <a:endParaRPr lang="en-US" dirty="0"/>
           </a:p>
@@ -2815,7 +2810,7 @@
     </p:spTree>
     <p:extLst>
       <p:ext uri="{BB962C8B-B14F-4D97-AF65-F5344CB8AC3E}">
-        <p14:creationId xmlns:p14="http://schemas.microsoft.com/office/powerpoint/2010/main" val="3243263840"/>
+        <p14:creationId xmlns:p14="http://schemas.microsoft.com/office/powerpoint/2010/main" val="207325262"/>
       </p:ext>
     </p:extLst>
   </p:cSld>
@@ -2870,10 +2865,45 @@
           <a:lstStyle/>
           <a:p>
             <a:r>
-              <a:rPr lang="lt-LT" dirty="0" smtClean="0"/>
-              <a:t>Jeigu norite, kad tarp rezultatų nebūtų nepageidaujamų tam tikros temos aspektų, prieš nepageidaujamą terminą įrašykite operatorių NOT. Šis operatorius susiaurina paieškos klausimą ir leidžia iš rezultatų eliminuoti nepageidaujamus informacijos šaltinius.</a:t>
-            </a:r>
-            <a:endParaRPr lang="en-US" dirty="0"/>
+              <a:rPr lang="en-US" dirty="0" smtClean="0"/>
+              <a:t>Google NOT</a:t>
+            </a:r>
+            <a:r>
+              <a:rPr lang="en-US" baseline="0" dirty="0" smtClean="0"/>
+              <a:t> </a:t>
+            </a:r>
+            <a:r>
+              <a:rPr lang="en-US" baseline="0" dirty="0" err="1" smtClean="0"/>
+              <a:t>funkcij</a:t>
+            </a:r>
+            <a:r>
+              <a:rPr lang="lt-LT" baseline="0" dirty="0" smtClean="0"/>
+              <a:t>ą</a:t>
+            </a:r>
+            <a:r>
+              <a:rPr lang="en-US" baseline="0" dirty="0" smtClean="0"/>
+              <a:t> </a:t>
+            </a:r>
+            <a:r>
+              <a:rPr lang="en-US" baseline="0" dirty="0" err="1" smtClean="0"/>
+              <a:t>sutrumpino</a:t>
+            </a:r>
+            <a:r>
+              <a:rPr lang="en-US" baseline="0" dirty="0" smtClean="0"/>
+              <a:t> </a:t>
+            </a:r>
+            <a:r>
+              <a:rPr lang="lt-LT" baseline="0" dirty="0" smtClean="0"/>
+              <a:t>į – </a:t>
+            </a:r>
+            <a:r>
+              <a:rPr lang="lt-LT" baseline="0" dirty="0" err="1" smtClean="0"/>
+              <a:t>operatoriu</a:t>
+            </a:r>
+            <a:r>
+              <a:rPr lang="lt-LT" baseline="0" dirty="0" smtClean="0"/>
+              <a:t>.</a:t>
+            </a:r>
           </a:p>
         </p:txBody>
       </p:sp>
@@ -2903,7 +2933,7 @@
     </p:spTree>
     <p:extLst>
       <p:ext uri="{BB962C8B-B14F-4D97-AF65-F5344CB8AC3E}">
-        <p14:creationId xmlns:p14="http://schemas.microsoft.com/office/powerpoint/2010/main" val="207325262"/>
+        <p14:creationId xmlns:p14="http://schemas.microsoft.com/office/powerpoint/2010/main" val="3338897495"/>
       </p:ext>
     </p:extLst>
   </p:cSld>
@@ -2957,46 +2987,7 @@
           <a:bodyPr/>
           <a:lstStyle/>
           <a:p>
-            <a:r>
-              <a:rPr lang="en-US" dirty="0" smtClean="0"/>
-              <a:t>Google NOT</a:t>
-            </a:r>
-            <a:r>
-              <a:rPr lang="en-US" baseline="0" dirty="0" smtClean="0"/>
-              <a:t> </a:t>
-            </a:r>
-            <a:r>
-              <a:rPr lang="en-US" baseline="0" dirty="0" err="1" smtClean="0"/>
-              <a:t>funkcij</a:t>
-            </a:r>
-            <a:r>
-              <a:rPr lang="lt-LT" baseline="0" dirty="0" smtClean="0"/>
-              <a:t>ą</a:t>
-            </a:r>
-            <a:r>
-              <a:rPr lang="en-US" baseline="0" dirty="0" smtClean="0"/>
-              <a:t> </a:t>
-            </a:r>
-            <a:r>
-              <a:rPr lang="en-US" baseline="0" dirty="0" err="1" smtClean="0"/>
-              <a:t>sutrumpino</a:t>
-            </a:r>
-            <a:r>
-              <a:rPr lang="en-US" baseline="0" dirty="0" smtClean="0"/>
-              <a:t> </a:t>
-            </a:r>
-            <a:r>
-              <a:rPr lang="lt-LT" baseline="0" dirty="0" smtClean="0"/>
-              <a:t>į – </a:t>
-            </a:r>
-            <a:r>
-              <a:rPr lang="lt-LT" baseline="0" dirty="0" err="1" smtClean="0"/>
-              <a:t>operatoriu</a:t>
-            </a:r>
-            <a:r>
-              <a:rPr lang="lt-LT" baseline="0" dirty="0" smtClean="0"/>
-              <a:t>.</a:t>
-            </a:r>
+            <a:endParaRPr lang="en-US" dirty="0"/>
           </a:p>
         </p:txBody>
       </p:sp>
@@ -3026,7 +3017,7 @@
     </p:spTree>
     <p:extLst>
       <p:ext uri="{BB962C8B-B14F-4D97-AF65-F5344CB8AC3E}">
-        <p14:creationId xmlns:p14="http://schemas.microsoft.com/office/powerpoint/2010/main" val="3338897495"/>
+        <p14:creationId xmlns:p14="http://schemas.microsoft.com/office/powerpoint/2010/main" val="1302330530"/>
       </p:ext>
     </p:extLst>
   </p:cSld>
@@ -3110,7 +3101,7 @@
     </p:spTree>
     <p:extLst>
       <p:ext uri="{BB962C8B-B14F-4D97-AF65-F5344CB8AC3E}">
-        <p14:creationId xmlns:p14="http://schemas.microsoft.com/office/powerpoint/2010/main" val="1302330530"/>
+        <p14:creationId xmlns:p14="http://schemas.microsoft.com/office/powerpoint/2010/main" val="3362955584"/>
       </p:ext>
     </p:extLst>
   </p:cSld>
@@ -3208,90 +3199,6 @@
 </p:notes>
 </file>
 
-<file path=ppt/notesSlides/notesSlide30.xml><?xml version="1.0" encoding="utf-8"?>
-<p:notes xmlns:a="http://schemas.openxmlformats.org/drawingml/2006/main" xmlns:r="http://schemas.openxmlformats.org/officeDocument/2006/relationships" xmlns:p="http://schemas.openxmlformats.org/presentationml/2006/main">
-  <p:cSld>
-    <p:spTree>
-      <p:nvGrpSpPr>
-        <p:cNvPr id="1" name=""/>
-        <p:cNvGrpSpPr/>
-        <p:nvPr/>
-      </p:nvGrpSpPr>
-      <p:grpSpPr>
-        <a:xfrm>
-          <a:off x="0" y="0"/>
-          <a:ext cx="0" cy="0"/>
-          <a:chOff x="0" y="0"/>
-          <a:chExt cx="0" cy="0"/>
-        </a:xfrm>
-      </p:grpSpPr>
-      <p:sp>
-        <p:nvSpPr>
-          <p:cNvPr id="2" name="Slide Image Placeholder 1"/>
-          <p:cNvSpPr>
-            <a:spLocks noGrp="1" noRot="1" noChangeAspect="1"/>
-          </p:cNvSpPr>
-          <p:nvPr>
-            <p:ph type="sldImg"/>
-          </p:nvPr>
-        </p:nvSpPr>
-        <p:spPr/>
-      </p:sp>
-      <p:sp>
-        <p:nvSpPr>
-          <p:cNvPr id="3" name="Notes Placeholder 2"/>
-          <p:cNvSpPr>
-            <a:spLocks noGrp="1"/>
-          </p:cNvSpPr>
-          <p:nvPr>
-            <p:ph type="body" idx="1"/>
-          </p:nvPr>
-        </p:nvSpPr>
-        <p:spPr/>
-        <p:txBody>
-          <a:bodyPr/>
-          <a:lstStyle/>
-          <a:p>
-            <a:endParaRPr lang="en-US" dirty="0"/>
-          </a:p>
-        </p:txBody>
-      </p:sp>
-      <p:sp>
-        <p:nvSpPr>
-          <p:cNvPr id="4" name="Slide Number Placeholder 3"/>
-          <p:cNvSpPr>
-            <a:spLocks noGrp="1"/>
-          </p:cNvSpPr>
-          <p:nvPr>
-            <p:ph type="sldNum" sz="quarter" idx="10"/>
-          </p:nvPr>
-        </p:nvSpPr>
-        <p:spPr/>
-        <p:txBody>
-          <a:bodyPr/>
-          <a:lstStyle/>
-          <a:p>
-            <a:fld id="{21E87DF0-2188-45E0-9868-23603FC9CB4F}" type="slidenum">
-              <a:rPr lang="en-US" smtClean="0"/>
-              <a:t>35</a:t>
-            </a:fld>
-            <a:endParaRPr lang="en-US"/>
-          </a:p>
-        </p:txBody>
-      </p:sp>
-    </p:spTree>
-    <p:extLst>
-      <p:ext uri="{BB962C8B-B14F-4D97-AF65-F5344CB8AC3E}">
-        <p14:creationId xmlns:p14="http://schemas.microsoft.com/office/powerpoint/2010/main" val="3362955584"/>
-      </p:ext>
-    </p:extLst>
-  </p:cSld>
-  <p:clrMapOvr>
-    <a:masterClrMapping/>
-  </p:clrMapOvr>
-</p:notes>
-</file>
-
 <file path=ppt/notesSlides/notesSlide4.xml><?xml version="1.0" encoding="utf-8"?>
 <p:notes xmlns:a="http://schemas.openxmlformats.org/drawingml/2006/main" xmlns:r="http://schemas.openxmlformats.org/officeDocument/2006/relationships" xmlns:p="http://schemas.openxmlformats.org/presentationml/2006/main">
   <p:cSld>
@@ -3342,11 +3249,7 @@
             </a:r>
             <a:r>
               <a:rPr lang="lt-LT" b="1" dirty="0" smtClean="0"/>
-              <a:t>Tai iškelia jų puslapius į viršų, nes dauguma paieškos variklių </a:t>
-            </a:r>
-            <a:r>
-              <a:rPr lang="lt-LT" b="1" dirty="0" smtClean="0"/>
-              <a:t>eidami per interneto puslapius(</a:t>
+              <a:t>Tai iškelia jų puslapius į viršų, nes dauguma paieškos variklių eidami per interneto puslapius(</a:t>
             </a:r>
             <a:r>
               <a:rPr lang="lt-LT" b="1" dirty="0" err="1" smtClean="0"/>
@@ -3392,11 +3295,7 @@
             </a:r>
             <a:r>
               <a:rPr lang="lt-LT" b="1" dirty="0" smtClean="0"/>
-              <a:t>Dauguma paieškos variklių pradėjo prisitaikyti prie kiekvienos šalies kultūros ir paieškos rezultatus pritaiko būtent tai žmonių grupei</a:t>
-            </a:r>
-            <a:r>
-              <a:rPr lang="lt-LT" b="1" dirty="0" smtClean="0"/>
-              <a:t>.</a:t>
+              <a:t>Dauguma paieškos variklių pradėjo prisitaikyti prie kiekvienos šalies kultūros ir paieškos rezultatus pritaiko būtent tai žmonių grupei.</a:t>
             </a:r>
             <a:endParaRPr lang="en-US" b="1" dirty="0" smtClean="0"/>
           </a:p>
@@ -3561,31 +3460,7 @@
                 <a:ea typeface="+mn-ea"/>
                 <a:cs typeface="+mn-cs"/>
               </a:rPr>
-              <a:t>http</a:t>
-            </a:r>
-            <a:r>
-              <a:rPr lang="lt-LT" sz="1200" b="0" i="0" kern="1200" dirty="0" smtClean="0">
-                <a:solidFill>
-                  <a:schemeClr val="tx1"/>
-                </a:solidFill>
-                <a:effectLst/>
-                <a:latin typeface="+mn-lt"/>
-                <a:ea typeface="+mn-ea"/>
-                <a:cs typeface="+mn-cs"/>
-              </a:rPr>
-              <a:t>://</a:t>
-            </a:r>
-            <a:r>
-              <a:rPr lang="lt-LT" sz="1200" b="0" i="0" kern="1200" dirty="0" smtClean="0">
-                <a:solidFill>
-                  <a:schemeClr val="tx1"/>
-                </a:solidFill>
-                <a:effectLst/>
-                <a:latin typeface="+mn-lt"/>
-                <a:ea typeface="+mn-ea"/>
-                <a:cs typeface="+mn-cs"/>
-              </a:rPr>
-              <a:t>www.wordstream.com/blog/ws/2012/12/10/three-types-of-search-queries#transactional</a:t>
+              <a:t>http://www.wordstream.com/blog/ws/2012/12/10/three-types-of-search-queries#transactional</a:t>
             </a:r>
           </a:p>
           <a:p>
@@ -3898,19 +3773,7 @@
                 <a:ea typeface="+mn-ea"/>
                 <a:cs typeface="+mn-cs"/>
               </a:rPr>
-              <a:t>A</a:t>
-            </a:r>
-            <a:r>
-              <a:rPr lang="en-US" sz="1200" b="0" i="0" kern="1200" dirty="0" smtClean="0">
-                <a:solidFill>
-                  <a:schemeClr val="tx1"/>
-                </a:solidFill>
-                <a:effectLst/>
-                <a:latin typeface="+mn-lt"/>
-                <a:ea typeface="+mn-ea"/>
-                <a:cs typeface="+mn-cs"/>
-              </a:rPr>
-              <a:t> </a:t>
+              <a:t>A </a:t>
             </a:r>
             <a:r>
               <a:rPr lang="en-US" sz="1200" b="1" i="0" kern="1200" dirty="0" smtClean="0">
@@ -4199,19 +4062,7 @@
                 <a:ea typeface="+mn-ea"/>
                 <a:cs typeface="+mn-cs"/>
               </a:rPr>
-              <a:t>Wikipedia </a:t>
-            </a:r>
-            <a:r>
-              <a:rPr lang="en-US" sz="1200" b="0" i="0" kern="1200" dirty="0" smtClean="0">
-                <a:solidFill>
-                  <a:schemeClr val="tx1"/>
-                </a:solidFill>
-                <a:effectLst/>
-                <a:latin typeface="+mn-lt"/>
-                <a:ea typeface="+mn-ea"/>
-                <a:cs typeface="+mn-cs"/>
-              </a:rPr>
-              <a:t>defines </a:t>
+              <a:t>Wikipedia defines </a:t>
             </a:r>
             <a:r>
               <a:rPr lang="en-US" sz="1200" b="1" i="0" kern="1200" dirty="0" smtClean="0">
@@ -4696,11 +4547,7 @@
           <a:p>
             <a:r>
               <a:rPr lang="lt-LT" dirty="0" smtClean="0"/>
-              <a:t>Paieškos </a:t>
-            </a:r>
-            <a:r>
-              <a:rPr lang="lt-LT" dirty="0" smtClean="0"/>
-              <a:t>rezultatų kokybė </a:t>
+              <a:t>Paieškos rezultatų kokybė </a:t>
             </a:r>
             <a:r>
               <a:rPr lang="lt-LT" b="1" dirty="0" smtClean="0"/>
@@ -4942,7 +4789,7 @@
           <a:p>
             <a:fld id="{1B6A4571-C1E8-47E5-9B37-B0610C695CD2}" type="datetime1">
               <a:rPr lang="en-US" smtClean="0"/>
-              <a:t>2014-11-20</a:t>
+              <a:t>2014-11-29</a:t>
             </a:fld>
             <a:endParaRPr lang="en-US" dirty="0"/>
           </a:p>
@@ -5223,7 +5070,7 @@
           <a:p>
             <a:fld id="{293A188F-6F50-4485-9385-3ADBBE8D5821}" type="datetime1">
               <a:rPr lang="en-US" smtClean="0"/>
-              <a:t>2014-11-20</a:t>
+              <a:t>2014-11-29</a:t>
             </a:fld>
             <a:endParaRPr lang="en-US" dirty="0"/>
           </a:p>
@@ -5415,7 +5262,7 @@
           <a:p>
             <a:fld id="{98211AEF-2771-45EC-86F5-D52E13062848}" type="datetime1">
               <a:rPr lang="en-US" smtClean="0"/>
-              <a:t>2014-11-20</a:t>
+              <a:t>2014-11-29</a:t>
             </a:fld>
             <a:endParaRPr lang="en-US" dirty="0"/>
           </a:p>
@@ -5676,7 +5523,7 @@
           <a:p>
             <a:fld id="{CFC4B88F-C167-49FC-83DC-003DDB328A9A}" type="datetime1">
               <a:rPr lang="en-US" smtClean="0"/>
-              <a:t>2014-11-20</a:t>
+              <a:t>2014-11-29</a:t>
             </a:fld>
             <a:endParaRPr lang="en-US" dirty="0"/>
           </a:p>
@@ -6102,7 +5949,7 @@
           <a:p>
             <a:fld id="{BC170961-40EC-4267-8A4A-9254D74F2728}" type="datetime1">
               <a:rPr lang="en-US" smtClean="0"/>
-              <a:t>2014-11-20</a:t>
+              <a:t>2014-11-29</a:t>
             </a:fld>
             <a:endParaRPr lang="en-US" dirty="0"/>
           </a:p>
@@ -6648,7 +6495,7 @@
           <a:p>
             <a:fld id="{EF00B594-BA3F-4AE4-8F3A-215840C6130B}" type="datetime1">
               <a:rPr lang="en-US" smtClean="0"/>
-              <a:t>2014-11-20</a:t>
+              <a:t>2014-11-29</a:t>
             </a:fld>
             <a:endParaRPr lang="en-US" dirty="0"/>
           </a:p>
@@ -7479,7 +7326,7 @@
           <a:p>
             <a:fld id="{C1124A3A-3465-4FD4-9922-E6268D89EBC6}" type="datetime1">
               <a:rPr lang="en-US" smtClean="0"/>
-              <a:t>2014-11-20</a:t>
+              <a:t>2014-11-29</a:t>
             </a:fld>
             <a:endParaRPr lang="en-US" dirty="0"/>
           </a:p>
@@ -7649,7 +7496,7 @@
           <a:p>
             <a:fld id="{2F03A7F6-C933-4920-89E7-18D9B5F537B9}" type="datetime1">
               <a:rPr lang="en-US" smtClean="0"/>
-              <a:t>2014-11-20</a:t>
+              <a:t>2014-11-29</a:t>
             </a:fld>
             <a:endParaRPr lang="en-US" dirty="0"/>
           </a:p>
@@ -7829,7 +7676,7 @@
           <a:p>
             <a:fld id="{E88331B8-4C94-4654-A74C-185874AA84F3}" type="datetime1">
               <a:rPr lang="en-US" smtClean="0"/>
-              <a:t>2014-11-20</a:t>
+              <a:t>2014-11-29</a:t>
             </a:fld>
             <a:endParaRPr lang="en-US" dirty="0"/>
           </a:p>
@@ -7999,7 +7846,7 @@
           <a:p>
             <a:fld id="{02892BA4-0197-4FA6-91A8-CC94FD6F73E1}" type="datetime1">
               <a:rPr lang="en-US" smtClean="0"/>
-              <a:t>2014-11-20</a:t>
+              <a:t>2014-11-29</a:t>
             </a:fld>
             <a:endParaRPr lang="en-US" dirty="0"/>
           </a:p>
@@ -8256,7 +8103,7 @@
           <a:p>
             <a:fld id="{CBB40CC6-BBC8-45F3-A092-3A203C43A34D}" type="datetime1">
               <a:rPr lang="en-US" smtClean="0"/>
-              <a:t>2014-11-20</a:t>
+              <a:t>2014-11-29</a:t>
             </a:fld>
             <a:endParaRPr lang="en-US" dirty="0"/>
           </a:p>
@@ -8488,7 +8335,7 @@
           <a:p>
             <a:fld id="{E437C79E-128E-403C-A839-1EFD7A2EDBBE}" type="datetime1">
               <a:rPr lang="en-US" smtClean="0"/>
-              <a:t>2014-11-20</a:t>
+              <a:t>2014-11-29</a:t>
             </a:fld>
             <a:endParaRPr lang="en-US" dirty="0"/>
           </a:p>
@@ -8881,7 +8728,7 @@
           <a:p>
             <a:fld id="{BB2D8E9D-D944-4BBA-8A6F-E2869A15C714}" type="datetime1">
               <a:rPr lang="en-US" smtClean="0"/>
-              <a:t>2014-11-20</a:t>
+              <a:t>2014-11-29</a:t>
             </a:fld>
             <a:endParaRPr lang="en-US" dirty="0"/>
           </a:p>
@@ -8999,7 +8846,7 @@
           <a:p>
             <a:fld id="{D1431BCC-7F6D-4389-8ACC-A0AC2D55DF6F}" type="datetime1">
               <a:rPr lang="en-US" smtClean="0"/>
-              <a:t>2014-11-20</a:t>
+              <a:t>2014-11-29</a:t>
             </a:fld>
             <a:endParaRPr lang="en-US" dirty="0"/>
           </a:p>
@@ -9094,7 +8941,7 @@
           <a:p>
             <a:fld id="{3DAE1DCE-5794-423A-A834-4C812E8AA3F5}" type="datetime1">
               <a:rPr lang="en-US" smtClean="0"/>
-              <a:t>2014-11-20</a:t>
+              <a:t>2014-11-29</a:t>
             </a:fld>
             <a:endParaRPr lang="en-US" dirty="0"/>
           </a:p>
@@ -9367,7 +9214,7 @@
           <a:p>
             <a:fld id="{ABD6F329-F2FC-4915-8384-9C2039856931}" type="datetime1">
               <a:rPr lang="en-US" smtClean="0"/>
-              <a:t>2014-11-20</a:t>
+              <a:t>2014-11-29</a:t>
             </a:fld>
             <a:endParaRPr lang="en-US" dirty="0"/>
           </a:p>
@@ -9648,7 +9495,7 @@
           <a:p>
             <a:fld id="{E7E859E6-7499-411F-90C4-CCFB92880E6A}" type="datetime1">
               <a:rPr lang="en-US" smtClean="0"/>
-              <a:t>2014-11-20</a:t>
+              <a:t>2014-11-29</a:t>
             </a:fld>
             <a:endParaRPr lang="en-US" dirty="0"/>
           </a:p>
@@ -9888,7 +9735,7 @@
           <a:p>
             <a:fld id="{A4B5365C-E19D-4898-81B4-7A564910750A}" type="datetime1">
               <a:rPr lang="en-US" smtClean="0"/>
-              <a:t>2014-11-20</a:t>
+              <a:t>2014-11-29</a:t>
             </a:fld>
             <a:endParaRPr lang="en-US" dirty="0"/>
           </a:p>
@@ -10646,15 +10493,7 @@
             </a:r>
             <a:r>
               <a:rPr lang="lt-LT" dirty="0" smtClean="0"/>
-              <a:t>kiek procentų viso </a:t>
-            </a:r>
-            <a:r>
-              <a:rPr lang="lt-LT" dirty="0" smtClean="0"/>
-              <a:t>interneto turinio </a:t>
-            </a:r>
-            <a:r>
-              <a:rPr lang="lt-LT" dirty="0" smtClean="0"/>
-              <a:t>yra naudojama</a:t>
+              <a:t>kiek procentų viso interneto turinio yra naudojama</a:t>
             </a:r>
             <a:r>
               <a:rPr lang="en-US" dirty="0" smtClean="0"/>
@@ -11406,13 +11245,11 @@
           <a:p>
             <a:r>
               <a:rPr lang="lt-LT" dirty="0" smtClean="0"/>
-              <a:t>Populiarumas socialiniuose tinkluose</a:t>
-            </a:r>
-          </a:p>
-          <a:p>
-            <a:r>
-              <a:rPr lang="lt-LT" dirty="0" smtClean="0"/>
-              <a:t>Puslapio pritaikymas paieškos varikliui.(SEO)</a:t>
+              <a:t>Populiarumas socialiniuose </a:t>
+            </a:r>
+            <a:r>
+              <a:rPr lang="lt-LT" dirty="0" smtClean="0"/>
+              <a:t>tinkluose</a:t>
             </a:r>
             <a:endParaRPr lang="en-US" dirty="0"/>
           </a:p>
@@ -12320,100 +12157,42 @@
           <a:lstStyle/>
           <a:p>
             <a:r>
-              <a:rPr lang="lt-LT" dirty="0"/>
-              <a:t>Puslapio pritaikymas paieškos </a:t>
-            </a:r>
-            <a:r>
-              <a:rPr lang="lt-LT" dirty="0" smtClean="0"/>
-              <a:t>varikliui(SEO)</a:t>
-            </a:r>
-            <a:endParaRPr lang="en-US" dirty="0"/>
-          </a:p>
-        </p:txBody>
-      </p:sp>
-      <p:sp>
-        <p:nvSpPr>
-          <p:cNvPr id="3" name="Content Placeholder 2"/>
-          <p:cNvSpPr>
-            <a:spLocks noGrp="1"/>
-          </p:cNvSpPr>
+              <a:rPr lang="lt-LT" dirty="0" smtClean="0"/>
+              <a:t>Google paieškos rezultatų reitingavimo faktoriai</a:t>
+            </a:r>
+            <a:endParaRPr lang="en-US" dirty="0"/>
+          </a:p>
+        </p:txBody>
+      </p:sp>
+      <p:pic>
+        <p:nvPicPr>
+          <p:cNvPr id="5" name="Content Placeholder 4"/>
+          <p:cNvPicPr>
+            <a:picLocks noGrp="1" noChangeAspect="1"/>
+          </p:cNvPicPr>
           <p:nvPr>
             <p:ph idx="1"/>
           </p:nvPr>
-        </p:nvSpPr>
+        </p:nvPicPr>
+        <p:blipFill>
+          <a:blip r:embed="rId3"/>
+          <a:stretch>
+            <a:fillRect/>
+          </a:stretch>
+        </p:blipFill>
         <p:spPr>
           <a:xfrm>
-            <a:off x="838200" y="1825625"/>
-            <a:ext cx="10515600" cy="4351338"/>
+            <a:off x="1531937" y="2105819"/>
+            <a:ext cx="9410700" cy="3790950"/>
           </a:xfrm>
+          <a:prstGeom prst="rect">
+            <a:avLst/>
+          </a:prstGeom>
         </p:spPr>
-        <p:txBody>
-          <a:bodyPr>
-            <a:normAutofit/>
-          </a:bodyPr>
-          <a:lstStyle/>
-          <a:p>
-            <a:pPr marL="0" indent="0">
-              <a:buNone/>
-            </a:pPr>
-            <a:r>
-              <a:rPr lang="lt-LT" dirty="0" smtClean="0"/>
-              <a:t>Puslapio atvaizdavimą paieškos rezultatų viršuje arba apačioje dažnai lemia puslapio optimizavimas paieškos varikliui.</a:t>
-            </a:r>
-          </a:p>
-          <a:p>
-            <a:pPr marL="0" indent="0">
-              <a:buNone/>
-            </a:pPr>
-            <a:r>
-              <a:rPr lang="lt-LT" dirty="0" smtClean="0"/>
-              <a:t>Keletas tai lemiančių veiksnių:</a:t>
-            </a:r>
-          </a:p>
-          <a:p>
-            <a:r>
-              <a:rPr lang="lt-LT" dirty="0" smtClean="0"/>
-              <a:t>Puslapio turinio programavimas.</a:t>
-            </a:r>
-          </a:p>
-          <a:p>
-            <a:r>
-              <a:rPr lang="lt-LT" dirty="0" smtClean="0"/>
-              <a:t>Svetainės turinys atitinka paieškoje naudojamus raktažodžius</a:t>
-            </a:r>
-          </a:p>
-          <a:p>
-            <a:r>
-              <a:rPr lang="lt-LT" dirty="0" smtClean="0"/>
-              <a:t>Nuorodų iš kitų svetainių skaičius.</a:t>
-            </a:r>
-          </a:p>
-          <a:p>
-            <a:r>
-              <a:rPr lang="lt-LT" dirty="0" smtClean="0"/>
-              <a:t>Turinio atnaujinimo dažnumas</a:t>
-            </a:r>
-          </a:p>
-          <a:p>
-            <a:r>
-              <a:rPr lang="lt-LT" dirty="0" smtClean="0"/>
-              <a:t>Integracija su </a:t>
-            </a:r>
-            <a:r>
-              <a:rPr lang="lt-LT" dirty="0" err="1" smtClean="0"/>
-              <a:t>google</a:t>
-            </a:r>
-            <a:r>
-              <a:rPr lang="lt-LT" dirty="0" smtClean="0"/>
-              <a:t> servisais.</a:t>
-            </a:r>
-            <a:endParaRPr lang="en-US" dirty="0"/>
-          </a:p>
-        </p:txBody>
-      </p:sp>
-      <p:sp>
-        <p:nvSpPr>
-          <p:cNvPr id="4" name="Slide Number Placeholder 3"/>
+      </p:pic>
+      <p:sp>
+        <p:nvSpPr>
+          <p:cNvPr id="3" name="Slide Number Placeholder 2"/>
           <p:cNvSpPr>
             <a:spLocks noGrp="1"/>
           </p:cNvSpPr>
@@ -12437,7 +12216,7 @@
     </p:spTree>
     <p:extLst>
       <p:ext uri="{BB962C8B-B14F-4D97-AF65-F5344CB8AC3E}">
-        <p14:creationId xmlns:p14="http://schemas.microsoft.com/office/powerpoint/2010/main" val="3897746630"/>
+        <p14:creationId xmlns:p14="http://schemas.microsoft.com/office/powerpoint/2010/main" val="3647883046"/>
       </p:ext>
     </p:extLst>
   </p:cSld>
@@ -12483,48 +12262,98 @@
         </p:nvSpPr>
         <p:spPr/>
         <p:txBody>
-          <a:bodyPr>
-            <a:normAutofit fontScale="90000"/>
-          </a:bodyPr>
-          <a:lstStyle/>
-          <a:p>
-            <a:r>
-              <a:rPr lang="lt-LT" dirty="0" smtClean="0"/>
-              <a:t>Google paieškos rezultatų reitingavimo faktoriai</a:t>
-            </a:r>
-            <a:endParaRPr lang="en-US" dirty="0"/>
-          </a:p>
-        </p:txBody>
-      </p:sp>
-      <p:pic>
-        <p:nvPicPr>
-          <p:cNvPr id="5" name="Content Placeholder 4"/>
-          <p:cNvPicPr>
-            <a:picLocks noGrp="1" noChangeAspect="1"/>
-          </p:cNvPicPr>
+          <a:bodyPr/>
+          <a:lstStyle/>
+          <a:p>
+            <a:r>
+              <a:rPr lang="lt-LT" dirty="0" smtClean="0"/>
+              <a:t>Google </a:t>
+            </a:r>
+            <a:r>
+              <a:rPr lang="lt-LT" dirty="0" err="1" smtClean="0"/>
+              <a:t>PageRank</a:t>
+            </a:r>
+            <a:r>
+              <a:rPr lang="lt-LT" dirty="0" smtClean="0"/>
+              <a:t> algoritmas</a:t>
+            </a:r>
+            <a:endParaRPr lang="en-US" dirty="0"/>
+          </a:p>
+        </p:txBody>
+      </p:sp>
+      <p:sp>
+        <p:nvSpPr>
+          <p:cNvPr id="3" name="Content Placeholder 2"/>
+          <p:cNvSpPr>
+            <a:spLocks noGrp="1"/>
+          </p:cNvSpPr>
           <p:nvPr>
             <p:ph idx="1"/>
           </p:nvPr>
-        </p:nvPicPr>
-        <p:blipFill>
-          <a:blip r:embed="rId3"/>
-          <a:stretch>
-            <a:fillRect/>
-          </a:stretch>
-        </p:blipFill>
+        </p:nvSpPr>
         <p:spPr>
           <a:xfrm>
-            <a:off x="1531937" y="2105819"/>
-            <a:ext cx="9410700" cy="3790950"/>
+            <a:off x="838200" y="1825625"/>
+            <a:ext cx="10515600" cy="4351338"/>
           </a:xfrm>
-          <a:prstGeom prst="rect">
-            <a:avLst/>
-          </a:prstGeom>
         </p:spPr>
-      </p:pic>
-      <p:sp>
-        <p:nvSpPr>
-          <p:cNvPr id="3" name="Slide Number Placeholder 2"/>
+        <p:txBody>
+          <a:bodyPr>
+            <a:normAutofit/>
+          </a:bodyPr>
+          <a:lstStyle/>
+          <a:p>
+            <a:pPr marL="0" indent="0">
+              <a:buNone/>
+            </a:pPr>
+            <a:r>
+              <a:rPr lang="lt-LT" dirty="0" smtClean="0"/>
+              <a:t>Vienas svarbiausių veiksnių lemiančių puslapio atsiradimą paieškos rezultatuose yra </a:t>
+            </a:r>
+            <a:r>
+              <a:rPr lang="lt-LT" dirty="0" err="1" smtClean="0"/>
+              <a:t>PageRank</a:t>
+            </a:r>
+            <a:r>
+              <a:rPr lang="lt-LT" dirty="0" smtClean="0"/>
+              <a:t> algoritmas.</a:t>
+            </a:r>
+          </a:p>
+          <a:p>
+            <a:pPr marL="0" indent="0">
+              <a:buNone/>
+            </a:pPr>
+            <a:r>
+              <a:rPr lang="lt-LT" dirty="0" smtClean="0"/>
+              <a:t>Kaip skaičiuojamas </a:t>
+            </a:r>
+            <a:r>
+              <a:rPr lang="lt-LT" dirty="0" err="1" smtClean="0"/>
+              <a:t>PageRank</a:t>
+            </a:r>
+            <a:r>
+              <a:rPr lang="lt-LT" dirty="0" smtClean="0"/>
+              <a:t>?</a:t>
+            </a:r>
+          </a:p>
+          <a:p>
+            <a:r>
+              <a:rPr lang="lt-LT" dirty="0" smtClean="0"/>
+              <a:t>Skaičiuojama kiek nuorodų rodo į puslapį ir kokia tų nuorodų reikšmė. </a:t>
+            </a:r>
+          </a:p>
+          <a:p>
+            <a:r>
+              <a:rPr lang="lt-LT" dirty="0" smtClean="0"/>
+              <a:t>Kuo daugiau puslapis turi nuorodų į kitus puslapius tuo mažesnis tų nuorodų svoris.</a:t>
+            </a:r>
+            <a:endParaRPr lang="en-US" dirty="0"/>
+          </a:p>
+        </p:txBody>
+      </p:sp>
+      <p:sp>
+        <p:nvSpPr>
+          <p:cNvPr id="4" name="Slide Number Placeholder 3"/>
           <p:cNvSpPr>
             <a:spLocks noGrp="1"/>
           </p:cNvSpPr>
@@ -12548,7 +12377,7 @@
     </p:spTree>
     <p:extLst>
       <p:ext uri="{BB962C8B-B14F-4D97-AF65-F5344CB8AC3E}">
-        <p14:creationId xmlns:p14="http://schemas.microsoft.com/office/powerpoint/2010/main" val="3647883046"/>
+        <p14:creationId xmlns:p14="http://schemas.microsoft.com/office/powerpoint/2010/main" val="721146439"/>
       </p:ext>
     </p:extLst>
   </p:cSld>
@@ -12598,15 +12427,15 @@
           <a:lstStyle/>
           <a:p>
             <a:r>
-              <a:rPr lang="lt-LT" dirty="0" smtClean="0"/>
+              <a:rPr lang="lt-LT" dirty="0"/>
               <a:t>Google </a:t>
             </a:r>
             <a:r>
-              <a:rPr lang="lt-LT" dirty="0" err="1" smtClean="0"/>
+              <a:rPr lang="lt-LT" dirty="0" err="1"/>
               <a:t>PageRank</a:t>
             </a:r>
             <a:r>
-              <a:rPr lang="lt-LT" dirty="0" smtClean="0"/>
+              <a:rPr lang="lt-LT" dirty="0"/>
               <a:t> algoritmas</a:t>
             </a:r>
             <a:endParaRPr lang="en-US" dirty="0"/>
@@ -12623,61 +12452,26 @@
             <p:ph idx="1"/>
           </p:nvPr>
         </p:nvSpPr>
-        <p:spPr>
-          <a:xfrm>
-            <a:off x="838200" y="1825625"/>
-            <a:ext cx="10515600" cy="4351338"/>
-          </a:xfrm>
-        </p:spPr>
-        <p:txBody>
-          <a:bodyPr>
-            <a:normAutofit/>
-          </a:bodyPr>
-          <a:lstStyle/>
-          <a:p>
-            <a:pPr marL="0" indent="0">
-              <a:buNone/>
-            </a:pPr>
-            <a:r>
-              <a:rPr lang="lt-LT" dirty="0" smtClean="0"/>
-              <a:t>Vienas svarbiausių veiksnių lemiančių puslapio atsiradimą paieškos rezultatuose yra </a:t>
-            </a:r>
-            <a:r>
-              <a:rPr lang="lt-LT" dirty="0" err="1" smtClean="0"/>
-              <a:t>PageRank</a:t>
-            </a:r>
-            <a:r>
-              <a:rPr lang="lt-LT" dirty="0" smtClean="0"/>
-              <a:t> algoritmas.</a:t>
-            </a:r>
-          </a:p>
-          <a:p>
-            <a:pPr marL="0" indent="0">
-              <a:buNone/>
-            </a:pPr>
-            <a:r>
-              <a:rPr lang="lt-LT" dirty="0" smtClean="0"/>
-              <a:t>Kaip skaičiuojamas </a:t>
-            </a:r>
-            <a:r>
-              <a:rPr lang="lt-LT" dirty="0" err="1" smtClean="0"/>
-              <a:t>PageRank</a:t>
-            </a:r>
-            <a:r>
-              <a:rPr lang="lt-LT" dirty="0" smtClean="0"/>
-              <a:t>?</a:t>
-            </a:r>
-          </a:p>
-          <a:p>
-            <a:r>
-              <a:rPr lang="lt-LT" dirty="0" smtClean="0"/>
-              <a:t>Skaičiuojama kiek nuorodų rodo į puslapį ir kokia tų nuorodų reikšmė. </a:t>
-            </a:r>
-          </a:p>
-          <a:p>
-            <a:r>
-              <a:rPr lang="lt-LT" dirty="0" smtClean="0"/>
-              <a:t>Kuo daugiau puslapis turi nuorodų į kitus puslapius tuo mažesnis tų nuorodų svoris.</a:t>
+        <p:spPr/>
+        <p:txBody>
+          <a:bodyPr/>
+          <a:lstStyle/>
+          <a:p>
+            <a:r>
+              <a:rPr lang="lt-LT" dirty="0" smtClean="0"/>
+              <a:t>Puslapio domeno vardas( kuo mažiau simbolių ir skaičių tuo geriau)</a:t>
+            </a:r>
+          </a:p>
+          <a:p>
+            <a:r>
+              <a:rPr lang="lt-LT" dirty="0" smtClean="0"/>
+              <a:t>Domenas, kurio pavadinimas atitinka raktažodį dažnai vaizduojamas aukščiau.</a:t>
+            </a:r>
+          </a:p>
+          <a:p>
+            <a:r>
+              <a:rPr lang="lt-LT" dirty="0" smtClean="0"/>
+              <a:t>Google atsižvelgia į puslapius, kurie egzistuoja jau ilgesnį laiką.</a:t>
             </a:r>
             <a:endParaRPr lang="en-US" dirty="0"/>
           </a:p>
@@ -12709,7 +12503,7 @@
     </p:spTree>
     <p:extLst>
       <p:ext uri="{BB962C8B-B14F-4D97-AF65-F5344CB8AC3E}">
-        <p14:creationId xmlns:p14="http://schemas.microsoft.com/office/powerpoint/2010/main" val="721146439"/>
+        <p14:creationId xmlns:p14="http://schemas.microsoft.com/office/powerpoint/2010/main" val="1184859937"/>
       </p:ext>
     </p:extLst>
   </p:cSld>
@@ -12758,19 +12552,7 @@
           <a:bodyPr/>
           <a:lstStyle/>
           <a:p>
-            <a:r>
-              <a:rPr lang="lt-LT" dirty="0"/>
-              <a:t>Google </a:t>
-            </a:r>
-            <a:r>
-              <a:rPr lang="lt-LT" dirty="0" err="1"/>
-              <a:t>PageRank</a:t>
-            </a:r>
-            <a:r>
-              <a:rPr lang="lt-LT" dirty="0"/>
-              <a:t> algoritmas</a:t>
-            </a:r>
-            <a:endParaRPr lang="en-US" dirty="0"/>
+            <a:endParaRPr lang="en-US"/>
           </a:p>
         </p:txBody>
       </p:sp>
@@ -12789,23 +12571,7 @@
           <a:bodyPr/>
           <a:lstStyle/>
           <a:p>
-            <a:r>
-              <a:rPr lang="lt-LT" dirty="0" smtClean="0"/>
-              <a:t>Puslapio domeno vardas( kuo mažiau simbolių ir skaičių tuo geriau)</a:t>
-            </a:r>
-          </a:p>
-          <a:p>
-            <a:r>
-              <a:rPr lang="lt-LT" dirty="0" smtClean="0"/>
-              <a:t>Domenas, kurio pavadinimas atitinka raktažodį dažnai vaizduojamas aukščiau.</a:t>
-            </a:r>
-          </a:p>
-          <a:p>
-            <a:r>
-              <a:rPr lang="lt-LT" dirty="0" smtClean="0"/>
-              <a:t>Google atsižvelgia į puslapius, kurie egzistuoja jau ilgesnį laiką.</a:t>
-            </a:r>
-            <a:endParaRPr lang="en-US" dirty="0"/>
+            <a:endParaRPr lang="en-US"/>
           </a:p>
         </p:txBody>
       </p:sp>
@@ -12827,104 +12593,6 @@
             <a:fld id="{6D22F896-40B5-4ADD-8801-0D06FADFA095}" type="slidenum">
               <a:rPr lang="en-US" smtClean="0"/>
               <a:t>24</a:t>
-            </a:fld>
-            <a:endParaRPr lang="en-US" dirty="0"/>
-          </a:p>
-        </p:txBody>
-      </p:sp>
-    </p:spTree>
-    <p:extLst>
-      <p:ext uri="{BB962C8B-B14F-4D97-AF65-F5344CB8AC3E}">
-        <p14:creationId xmlns:p14="http://schemas.microsoft.com/office/powerpoint/2010/main" val="1184859937"/>
-      </p:ext>
-    </p:extLst>
-  </p:cSld>
-  <p:clrMapOvr>
-    <a:masterClrMapping/>
-  </p:clrMapOvr>
-  <p:timing>
-    <p:tnLst>
-      <p:par>
-        <p:cTn id="1" dur="indefinite" restart="never" nodeType="tmRoot"/>
-      </p:par>
-    </p:tnLst>
-  </p:timing>
-</p:sld>
-</file>
-
-<file path=ppt/slides/slide25.xml><?xml version="1.0" encoding="utf-8"?>
-<p:sld xmlns:a="http://schemas.openxmlformats.org/drawingml/2006/main" xmlns:r="http://schemas.openxmlformats.org/officeDocument/2006/relationships" xmlns:p="http://schemas.openxmlformats.org/presentationml/2006/main">
-  <p:cSld>
-    <p:spTree>
-      <p:nvGrpSpPr>
-        <p:cNvPr id="1" name=""/>
-        <p:cNvGrpSpPr/>
-        <p:nvPr/>
-      </p:nvGrpSpPr>
-      <p:grpSpPr>
-        <a:xfrm>
-          <a:off x="0" y="0"/>
-          <a:ext cx="0" cy="0"/>
-          <a:chOff x="0" y="0"/>
-          <a:chExt cx="0" cy="0"/>
-        </a:xfrm>
-      </p:grpSpPr>
-      <p:sp>
-        <p:nvSpPr>
-          <p:cNvPr id="2" name="Title 1"/>
-          <p:cNvSpPr>
-            <a:spLocks noGrp="1"/>
-          </p:cNvSpPr>
-          <p:nvPr>
-            <p:ph type="title"/>
-          </p:nvPr>
-        </p:nvSpPr>
-        <p:spPr/>
-        <p:txBody>
-          <a:bodyPr/>
-          <a:lstStyle/>
-          <a:p>
-            <a:endParaRPr lang="en-US"/>
-          </a:p>
-        </p:txBody>
-      </p:sp>
-      <p:sp>
-        <p:nvSpPr>
-          <p:cNvPr id="3" name="Content Placeholder 2"/>
-          <p:cNvSpPr>
-            <a:spLocks noGrp="1"/>
-          </p:cNvSpPr>
-          <p:nvPr>
-            <p:ph idx="1"/>
-          </p:nvPr>
-        </p:nvSpPr>
-        <p:spPr/>
-        <p:txBody>
-          <a:bodyPr/>
-          <a:lstStyle/>
-          <a:p>
-            <a:endParaRPr lang="en-US"/>
-          </a:p>
-        </p:txBody>
-      </p:sp>
-      <p:sp>
-        <p:nvSpPr>
-          <p:cNvPr id="4" name="Slide Number Placeholder 3"/>
-          <p:cNvSpPr>
-            <a:spLocks noGrp="1"/>
-          </p:cNvSpPr>
-          <p:nvPr>
-            <p:ph type="sldNum" sz="quarter" idx="12"/>
-          </p:nvPr>
-        </p:nvSpPr>
-        <p:spPr/>
-        <p:txBody>
-          <a:bodyPr/>
-          <a:lstStyle/>
-          <a:p>
-            <a:fld id="{6D22F896-40B5-4ADD-8801-0D06FADFA095}" type="slidenum">
-              <a:rPr lang="en-US" smtClean="0"/>
-              <a:t>25</a:t>
             </a:fld>
             <a:endParaRPr lang="en-US" dirty="0"/>
           </a:p>
@@ -12967,7 +12635,7 @@
 </p:sld>
 </file>
 
-<file path=ppt/slides/slide26.xml><?xml version="1.0" encoding="utf-8"?>
+<file path=ppt/slides/slide25.xml><?xml version="1.0" encoding="utf-8"?>
 <p:sld xmlns:a="http://schemas.openxmlformats.org/drawingml/2006/main" xmlns:r="http://schemas.openxmlformats.org/officeDocument/2006/relationships" xmlns:p="http://schemas.openxmlformats.org/presentationml/2006/main">
   <p:cSld>
     <p:spTree>
@@ -13067,7 +12735,7 @@
           <a:p>
             <a:fld id="{6D22F896-40B5-4ADD-8801-0D06FADFA095}" type="slidenum">
               <a:rPr lang="en-US" smtClean="0"/>
-              <a:t>26</a:t>
+              <a:t>25</a:t>
             </a:fld>
             <a:endParaRPr lang="en-US" dirty="0"/>
           </a:p>
@@ -13093,7 +12761,7 @@
 </p:sld>
 </file>
 
-<file path=ppt/slides/slide27.xml><?xml version="1.0" encoding="utf-8"?>
+<file path=ppt/slides/slide26.xml><?xml version="1.0" encoding="utf-8"?>
 <p:sld xmlns:a="http://schemas.openxmlformats.org/drawingml/2006/main" xmlns:r="http://schemas.openxmlformats.org/officeDocument/2006/relationships" xmlns:p="http://schemas.openxmlformats.org/presentationml/2006/main">
   <p:cSld>
     <p:spTree>
@@ -13176,7 +12844,7 @@
           <a:p>
             <a:fld id="{6D22F896-40B5-4ADD-8801-0D06FADFA095}" type="slidenum">
               <a:rPr lang="en-US" smtClean="0"/>
-              <a:t>27</a:t>
+              <a:t>26</a:t>
             </a:fld>
             <a:endParaRPr lang="en-US" dirty="0"/>
           </a:p>
@@ -13202,7 +12870,7 @@
 </p:sld>
 </file>
 
-<file path=ppt/slides/slide28.xml><?xml version="1.0" encoding="utf-8"?>
+<file path=ppt/slides/slide27.xml><?xml version="1.0" encoding="utf-8"?>
 <p:sld xmlns:a="http://schemas.openxmlformats.org/drawingml/2006/main" xmlns:r="http://schemas.openxmlformats.org/officeDocument/2006/relationships" xmlns:p="http://schemas.openxmlformats.org/presentationml/2006/main">
   <p:cSld>
     <p:spTree>
@@ -13349,7 +13017,7 @@
           <a:p>
             <a:fld id="{6D22F896-40B5-4ADD-8801-0D06FADFA095}" type="slidenum">
               <a:rPr lang="en-US" smtClean="0"/>
-              <a:t>28</a:t>
+              <a:t>27</a:t>
             </a:fld>
             <a:endParaRPr lang="en-US" dirty="0"/>
           </a:p>
@@ -13375,7 +13043,7 @@
 </p:sld>
 </file>
 
-<file path=ppt/slides/slide29.xml><?xml version="1.0" encoding="utf-8"?>
+<file path=ppt/slides/slide28.xml><?xml version="1.0" encoding="utf-8"?>
 <p:sld xmlns:a="http://schemas.openxmlformats.org/drawingml/2006/main" xmlns:r="http://schemas.openxmlformats.org/officeDocument/2006/relationships" xmlns:p="http://schemas.openxmlformats.org/presentationml/2006/main">
   <p:cSld>
     <p:spTree>
@@ -13484,7 +13152,7 @@
           <a:p>
             <a:fld id="{6D22F896-40B5-4ADD-8801-0D06FADFA095}" type="slidenum">
               <a:rPr lang="en-US" smtClean="0"/>
-              <a:t>29</a:t>
+              <a:t>28</a:t>
             </a:fld>
             <a:endParaRPr lang="en-US" dirty="0"/>
           </a:p>
@@ -13494,6 +13162,179 @@
     <p:extLst>
       <p:ext uri="{BB962C8B-B14F-4D97-AF65-F5344CB8AC3E}">
         <p14:creationId xmlns:p14="http://schemas.microsoft.com/office/powerpoint/2010/main" val="551992480"/>
+      </p:ext>
+    </p:extLst>
+  </p:cSld>
+  <p:clrMapOvr>
+    <a:masterClrMapping/>
+  </p:clrMapOvr>
+  <p:timing>
+    <p:tnLst>
+      <p:par>
+        <p:cTn id="1" dur="indefinite" restart="never" nodeType="tmRoot"/>
+      </p:par>
+    </p:tnLst>
+  </p:timing>
+</p:sld>
+</file>
+
+<file path=ppt/slides/slide29.xml><?xml version="1.0" encoding="utf-8"?>
+<p:sld xmlns:a="http://schemas.openxmlformats.org/drawingml/2006/main" xmlns:r="http://schemas.openxmlformats.org/officeDocument/2006/relationships" xmlns:p="http://schemas.openxmlformats.org/presentationml/2006/main">
+  <p:cSld>
+    <p:spTree>
+      <p:nvGrpSpPr>
+        <p:cNvPr id="1" name=""/>
+        <p:cNvGrpSpPr/>
+        <p:nvPr/>
+      </p:nvGrpSpPr>
+      <p:grpSpPr>
+        <a:xfrm>
+          <a:off x="0" y="0"/>
+          <a:ext cx="0" cy="0"/>
+          <a:chOff x="0" y="0"/>
+          <a:chExt cx="0" cy="0"/>
+        </a:xfrm>
+      </p:grpSpPr>
+      <p:sp>
+        <p:nvSpPr>
+          <p:cNvPr id="2" name="Title 1"/>
+          <p:cNvSpPr>
+            <a:spLocks noGrp="1"/>
+          </p:cNvSpPr>
+          <p:nvPr>
+            <p:ph type="title"/>
+          </p:nvPr>
+        </p:nvSpPr>
+        <p:spPr>
+          <a:xfrm>
+            <a:off x="984504" y="365125"/>
+            <a:ext cx="10515600" cy="1994027"/>
+          </a:xfrm>
+        </p:spPr>
+        <p:txBody>
+          <a:bodyPr>
+            <a:noAutofit/>
+          </a:bodyPr>
+          <a:lstStyle/>
+          <a:p>
+            <a:r>
+              <a:rPr lang="en-US" sz="4800" b="1" dirty="0"/>
+              <a:t>OR - </a:t>
+            </a:r>
+            <a:r>
+              <a:rPr lang="en-US" sz="4800" b="1" dirty="0" err="1"/>
+              <a:t>randa</a:t>
+            </a:r>
+            <a:r>
+              <a:rPr lang="en-US" sz="4800" b="1" dirty="0"/>
+              <a:t> </a:t>
+            </a:r>
+            <a:r>
+              <a:rPr lang="en-US" sz="4800" b="1" dirty="0" err="1"/>
+              <a:t>šaltinius</a:t>
+            </a:r>
+            <a:r>
+              <a:rPr lang="en-US" sz="4800" b="1" dirty="0"/>
+              <a:t> </a:t>
+            </a:r>
+            <a:r>
+              <a:rPr lang="en-US" sz="4800" b="1" dirty="0" err="1"/>
+              <a:t>turinčius</a:t>
+            </a:r>
+            <a:r>
+              <a:rPr lang="en-US" sz="4800" b="1" dirty="0"/>
+              <a:t> bent </a:t>
+            </a:r>
+            <a:r>
+              <a:rPr lang="en-US" sz="4800" b="1" dirty="0" err="1"/>
+              <a:t>vieną</a:t>
+            </a:r>
+            <a:r>
+              <a:rPr lang="en-US" sz="4800" b="1" dirty="0"/>
+              <a:t> </a:t>
+            </a:r>
+            <a:r>
+              <a:rPr lang="en-US" sz="4800" b="1" dirty="0" err="1"/>
+              <a:t>paieškos</a:t>
+            </a:r>
+            <a:r>
+              <a:rPr lang="en-US" sz="4800" b="1" dirty="0"/>
+              <a:t> </a:t>
+            </a:r>
+            <a:r>
+              <a:rPr lang="en-US" sz="4400" b="1" dirty="0" err="1"/>
+              <a:t>reikšminį</a:t>
+            </a:r>
+            <a:r>
+              <a:rPr lang="en-US" sz="4800" b="1" dirty="0"/>
+              <a:t> </a:t>
+            </a:r>
+            <a:r>
+              <a:rPr lang="en-US" sz="4800" b="1" dirty="0" err="1"/>
+              <a:t>žodį</a:t>
+            </a:r>
+            <a:r>
+              <a:rPr lang="en-US" sz="4800" dirty="0"/>
+              <a:t/>
+            </a:r>
+            <a:br>
+              <a:rPr lang="en-US" sz="4800" dirty="0"/>
+            </a:br>
+            <a:endParaRPr lang="en-US" sz="4800" dirty="0"/>
+          </a:p>
+        </p:txBody>
+      </p:sp>
+      <p:pic>
+        <p:nvPicPr>
+          <p:cNvPr id="4" name="Picture 3"/>
+          <p:cNvPicPr>
+            <a:picLocks noChangeAspect="1"/>
+          </p:cNvPicPr>
+          <p:nvPr/>
+        </p:nvPicPr>
+        <p:blipFill>
+          <a:blip r:embed="rId3"/>
+          <a:stretch>
+            <a:fillRect/>
+          </a:stretch>
+        </p:blipFill>
+        <p:spPr>
+          <a:xfrm>
+            <a:off x="3166395" y="1901951"/>
+            <a:ext cx="6151817" cy="4299411"/>
+          </a:xfrm>
+          <a:prstGeom prst="rect">
+            <a:avLst/>
+          </a:prstGeom>
+        </p:spPr>
+      </p:pic>
+      <p:sp>
+        <p:nvSpPr>
+          <p:cNvPr id="3" name="Slide Number Placeholder 2"/>
+          <p:cNvSpPr>
+            <a:spLocks noGrp="1"/>
+          </p:cNvSpPr>
+          <p:nvPr>
+            <p:ph type="sldNum" sz="quarter" idx="12"/>
+          </p:nvPr>
+        </p:nvSpPr>
+        <p:spPr/>
+        <p:txBody>
+          <a:bodyPr/>
+          <a:lstStyle/>
+          <a:p>
+            <a:fld id="{6D22F896-40B5-4ADD-8801-0D06FADFA095}" type="slidenum">
+              <a:rPr lang="en-US" smtClean="0"/>
+              <a:t>29</a:t>
+            </a:fld>
+            <a:endParaRPr lang="en-US" dirty="0"/>
+          </a:p>
+        </p:txBody>
+      </p:sp>
+    </p:spTree>
+    <p:extLst>
+      <p:ext uri="{BB962C8B-B14F-4D97-AF65-F5344CB8AC3E}">
+        <p14:creationId xmlns:p14="http://schemas.microsoft.com/office/powerpoint/2010/main" val="29178394"/>
       </p:ext>
     </p:extLst>
   </p:cSld>
@@ -13642,179 +13483,6 @@
 </file>
 
 <file path=ppt/slides/slide30.xml><?xml version="1.0" encoding="utf-8"?>
-<p:sld xmlns:a="http://schemas.openxmlformats.org/drawingml/2006/main" xmlns:r="http://schemas.openxmlformats.org/officeDocument/2006/relationships" xmlns:p="http://schemas.openxmlformats.org/presentationml/2006/main">
-  <p:cSld>
-    <p:spTree>
-      <p:nvGrpSpPr>
-        <p:cNvPr id="1" name=""/>
-        <p:cNvGrpSpPr/>
-        <p:nvPr/>
-      </p:nvGrpSpPr>
-      <p:grpSpPr>
-        <a:xfrm>
-          <a:off x="0" y="0"/>
-          <a:ext cx="0" cy="0"/>
-          <a:chOff x="0" y="0"/>
-          <a:chExt cx="0" cy="0"/>
-        </a:xfrm>
-      </p:grpSpPr>
-      <p:sp>
-        <p:nvSpPr>
-          <p:cNvPr id="2" name="Title 1"/>
-          <p:cNvSpPr>
-            <a:spLocks noGrp="1"/>
-          </p:cNvSpPr>
-          <p:nvPr>
-            <p:ph type="title"/>
-          </p:nvPr>
-        </p:nvSpPr>
-        <p:spPr>
-          <a:xfrm>
-            <a:off x="984504" y="365125"/>
-            <a:ext cx="10515600" cy="1994027"/>
-          </a:xfrm>
-        </p:spPr>
-        <p:txBody>
-          <a:bodyPr>
-            <a:noAutofit/>
-          </a:bodyPr>
-          <a:lstStyle/>
-          <a:p>
-            <a:r>
-              <a:rPr lang="en-US" sz="4800" b="1" dirty="0"/>
-              <a:t>OR - </a:t>
-            </a:r>
-            <a:r>
-              <a:rPr lang="en-US" sz="4800" b="1" dirty="0" err="1"/>
-              <a:t>randa</a:t>
-            </a:r>
-            <a:r>
-              <a:rPr lang="en-US" sz="4800" b="1" dirty="0"/>
-              <a:t> </a:t>
-            </a:r>
-            <a:r>
-              <a:rPr lang="en-US" sz="4800" b="1" dirty="0" err="1"/>
-              <a:t>šaltinius</a:t>
-            </a:r>
-            <a:r>
-              <a:rPr lang="en-US" sz="4800" b="1" dirty="0"/>
-              <a:t> </a:t>
-            </a:r>
-            <a:r>
-              <a:rPr lang="en-US" sz="4800" b="1" dirty="0" err="1"/>
-              <a:t>turinčius</a:t>
-            </a:r>
-            <a:r>
-              <a:rPr lang="en-US" sz="4800" b="1" dirty="0"/>
-              <a:t> bent </a:t>
-            </a:r>
-            <a:r>
-              <a:rPr lang="en-US" sz="4800" b="1" dirty="0" err="1"/>
-              <a:t>vieną</a:t>
-            </a:r>
-            <a:r>
-              <a:rPr lang="en-US" sz="4800" b="1" dirty="0"/>
-              <a:t> </a:t>
-            </a:r>
-            <a:r>
-              <a:rPr lang="en-US" sz="4800" b="1" dirty="0" err="1"/>
-              <a:t>paieškos</a:t>
-            </a:r>
-            <a:r>
-              <a:rPr lang="en-US" sz="4800" b="1" dirty="0"/>
-              <a:t> </a:t>
-            </a:r>
-            <a:r>
-              <a:rPr lang="en-US" sz="4400" b="1" dirty="0" err="1"/>
-              <a:t>reikšminį</a:t>
-            </a:r>
-            <a:r>
-              <a:rPr lang="en-US" sz="4800" b="1" dirty="0"/>
-              <a:t> </a:t>
-            </a:r>
-            <a:r>
-              <a:rPr lang="en-US" sz="4800" b="1" dirty="0" err="1"/>
-              <a:t>žodį</a:t>
-            </a:r>
-            <a:r>
-              <a:rPr lang="en-US" sz="4800" dirty="0"/>
-              <a:t/>
-            </a:r>
-            <a:br>
-              <a:rPr lang="en-US" sz="4800" dirty="0"/>
-            </a:br>
-            <a:endParaRPr lang="en-US" sz="4800" dirty="0"/>
-          </a:p>
-        </p:txBody>
-      </p:sp>
-      <p:pic>
-        <p:nvPicPr>
-          <p:cNvPr id="4" name="Picture 3"/>
-          <p:cNvPicPr>
-            <a:picLocks noChangeAspect="1"/>
-          </p:cNvPicPr>
-          <p:nvPr/>
-        </p:nvPicPr>
-        <p:blipFill>
-          <a:blip r:embed="rId3"/>
-          <a:stretch>
-            <a:fillRect/>
-          </a:stretch>
-        </p:blipFill>
-        <p:spPr>
-          <a:xfrm>
-            <a:off x="3166395" y="1901951"/>
-            <a:ext cx="6151817" cy="4299411"/>
-          </a:xfrm>
-          <a:prstGeom prst="rect">
-            <a:avLst/>
-          </a:prstGeom>
-        </p:spPr>
-      </p:pic>
-      <p:sp>
-        <p:nvSpPr>
-          <p:cNvPr id="3" name="Slide Number Placeholder 2"/>
-          <p:cNvSpPr>
-            <a:spLocks noGrp="1"/>
-          </p:cNvSpPr>
-          <p:nvPr>
-            <p:ph type="sldNum" sz="quarter" idx="12"/>
-          </p:nvPr>
-        </p:nvSpPr>
-        <p:spPr/>
-        <p:txBody>
-          <a:bodyPr/>
-          <a:lstStyle/>
-          <a:p>
-            <a:fld id="{6D22F896-40B5-4ADD-8801-0D06FADFA095}" type="slidenum">
-              <a:rPr lang="en-US" smtClean="0"/>
-              <a:t>30</a:t>
-            </a:fld>
-            <a:endParaRPr lang="en-US" dirty="0"/>
-          </a:p>
-        </p:txBody>
-      </p:sp>
-    </p:spTree>
-    <p:extLst>
-      <p:ext uri="{BB962C8B-B14F-4D97-AF65-F5344CB8AC3E}">
-        <p14:creationId xmlns:p14="http://schemas.microsoft.com/office/powerpoint/2010/main" val="29178394"/>
-      </p:ext>
-    </p:extLst>
-  </p:cSld>
-  <p:clrMapOvr>
-    <a:masterClrMapping/>
-  </p:clrMapOvr>
-  <p:timing>
-    <p:tnLst>
-      <p:par>
-        <p:cTn id="1" dur="indefinite" restart="never" nodeType="tmRoot"/>
-      </p:par>
-    </p:tnLst>
-  </p:timing>
-</p:sld>
-</file>
-
-<file path=ppt/slides/slide31.xml><?xml version="1.0" encoding="utf-8"?>
 <p:sld xmlns:a="http://schemas.openxmlformats.org/drawingml/2006/main" xmlns:r="http://schemas.openxmlformats.org/officeDocument/2006/relationships" xmlns:p="http://schemas.openxmlformats.org/presentationml/2006/main">
   <p:cSld>
     <p:spTree>
@@ -13919,7 +13587,7 @@
           <a:p>
             <a:fld id="{6D22F896-40B5-4ADD-8801-0D06FADFA095}" type="slidenum">
               <a:rPr lang="en-US" smtClean="0"/>
-              <a:t>31</a:t>
+              <a:t>30</a:t>
             </a:fld>
             <a:endParaRPr lang="en-US" dirty="0"/>
           </a:p>
@@ -13945,7 +13613,7 @@
 </p:sld>
 </file>
 
-<file path=ppt/slides/slide32.xml><?xml version="1.0" encoding="utf-8"?>
+<file path=ppt/slides/slide31.xml><?xml version="1.0" encoding="utf-8"?>
 <p:sld xmlns:a="http://schemas.openxmlformats.org/drawingml/2006/main" xmlns:r="http://schemas.openxmlformats.org/officeDocument/2006/relationships" xmlns:p="http://schemas.openxmlformats.org/presentationml/2006/main">
   <p:cSld>
     <p:spTree>
@@ -14045,7 +13713,7 @@
           <a:p>
             <a:fld id="{6D22F896-40B5-4ADD-8801-0D06FADFA095}" type="slidenum">
               <a:rPr lang="en-US" smtClean="0"/>
-              <a:t>32</a:t>
+              <a:t>31</a:t>
             </a:fld>
             <a:endParaRPr lang="en-US" dirty="0"/>
           </a:p>
@@ -14071,7 +13739,7 @@
 </p:sld>
 </file>
 
-<file path=ppt/slides/slide33.xml><?xml version="1.0" encoding="utf-8"?>
+<file path=ppt/slides/slide32.xml><?xml version="1.0" encoding="utf-8"?>
 <p:sld xmlns:a="http://schemas.openxmlformats.org/drawingml/2006/main" xmlns:r="http://schemas.openxmlformats.org/officeDocument/2006/relationships" xmlns:p="http://schemas.openxmlformats.org/presentationml/2006/main">
   <p:cSld>
     <p:spTree>
@@ -14184,7 +13852,7 @@
           <a:p>
             <a:fld id="{6D22F896-40B5-4ADD-8801-0D06FADFA095}" type="slidenum">
               <a:rPr lang="en-US" smtClean="0"/>
-              <a:t>33</a:t>
+              <a:t>32</a:t>
             </a:fld>
             <a:endParaRPr lang="en-US" dirty="0"/>
           </a:p>
@@ -14194,6 +13862,230 @@
     <p:extLst>
       <p:ext uri="{BB962C8B-B14F-4D97-AF65-F5344CB8AC3E}">
         <p14:creationId xmlns:p14="http://schemas.microsoft.com/office/powerpoint/2010/main" val="2895936664"/>
+      </p:ext>
+    </p:extLst>
+  </p:cSld>
+  <p:clrMapOvr>
+    <a:masterClrMapping/>
+  </p:clrMapOvr>
+  <p:timing>
+    <p:tnLst>
+      <p:par>
+        <p:cTn id="1" dur="indefinite" restart="never" nodeType="tmRoot"/>
+      </p:par>
+    </p:tnLst>
+  </p:timing>
+</p:sld>
+</file>
+
+<file path=ppt/slides/slide33.xml><?xml version="1.0" encoding="utf-8"?>
+<p:sld xmlns:a="http://schemas.openxmlformats.org/drawingml/2006/main" xmlns:r="http://schemas.openxmlformats.org/officeDocument/2006/relationships" xmlns:p="http://schemas.openxmlformats.org/presentationml/2006/main">
+  <p:cSld>
+    <p:spTree>
+      <p:nvGrpSpPr>
+        <p:cNvPr id="1" name=""/>
+        <p:cNvGrpSpPr/>
+        <p:nvPr/>
+      </p:nvGrpSpPr>
+      <p:grpSpPr>
+        <a:xfrm>
+          <a:off x="0" y="0"/>
+          <a:ext cx="0" cy="0"/>
+          <a:chOff x="0" y="0"/>
+          <a:chExt cx="0" cy="0"/>
+        </a:xfrm>
+      </p:grpSpPr>
+      <p:sp>
+        <p:nvSpPr>
+          <p:cNvPr id="2" name="Title 1"/>
+          <p:cNvSpPr>
+            <a:spLocks noGrp="1"/>
+          </p:cNvSpPr>
+          <p:nvPr>
+            <p:ph type="title"/>
+          </p:nvPr>
+        </p:nvSpPr>
+        <p:spPr/>
+        <p:txBody>
+          <a:bodyPr/>
+          <a:lstStyle/>
+          <a:p>
+            <a:r>
+              <a:rPr lang="lt-LT" dirty="0" smtClean="0"/>
+              <a:t>Kitos funkcijos</a:t>
+            </a:r>
+            <a:endParaRPr lang="en-US" dirty="0"/>
+          </a:p>
+        </p:txBody>
+      </p:sp>
+      <p:sp>
+        <p:nvSpPr>
+          <p:cNvPr id="3" name="Content Placeholder 2"/>
+          <p:cNvSpPr>
+            <a:spLocks noGrp="1"/>
+          </p:cNvSpPr>
+          <p:nvPr>
+            <p:ph idx="1"/>
+          </p:nvPr>
+        </p:nvSpPr>
+        <p:spPr/>
+        <p:txBody>
+          <a:bodyPr>
+            <a:normAutofit/>
+          </a:bodyPr>
+          <a:lstStyle/>
+          <a:p>
+            <a:r>
+              <a:rPr lang="lt-LT" b="1" dirty="0" smtClean="0"/>
+              <a:t>Tilde</a:t>
+            </a:r>
+            <a:r>
+              <a:rPr lang="en-US" b="1" dirty="0" smtClean="0"/>
+              <a:t> operator</a:t>
+            </a:r>
+            <a:r>
+              <a:rPr lang="lt-LT" b="1" dirty="0" err="1" smtClean="0"/>
+              <a:t>ius</a:t>
+            </a:r>
+            <a:r>
+              <a:rPr lang="en-US" b="1" dirty="0" smtClean="0"/>
+              <a:t>(~):</a:t>
+            </a:r>
+            <a:r>
+              <a:rPr lang="lt-LT" dirty="0"/>
+              <a:t> </a:t>
+            </a:r>
+            <a:r>
+              <a:rPr lang="lt-LT" dirty="0" smtClean="0"/>
+              <a:t>Ieško visų puslapių, su jūsų ieškomo raktinio žodžio sinonimais.</a:t>
+            </a:r>
+          </a:p>
+          <a:p>
+            <a:r>
+              <a:rPr lang="lt-LT" b="1" dirty="0" smtClean="0"/>
+              <a:t>Žvaigždutes </a:t>
+            </a:r>
+            <a:r>
+              <a:rPr lang="en-US" b="1" dirty="0" smtClean="0"/>
+              <a:t>operator</a:t>
+            </a:r>
+            <a:r>
+              <a:rPr lang="lt-LT" b="1" dirty="0" err="1" smtClean="0"/>
+              <a:t>ius</a:t>
+            </a:r>
+            <a:r>
+              <a:rPr lang="en-US" b="1" dirty="0" smtClean="0"/>
+              <a:t> </a:t>
+            </a:r>
+            <a:r>
+              <a:rPr lang="en-US" b="1" dirty="0"/>
+              <a:t>(*): </a:t>
+            </a:r>
+            <a:r>
+              <a:rPr lang="lt-LT" dirty="0" smtClean="0"/>
+              <a:t>Ieško pagal jūsų raktinį žodį ir vietoje žvaigždutes bet kokį kita žodį.</a:t>
+            </a:r>
+          </a:p>
+          <a:p>
+            <a:r>
+              <a:rPr lang="lt-LT" b="1" dirty="0" smtClean="0"/>
+              <a:t>Kabučių operatorius (</a:t>
+            </a:r>
+            <a:r>
+              <a:rPr lang="en-US" b="1" dirty="0" smtClean="0"/>
+              <a:t>“”): </a:t>
+            </a:r>
+            <a:r>
+              <a:rPr lang="lt-LT" dirty="0" smtClean="0"/>
+              <a:t>Ieško tikslios jūsų ieškomos frazės.</a:t>
+            </a:r>
+            <a:endParaRPr lang="lt-LT" b="1" dirty="0" smtClean="0"/>
+          </a:p>
+          <a:p>
+            <a:r>
+              <a:rPr lang="lt-LT" b="1" dirty="0" smtClean="0"/>
+              <a:t>Paieška puslapiuose (</a:t>
+            </a:r>
+            <a:r>
+              <a:rPr lang="lt-LT" b="1" dirty="0" err="1" smtClean="0"/>
+              <a:t>site</a:t>
+            </a:r>
+            <a:r>
+              <a:rPr lang="lt-LT" b="1" dirty="0" smtClean="0"/>
+              <a:t>:)</a:t>
+            </a:r>
+            <a:r>
+              <a:rPr lang="en-US" b="1" dirty="0" smtClean="0"/>
+              <a:t>:</a:t>
+            </a:r>
+            <a:r>
+              <a:rPr lang="en-US" b="1" dirty="0"/>
+              <a:t> </a:t>
+            </a:r>
+            <a:r>
+              <a:rPr lang="lt-LT" dirty="0" smtClean="0"/>
+              <a:t>Ieško pagal raktinį žodį jūsų nurodytame puslapyje.</a:t>
+            </a:r>
+            <a:endParaRPr lang="en-US" dirty="0"/>
+          </a:p>
+          <a:p>
+            <a:r>
+              <a:rPr lang="lt-LT" b="1" dirty="0" smtClean="0"/>
+              <a:t>Susijusių puslapiu paieška (</a:t>
+            </a:r>
+            <a:r>
+              <a:rPr lang="lt-LT" b="1" dirty="0" err="1" smtClean="0"/>
+              <a:t>related</a:t>
+            </a:r>
+            <a:r>
+              <a:rPr lang="lt-LT" b="1" dirty="0" smtClean="0"/>
+              <a:t>:)</a:t>
+            </a:r>
+            <a:r>
+              <a:rPr lang="en-US" b="1" dirty="0" smtClean="0"/>
+              <a:t>:</a:t>
+            </a:r>
+            <a:r>
+              <a:rPr lang="en-US" b="1" dirty="0"/>
+              <a:t> </a:t>
+            </a:r>
+            <a:r>
+              <a:rPr lang="lt-LT" dirty="0" smtClean="0"/>
+              <a:t>Ieško panašių puslapių kaip jūsų nurodyto.</a:t>
+            </a:r>
+          </a:p>
+          <a:p>
+            <a:endParaRPr lang="en-US" dirty="0"/>
+          </a:p>
+        </p:txBody>
+      </p:sp>
+      <p:sp>
+        <p:nvSpPr>
+          <p:cNvPr id="4" name="Slide Number Placeholder 3"/>
+          <p:cNvSpPr>
+            <a:spLocks noGrp="1"/>
+          </p:cNvSpPr>
+          <p:nvPr>
+            <p:ph type="sldNum" sz="quarter" idx="12"/>
+          </p:nvPr>
+        </p:nvSpPr>
+        <p:spPr/>
+        <p:txBody>
+          <a:bodyPr/>
+          <a:lstStyle/>
+          <a:p>
+            <a:fld id="{6D22F896-40B5-4ADD-8801-0D06FADFA095}" type="slidenum">
+              <a:rPr lang="en-US" smtClean="0"/>
+              <a:t>33</a:t>
+            </a:fld>
+            <a:endParaRPr lang="en-US" dirty="0"/>
+          </a:p>
+        </p:txBody>
+      </p:sp>
+    </p:spTree>
+    <p:extLst>
+      <p:ext uri="{BB962C8B-B14F-4D97-AF65-F5344CB8AC3E}">
+        <p14:creationId xmlns:p14="http://schemas.microsoft.com/office/powerpoint/2010/main" val="3852212322"/>
       </p:ext>
     </p:extLst>
   </p:cSld>
@@ -14244,7 +14136,7 @@
           <a:p>
             <a:r>
               <a:rPr lang="lt-LT" dirty="0" smtClean="0"/>
-              <a:t>Kitos funkcijos</a:t>
+              <a:t>Išvados	</a:t>
             </a:r>
             <a:endParaRPr lang="en-US" dirty="0"/>
           </a:p>
@@ -14262,131 +14154,35 @@
         </p:nvSpPr>
         <p:spPr/>
         <p:txBody>
-          <a:bodyPr>
-            <a:normAutofit/>
-          </a:bodyPr>
-          <a:lstStyle/>
-          <a:p>
-            <a:r>
-              <a:rPr lang="lt-LT" b="1" dirty="0" smtClean="0"/>
-              <a:t>Tilde</a:t>
-            </a:r>
-            <a:r>
-              <a:rPr lang="en-US" b="1" dirty="0" smtClean="0"/>
-              <a:t> operator</a:t>
-            </a:r>
-            <a:r>
-              <a:rPr lang="lt-LT" b="1" dirty="0" err="1" smtClean="0"/>
-              <a:t>ius</a:t>
-            </a:r>
-            <a:r>
-              <a:rPr lang="en-US" b="1" dirty="0" smtClean="0"/>
-              <a:t>(~):</a:t>
-            </a:r>
-            <a:r>
-              <a:rPr lang="lt-LT" dirty="0"/>
-              <a:t> </a:t>
-            </a:r>
-            <a:r>
-              <a:rPr lang="lt-LT" dirty="0" smtClean="0"/>
-              <a:t>Ieško visų puslapių, su jūsų ieškomo raktinio žodžio sinonimais.</a:t>
-            </a:r>
-          </a:p>
-          <a:p>
-            <a:r>
-              <a:rPr lang="lt-LT" b="1" dirty="0" smtClean="0"/>
-              <a:t>Žvaigždutes </a:t>
-            </a:r>
-            <a:r>
-              <a:rPr lang="en-US" b="1" dirty="0" smtClean="0"/>
-              <a:t>operator</a:t>
-            </a:r>
-            <a:r>
-              <a:rPr lang="lt-LT" b="1" dirty="0" err="1" smtClean="0"/>
-              <a:t>ius</a:t>
-            </a:r>
-            <a:r>
-              <a:rPr lang="en-US" b="1" dirty="0" smtClean="0"/>
-              <a:t> </a:t>
-            </a:r>
-            <a:r>
-              <a:rPr lang="en-US" b="1" dirty="0"/>
-              <a:t>(*): </a:t>
-            </a:r>
-            <a:r>
-              <a:rPr lang="lt-LT" dirty="0" smtClean="0"/>
-              <a:t>Ieško pagal jūsų raktinį žodį ir vietoje žvaigždutes bet kokį kita žodį.</a:t>
-            </a:r>
-          </a:p>
-          <a:p>
-            <a:r>
-              <a:rPr lang="lt-LT" b="1" dirty="0" smtClean="0"/>
-              <a:t>Kabučių operatorius (</a:t>
-            </a:r>
-            <a:r>
-              <a:rPr lang="en-US" b="1" dirty="0" smtClean="0"/>
-              <a:t>“”): </a:t>
-            </a:r>
-            <a:r>
-              <a:rPr lang="lt-LT" dirty="0" smtClean="0"/>
-              <a:t>Ieško tikslios jūsų ieškomos frazės.</a:t>
-            </a:r>
-            <a:endParaRPr lang="lt-LT" b="1" dirty="0" smtClean="0"/>
-          </a:p>
-          <a:p>
-            <a:r>
-              <a:rPr lang="lt-LT" b="1" dirty="0" smtClean="0"/>
-              <a:t>Paieška puslapiuose (</a:t>
-            </a:r>
-            <a:r>
-              <a:rPr lang="lt-LT" b="1" dirty="0" err="1" smtClean="0"/>
-              <a:t>site</a:t>
-            </a:r>
-            <a:r>
-              <a:rPr lang="lt-LT" b="1" dirty="0" smtClean="0"/>
-              <a:t>:)</a:t>
-            </a:r>
-            <a:r>
-              <a:rPr lang="en-US" b="1" dirty="0" smtClean="0"/>
-              <a:t>:</a:t>
-            </a:r>
-            <a:r>
-              <a:rPr lang="en-US" b="1" dirty="0"/>
-              <a:t> </a:t>
-            </a:r>
-            <a:r>
-              <a:rPr lang="lt-LT" dirty="0" smtClean="0"/>
-              <a:t>Ieško pagal raktinį žodį jūsų nurodytame puslapyje.</a:t>
-            </a:r>
-            <a:endParaRPr lang="en-US" dirty="0"/>
-          </a:p>
-          <a:p>
-            <a:r>
-              <a:rPr lang="lt-LT" b="1" dirty="0" smtClean="0"/>
-              <a:t>Susijusių puslapiu paieška (</a:t>
-            </a:r>
-            <a:r>
-              <a:rPr lang="lt-LT" b="1" dirty="0" err="1" smtClean="0"/>
-              <a:t>related</a:t>
-            </a:r>
-            <a:r>
-              <a:rPr lang="lt-LT" b="1" dirty="0" smtClean="0"/>
-              <a:t>:)</a:t>
-            </a:r>
-            <a:r>
-              <a:rPr lang="en-US" b="1" dirty="0" smtClean="0"/>
-              <a:t>:</a:t>
-            </a:r>
-            <a:r>
-              <a:rPr lang="en-US" b="1" dirty="0"/>
-              <a:t> </a:t>
-            </a:r>
-            <a:r>
-              <a:rPr lang="lt-LT" dirty="0" smtClean="0"/>
-              <a:t>Ieško panašių puslapių kaip jūsų nurodyto.</a:t>
-            </a:r>
-          </a:p>
-          <a:p>
+          <a:bodyPr/>
+          <a:lstStyle/>
+          <a:p>
+            <a:r>
+              <a:rPr lang="lt-LT" smtClean="0"/>
+              <a:t>Informaciją </a:t>
+            </a:r>
+            <a:endParaRPr lang="lt-LT" smtClean="0"/>
+          </a:p>
+          <a:p>
+            <a:r>
+              <a:rPr lang="lt-LT" dirty="0" smtClean="0"/>
+              <a:t>Norint </a:t>
+            </a:r>
+            <a:r>
+              <a:rPr lang="lt-LT" dirty="0" smtClean="0"/>
+              <a:t>pagerinti paieškos rezultatų kokybę turime žinoti kaip veikia paieškos varikliai.</a:t>
+            </a:r>
+          </a:p>
+          <a:p>
+            <a:r>
+              <a:rPr lang="lt-LT" dirty="0" smtClean="0"/>
+              <a:t>Norint tiksliau ir greičiau rasti reikiamą informaciją reikia mokėti naudotis paieškos variklių specializuotomis funkcijomis</a:t>
+            </a:r>
+          </a:p>
+          <a:p>
+            <a:pPr marL="0" indent="0">
+              <a:buNone/>
+            </a:pPr>
             <a:endParaRPr lang="en-US" dirty="0"/>
           </a:p>
         </p:txBody>
@@ -14417,7 +14213,7 @@
     </p:spTree>
     <p:extLst>
       <p:ext uri="{BB962C8B-B14F-4D97-AF65-F5344CB8AC3E}">
-        <p14:creationId xmlns:p14="http://schemas.microsoft.com/office/powerpoint/2010/main" val="3852212322"/>
+        <p14:creationId xmlns:p14="http://schemas.microsoft.com/office/powerpoint/2010/main" val="2540503819"/>
       </p:ext>
     </p:extLst>
   </p:cSld>
@@ -14468,7 +14264,7 @@
           <a:p>
             <a:r>
               <a:rPr lang="lt-LT" dirty="0" smtClean="0"/>
-              <a:t>Išvados	</a:t>
+              <a:t>Savikontrolės klausimai	</a:t>
             </a:r>
             <a:endParaRPr lang="en-US" dirty="0"/>
           </a:p>
@@ -14491,19 +14287,20 @@
           <a:p>
             <a:r>
               <a:rPr lang="lt-LT" dirty="0" smtClean="0"/>
-              <a:t>Norint pagerinti paieškos rezultatų kokybę turime žinoti kaip veikia paieškos varikliai.</a:t>
-            </a:r>
-          </a:p>
-          <a:p>
-            <a:r>
-              <a:rPr lang="lt-LT" dirty="0" smtClean="0"/>
-              <a:t>Norint tiksliau ir greičiau rasti reikiamą informaciją reikia mokėti naudotis paieškos variklių specializuotomis funkcijomis</a:t>
-            </a:r>
-          </a:p>
-          <a:p>
-            <a:pPr marL="0" indent="0">
-              <a:buNone/>
-            </a:pPr>
+              <a:t>Kodėl paieškos rezultatai būna nekokybiški?</a:t>
+            </a:r>
+          </a:p>
+          <a:p>
+            <a:r>
+              <a:rPr lang="lt-LT" dirty="0" smtClean="0"/>
+              <a:t>Kaip vadinasi 3 tipai paieškų, kurios yra dažniausiai vykdomos internete?</a:t>
+            </a:r>
+          </a:p>
+          <a:p>
+            <a:r>
+              <a:rPr lang="lt-LT" dirty="0" smtClean="0"/>
+              <a:t>Kokiais kriterijais vadovaudamasis paieškos variklis atrenka rezultatus pagal duotą užklausą?</a:t>
+            </a:r>
             <a:endParaRPr lang="en-US" dirty="0"/>
           </a:p>
         </p:txBody>
@@ -14534,7 +14331,7 @@
     </p:spTree>
     <p:extLst>
       <p:ext uri="{BB962C8B-B14F-4D97-AF65-F5344CB8AC3E}">
-        <p14:creationId xmlns:p14="http://schemas.microsoft.com/office/powerpoint/2010/main" val="2540503819"/>
+        <p14:creationId xmlns:p14="http://schemas.microsoft.com/office/powerpoint/2010/main" val="3038077190"/>
       </p:ext>
     </p:extLst>
   </p:cSld>
@@ -14578,15 +14375,40 @@
             <p:ph type="title"/>
           </p:nvPr>
         </p:nvSpPr>
-        <p:spPr/>
-        <p:txBody>
-          <a:bodyPr/>
-          <a:lstStyle/>
-          <a:p>
-            <a:r>
-              <a:rPr lang="lt-LT" dirty="0" smtClean="0"/>
-              <a:t>Savikontrolės klausimai	</a:t>
-            </a:r>
+        <p:spPr>
+          <a:xfrm>
+            <a:off x="838200" y="500062"/>
+            <a:ext cx="10829544" cy="1712786"/>
+          </a:xfrm>
+        </p:spPr>
+        <p:txBody>
+          <a:bodyPr>
+            <a:normAutofit fontScale="90000"/>
+          </a:bodyPr>
+          <a:lstStyle/>
+          <a:p>
+            <a:r>
+              <a:rPr lang="lt-LT" dirty="0" smtClean="0"/>
+              <a:t>				Atsakymai: </a:t>
+            </a:r>
+            <a:br>
+              <a:rPr lang="lt-LT" dirty="0" smtClean="0"/>
+            </a:br>
+            <a:r>
+              <a:rPr lang="lt-LT" sz="4900" dirty="0" smtClean="0"/>
+              <a:t>Kodėl </a:t>
+            </a:r>
+            <a:r>
+              <a:rPr lang="lt-LT" sz="4900" dirty="0"/>
+              <a:t>paieškos rezultatai būna nekokybiški?</a:t>
+            </a:r>
+            <a:r>
+              <a:rPr lang="en-US" dirty="0"/>
+              <a:t/>
+            </a:r>
+            <a:br>
+              <a:rPr lang="en-US" dirty="0"/>
+            </a:br>
             <a:endParaRPr lang="en-US" dirty="0"/>
           </a:p>
         </p:txBody>
@@ -14601,27 +14423,43 @@
             <p:ph idx="1"/>
           </p:nvPr>
         </p:nvSpPr>
-        <p:spPr/>
-        <p:txBody>
-          <a:bodyPr/>
-          <a:lstStyle/>
-          <a:p>
-            <a:r>
-              <a:rPr lang="lt-LT" dirty="0" smtClean="0"/>
-              <a:t>Kodėl paieškos rezultatai būna nekokybiški?</a:t>
-            </a:r>
-          </a:p>
-          <a:p>
-            <a:r>
-              <a:rPr lang="lt-LT" dirty="0" smtClean="0"/>
-              <a:t>Kaip vadinasi 3 tipai paieškų, kurios yra dažniausiai vykdomos internete?</a:t>
-            </a:r>
-          </a:p>
-          <a:p>
-            <a:r>
-              <a:rPr lang="lt-LT" dirty="0" smtClean="0"/>
-              <a:t>Kokiais kriterijais vadovaudamasis paieškos variklis atrenka rezultatus pagal duotą užklausą?</a:t>
-            </a:r>
+        <p:spPr>
+          <a:xfrm>
+            <a:off x="838200" y="2212848"/>
+            <a:ext cx="10233800" cy="3964115"/>
+          </a:xfrm>
+        </p:spPr>
+        <p:txBody>
+          <a:bodyPr/>
+          <a:lstStyle/>
+          <a:p>
+            <a:r>
+              <a:rPr lang="lt-LT" dirty="0"/>
+              <a:t>Svetainių kūrėjai savo puslapiuose naudoja raktinius žodžius, kurie nesusisiję su puslapio </a:t>
+            </a:r>
+            <a:r>
+              <a:rPr lang="lt-LT" dirty="0" smtClean="0"/>
+              <a:t>turiniu.</a:t>
+            </a:r>
+          </a:p>
+          <a:p>
+            <a:r>
+              <a:rPr lang="lt-LT" dirty="0" smtClean="0"/>
+              <a:t>Personalizuojama paieška, dažnai ieškant skirtingų dalykų rezultatai būna </a:t>
+            </a:r>
+            <a:r>
+              <a:rPr lang="lt-LT" dirty="0" err="1" smtClean="0"/>
+              <a:t>perenkami</a:t>
+            </a:r>
+            <a:r>
+              <a:rPr lang="lt-LT" dirty="0" smtClean="0"/>
+              <a:t> nuo praeitų paieškų, nors vartotojas nori visai ko kito.</a:t>
+            </a:r>
+          </a:p>
+          <a:p>
+            <a:endParaRPr lang="lt-LT" dirty="0" smtClean="0"/>
+          </a:p>
+          <a:p>
             <a:endParaRPr lang="en-US" dirty="0"/>
           </a:p>
         </p:txBody>
@@ -14652,7 +14490,7 @@
     </p:spTree>
     <p:extLst>
       <p:ext uri="{BB962C8B-B14F-4D97-AF65-F5344CB8AC3E}">
-        <p14:creationId xmlns:p14="http://schemas.microsoft.com/office/powerpoint/2010/main" val="3038077190"/>
+        <p14:creationId xmlns:p14="http://schemas.microsoft.com/office/powerpoint/2010/main" val="4190016245"/>
       </p:ext>
     </p:extLst>
   </p:cSld>
@@ -14699,7 +14537,7 @@
         <p:spPr>
           <a:xfrm>
             <a:off x="838200" y="500062"/>
-            <a:ext cx="10829544" cy="1712786"/>
+            <a:ext cx="10957560" cy="1676210"/>
           </a:xfrm>
         </p:spPr>
         <p:txBody>
@@ -14716,19 +14554,15 @@
               <a:rPr lang="lt-LT" dirty="0" smtClean="0"/>
             </a:br>
             <a:r>
-              <a:rPr lang="lt-LT" sz="4900" dirty="0" smtClean="0"/>
-              <a:t>Kodėl </a:t>
-            </a:r>
-            <a:r>
               <a:rPr lang="lt-LT" sz="4900" dirty="0"/>
-              <a:t>paieškos rezultatai būna nekokybiški?</a:t>
-            </a:r>
-            <a:r>
-              <a:rPr lang="en-US" dirty="0"/>
+              <a:t>Kaip vadinasi 3 tipai paieškų, kurios yra dažniausiai vykdomos internete?</a:t>
+            </a:r>
+            <a:r>
+              <a:rPr lang="en-US" sz="4900" dirty="0"/>
               <a:t/>
             </a:r>
             <a:br>
-              <a:rPr lang="en-US" dirty="0"/>
+              <a:rPr lang="en-US" sz="4900" dirty="0"/>
             </a:br>
             <a:endParaRPr lang="en-US" dirty="0"/>
           </a:p>
@@ -14746,8 +14580,8 @@
         </p:nvSpPr>
         <p:spPr>
           <a:xfrm>
-            <a:off x="838200" y="2212848"/>
-            <a:ext cx="10233800" cy="3964115"/>
+            <a:off x="979100" y="2176272"/>
+            <a:ext cx="10233800" cy="4000691"/>
           </a:xfrm>
         </p:spPr>
         <p:txBody>
@@ -14756,26 +14590,23 @@
           <a:p>
             <a:r>
               <a:rPr lang="lt-LT" dirty="0"/>
-              <a:t>Svetainių kūrėjai savo puslapiuose naudoja raktinius žodžius, kurie nesusisiję su puslapio </a:t>
-            </a:r>
-            <a:r>
-              <a:rPr lang="lt-LT" dirty="0" smtClean="0"/>
-              <a:t>turiniu.</a:t>
-            </a:r>
-          </a:p>
-          <a:p>
-            <a:r>
-              <a:rPr lang="lt-LT" dirty="0" smtClean="0"/>
-              <a:t>Personalizuojama paieška, dažnai ieškant skirtingų dalykų rezultatai būna </a:t>
-            </a:r>
-            <a:r>
-              <a:rPr lang="lt-LT" dirty="0" err="1" smtClean="0"/>
-              <a:t>perenkami</a:t>
-            </a:r>
-            <a:r>
-              <a:rPr lang="lt-LT" dirty="0" smtClean="0"/>
-              <a:t> nuo praeitų paieškų, nors vartotojas nori visai ko kito.</a:t>
-            </a:r>
+              <a:t>Svetainės/vietos paieška</a:t>
+            </a:r>
+          </a:p>
+          <a:p>
+            <a:r>
+              <a:rPr lang="lt-LT" dirty="0"/>
+              <a:t>Informacijos paieška</a:t>
+            </a:r>
+          </a:p>
+          <a:p>
+            <a:r>
+              <a:rPr lang="lt-LT" dirty="0"/>
+              <a:t>Potencialių pirkinių paieška</a:t>
+            </a:r>
+          </a:p>
+          <a:p>
+            <a:endParaRPr lang="en-US" dirty="0"/>
           </a:p>
           <a:p>
             <a:endParaRPr lang="lt-LT" dirty="0" smtClean="0"/>
@@ -14811,7 +14642,7 @@
     </p:spTree>
     <p:extLst>
       <p:ext uri="{BB962C8B-B14F-4D97-AF65-F5344CB8AC3E}">
-        <p14:creationId xmlns:p14="http://schemas.microsoft.com/office/powerpoint/2010/main" val="4190016245"/>
+        <p14:creationId xmlns:p14="http://schemas.microsoft.com/office/powerpoint/2010/main" val="1240082930"/>
       </p:ext>
     </p:extLst>
   </p:cSld>
@@ -14857,158 +14688,6 @@
         </p:nvSpPr>
         <p:spPr>
           <a:xfrm>
-            <a:off x="838200" y="500062"/>
-            <a:ext cx="10957560" cy="1676210"/>
-          </a:xfrm>
-        </p:spPr>
-        <p:txBody>
-          <a:bodyPr>
-            <a:normAutofit fontScale="90000"/>
-          </a:bodyPr>
-          <a:lstStyle/>
-          <a:p>
-            <a:r>
-              <a:rPr lang="lt-LT" dirty="0" smtClean="0"/>
-              <a:t>				Atsakymai: </a:t>
-            </a:r>
-            <a:br>
-              <a:rPr lang="lt-LT" dirty="0" smtClean="0"/>
-            </a:br>
-            <a:r>
-              <a:rPr lang="lt-LT" sz="4900" dirty="0"/>
-              <a:t>Kaip vadinasi 3 tipai paieškų, kurios yra dažniausiai vykdomos internete?</a:t>
-            </a:r>
-            <a:r>
-              <a:rPr lang="en-US" sz="4900" dirty="0"/>
-              <a:t/>
-            </a:r>
-            <a:br>
-              <a:rPr lang="en-US" sz="4900" dirty="0"/>
-            </a:br>
-            <a:endParaRPr lang="en-US" dirty="0"/>
-          </a:p>
-        </p:txBody>
-      </p:sp>
-      <p:sp>
-        <p:nvSpPr>
-          <p:cNvPr id="3" name="Content Placeholder 2"/>
-          <p:cNvSpPr>
-            <a:spLocks noGrp="1"/>
-          </p:cNvSpPr>
-          <p:nvPr>
-            <p:ph idx="1"/>
-          </p:nvPr>
-        </p:nvSpPr>
-        <p:spPr>
-          <a:xfrm>
-            <a:off x="979100" y="2176272"/>
-            <a:ext cx="10233800" cy="4000691"/>
-          </a:xfrm>
-        </p:spPr>
-        <p:txBody>
-          <a:bodyPr/>
-          <a:lstStyle/>
-          <a:p>
-            <a:r>
-              <a:rPr lang="lt-LT" dirty="0"/>
-              <a:t>Svetainės/vietos paieška</a:t>
-            </a:r>
-          </a:p>
-          <a:p>
-            <a:r>
-              <a:rPr lang="lt-LT" dirty="0"/>
-              <a:t>Informacijos paieška</a:t>
-            </a:r>
-          </a:p>
-          <a:p>
-            <a:r>
-              <a:rPr lang="lt-LT" dirty="0"/>
-              <a:t>Potencialių pirkinių paieška</a:t>
-            </a:r>
-          </a:p>
-          <a:p>
-            <a:endParaRPr lang="en-US" dirty="0"/>
-          </a:p>
-          <a:p>
-            <a:endParaRPr lang="lt-LT" dirty="0" smtClean="0"/>
-          </a:p>
-          <a:p>
-            <a:endParaRPr lang="en-US" dirty="0"/>
-          </a:p>
-        </p:txBody>
-      </p:sp>
-      <p:sp>
-        <p:nvSpPr>
-          <p:cNvPr id="4" name="Slide Number Placeholder 3"/>
-          <p:cNvSpPr>
-            <a:spLocks noGrp="1"/>
-          </p:cNvSpPr>
-          <p:nvPr>
-            <p:ph type="sldNum" sz="quarter" idx="12"/>
-          </p:nvPr>
-        </p:nvSpPr>
-        <p:spPr/>
-        <p:txBody>
-          <a:bodyPr/>
-          <a:lstStyle/>
-          <a:p>
-            <a:fld id="{6D22F896-40B5-4ADD-8801-0D06FADFA095}" type="slidenum">
-              <a:rPr lang="en-US" smtClean="0"/>
-              <a:t>38</a:t>
-            </a:fld>
-            <a:endParaRPr lang="en-US" dirty="0"/>
-          </a:p>
-        </p:txBody>
-      </p:sp>
-    </p:spTree>
-    <p:extLst>
-      <p:ext uri="{BB962C8B-B14F-4D97-AF65-F5344CB8AC3E}">
-        <p14:creationId xmlns:p14="http://schemas.microsoft.com/office/powerpoint/2010/main" val="1240082930"/>
-      </p:ext>
-    </p:extLst>
-  </p:cSld>
-  <p:clrMapOvr>
-    <a:masterClrMapping/>
-  </p:clrMapOvr>
-  <p:timing>
-    <p:tnLst>
-      <p:par>
-        <p:cTn id="1" dur="indefinite" restart="never" nodeType="tmRoot"/>
-      </p:par>
-    </p:tnLst>
-  </p:timing>
-</p:sld>
-</file>
-
-<file path=ppt/slides/slide39.xml><?xml version="1.0" encoding="utf-8"?>
-<p:sld xmlns:a="http://schemas.openxmlformats.org/drawingml/2006/main" xmlns:r="http://schemas.openxmlformats.org/officeDocument/2006/relationships" xmlns:p="http://schemas.openxmlformats.org/presentationml/2006/main">
-  <p:cSld>
-    <p:spTree>
-      <p:nvGrpSpPr>
-        <p:cNvPr id="1" name=""/>
-        <p:cNvGrpSpPr/>
-        <p:nvPr/>
-      </p:nvGrpSpPr>
-      <p:grpSpPr>
-        <a:xfrm>
-          <a:off x="0" y="0"/>
-          <a:ext cx="0" cy="0"/>
-          <a:chOff x="0" y="0"/>
-          <a:chExt cx="0" cy="0"/>
-        </a:xfrm>
-      </p:grpSpPr>
-      <p:sp>
-        <p:nvSpPr>
-          <p:cNvPr id="2" name="Title 1"/>
-          <p:cNvSpPr>
-            <a:spLocks noGrp="1"/>
-          </p:cNvSpPr>
-          <p:nvPr>
-            <p:ph type="title"/>
-          </p:nvPr>
-        </p:nvSpPr>
-        <p:spPr>
-          <a:xfrm>
             <a:off x="838200" y="170878"/>
             <a:ext cx="10515600" cy="3029522"/>
           </a:xfrm>
@@ -15127,7 +14806,7 @@
           <a:p>
             <a:fld id="{6D22F896-40B5-4ADD-8801-0D06FADFA095}" type="slidenum">
               <a:rPr lang="en-US" smtClean="0"/>
-              <a:t>39</a:t>
+              <a:t>38</a:t>
             </a:fld>
             <a:endParaRPr lang="en-US" dirty="0"/>
           </a:p>
@@ -15379,11 +15058,7 @@
           <a:p>
             <a:r>
               <a:rPr lang="lt-LT" dirty="0" smtClean="0"/>
-              <a:t>Svetainės/vietos </a:t>
-            </a:r>
-            <a:r>
-              <a:rPr lang="lt-LT" dirty="0" smtClean="0"/>
-              <a:t>paieška (</a:t>
+              <a:t>Svetainės/vietos paieška (</a:t>
             </a:r>
             <a:r>
               <a:rPr lang="lt-LT" dirty="0" err="1" smtClean="0"/>
@@ -15401,16 +15076,11 @@
               <a:rPr lang="lt-LT" dirty="0" smtClean="0"/>
               <a:t>)</a:t>
             </a:r>
-            <a:endParaRPr lang="lt-LT" dirty="0" smtClean="0"/>
-          </a:p>
-          <a:p>
-            <a:r>
-              <a:rPr lang="lt-LT" dirty="0" smtClean="0"/>
-              <a:t>Informacijos </a:t>
-            </a:r>
-            <a:r>
-              <a:rPr lang="lt-LT" dirty="0" smtClean="0"/>
-              <a:t>paieška (</a:t>
+          </a:p>
+          <a:p>
+            <a:r>
+              <a:rPr lang="lt-LT" dirty="0" smtClean="0"/>
+              <a:t>Informacijos paieška (</a:t>
             </a:r>
             <a:r>
               <a:rPr lang="lt-LT" dirty="0" err="1" smtClean="0"/>
@@ -15428,16 +15098,11 @@
               <a:rPr lang="lt-LT" dirty="0" smtClean="0"/>
               <a:t>)</a:t>
             </a:r>
-            <a:endParaRPr lang="lt-LT" dirty="0" smtClean="0"/>
-          </a:p>
-          <a:p>
-            <a:r>
-              <a:rPr lang="lt-LT" dirty="0" smtClean="0"/>
-              <a:t>Potencialių pirkinių </a:t>
-            </a:r>
-            <a:r>
-              <a:rPr lang="lt-LT" dirty="0" smtClean="0"/>
-              <a:t>paieška (</a:t>
+          </a:p>
+          <a:p>
+            <a:r>
+              <a:rPr lang="lt-LT" dirty="0" smtClean="0"/>
+              <a:t>Potencialių pirkinių paieška (</a:t>
             </a:r>
             <a:r>
               <a:rPr lang="lt-LT" dirty="0" err="1" smtClean="0"/>
@@ -15455,7 +15120,6 @@
               <a:rPr lang="lt-LT" dirty="0" smtClean="0"/>
               <a:t>)</a:t>
             </a:r>
-            <a:endParaRPr lang="lt-LT" dirty="0" smtClean="0"/>
           </a:p>
           <a:p>
             <a:endParaRPr lang="lt-LT" dirty="0" smtClean="0"/>
@@ -15582,11 +15246,7 @@
           <a:p>
             <a:r>
               <a:rPr lang="lt-LT" dirty="0" smtClean="0"/>
-              <a:t>Patekti </a:t>
-            </a:r>
-            <a:r>
-              <a:rPr lang="lt-LT" dirty="0" smtClean="0"/>
-              <a:t>į svetainę kai žino tik dalį jos pavadinimo.</a:t>
+              <a:t>Patekti į svetainę kai žino tik dalį jos pavadinimo.</a:t>
             </a:r>
           </a:p>
           <a:p>
